--- a/第二章 HDFS分布式文件系统.pptx
+++ b/第二章 HDFS分布式文件系统.pptx
@@ -5,13 +5,14 @@
     <p:sldMasterId id="2147483648" r:id="rId1"/>
   </p:sldMasterIdLst>
   <p:notesMasterIdLst>
-    <p:notesMasterId r:id="rId6"/>
+    <p:notesMasterId r:id="rId7"/>
   </p:notesMasterIdLst>
   <p:sldIdLst>
     <p:sldId id="256" r:id="rId2"/>
     <p:sldId id="257" r:id="rId3"/>
-    <p:sldId id="258" r:id="rId4"/>
-    <p:sldId id="259" r:id="rId5"/>
+    <p:sldId id="260" r:id="rId4"/>
+    <p:sldId id="258" r:id="rId5"/>
+    <p:sldId id="259" r:id="rId6"/>
   </p:sldIdLst>
   <p:sldSz cx="12192000" cy="6858000"/>
   <p:notesSz cx="6858000" cy="9144000"/>
@@ -112,7 +113,7 @@
   </p:defaultTextStyle>
   <p:extLst>
     <p:ext uri="{EFAFB233-063F-42B5-8137-9DF3F51BA10A}">
-      <p15:sldGuideLst xmlns:p15="http://schemas.microsoft.com/office/powerpoint/2012/main"/>
+      <p15:sldGuideLst xmlns:p15="http://schemas.microsoft.com/office/powerpoint/2012/main" xmlns=""/>
     </p:ext>
   </p:extLst>
 </p:presentation>
@@ -200,7 +201,7 @@
           <a:p>
             <a:fld id="{EBA7462B-154F-E647-9BF2-E8B82EB7C5D0}" type="datetimeFigureOut">
               <a:rPr kumimoji="1" lang="zh-CN" altLang="en-US" smtClean="0"/>
-              <a:t>2019/9/8</a:t>
+              <a:t>19/12/3</a:t>
             </a:fld>
             <a:endParaRPr kumimoji="1" lang="zh-CN" altLang="en-US"/>
           </a:p>
@@ -489,7 +490,7 @@
           <p:cNvPr id="2" name="标题 1">
             <a:extLst>
               <a:ext uri="{FF2B5EF4-FFF2-40B4-BE49-F238E27FC236}">
-                <a16:creationId xmlns:a16="http://schemas.microsoft.com/office/drawing/2014/main" id="{BEFBA073-2F78-4849-AB41-26B447E2B4E2}"/>
+                <a16:creationId xmlns:a16="http://schemas.microsoft.com/office/drawing/2014/main" xmlns="" id="{BEFBA073-2F78-4849-AB41-26B447E2B4E2}"/>
               </a:ext>
             </a:extLst>
           </p:cNvPr>
@@ -526,7 +527,7 @@
           <p:cNvPr id="3" name="副标题 2">
             <a:extLst>
               <a:ext uri="{FF2B5EF4-FFF2-40B4-BE49-F238E27FC236}">
-                <a16:creationId xmlns:a16="http://schemas.microsoft.com/office/drawing/2014/main" id="{C50E2952-855D-984A-A333-EBA179FA7601}"/>
+                <a16:creationId xmlns:a16="http://schemas.microsoft.com/office/drawing/2014/main" xmlns="" id="{C50E2952-855D-984A-A333-EBA179FA7601}"/>
               </a:ext>
             </a:extLst>
           </p:cNvPr>
@@ -596,7 +597,7 @@
           <p:cNvPr id="4" name="日期占位符 3">
             <a:extLst>
               <a:ext uri="{FF2B5EF4-FFF2-40B4-BE49-F238E27FC236}">
-                <a16:creationId xmlns:a16="http://schemas.microsoft.com/office/drawing/2014/main" id="{9E6AFA41-EB00-3847-B567-C6396D194CD2}"/>
+                <a16:creationId xmlns:a16="http://schemas.microsoft.com/office/drawing/2014/main" xmlns="" id="{9E6AFA41-EB00-3847-B567-C6396D194CD2}"/>
               </a:ext>
             </a:extLst>
           </p:cNvPr>
@@ -614,7 +615,7 @@
           <a:p>
             <a:fld id="{66712E2F-D156-BE48-842B-9FD32FE71F0F}" type="datetimeFigureOut">
               <a:rPr kumimoji="1" lang="zh-CN" altLang="en-US" smtClean="0"/>
-              <a:t>2019/9/8</a:t>
+              <a:t>19/12/3</a:t>
             </a:fld>
             <a:endParaRPr kumimoji="1" lang="zh-CN" altLang="en-US"/>
           </a:p>
@@ -625,7 +626,7 @@
           <p:cNvPr id="5" name="页脚占位符 4">
             <a:extLst>
               <a:ext uri="{FF2B5EF4-FFF2-40B4-BE49-F238E27FC236}">
-                <a16:creationId xmlns:a16="http://schemas.microsoft.com/office/drawing/2014/main" id="{300BB832-095A-F64C-BA2A-3BC23AB1A5CB}"/>
+                <a16:creationId xmlns:a16="http://schemas.microsoft.com/office/drawing/2014/main" xmlns="" id="{300BB832-095A-F64C-BA2A-3BC23AB1A5CB}"/>
               </a:ext>
             </a:extLst>
           </p:cNvPr>
@@ -650,7 +651,7 @@
           <p:cNvPr id="6" name="灯片编号占位符 5">
             <a:extLst>
               <a:ext uri="{FF2B5EF4-FFF2-40B4-BE49-F238E27FC236}">
-                <a16:creationId xmlns:a16="http://schemas.microsoft.com/office/drawing/2014/main" id="{10574D33-1589-D744-9D8E-EE2E62F02B8E}"/>
+                <a16:creationId xmlns:a16="http://schemas.microsoft.com/office/drawing/2014/main" xmlns="" id="{10574D33-1589-D744-9D8E-EE2E62F02B8E}"/>
               </a:ext>
             </a:extLst>
           </p:cNvPr>
@@ -709,7 +710,7 @@
           <p:cNvPr id="2" name="标题 1">
             <a:extLst>
               <a:ext uri="{FF2B5EF4-FFF2-40B4-BE49-F238E27FC236}">
-                <a16:creationId xmlns:a16="http://schemas.microsoft.com/office/drawing/2014/main" id="{6C2149DC-3E8B-3748-A3F0-EA132E4D6770}"/>
+                <a16:creationId xmlns:a16="http://schemas.microsoft.com/office/drawing/2014/main" xmlns="" id="{6C2149DC-3E8B-3748-A3F0-EA132E4D6770}"/>
               </a:ext>
             </a:extLst>
           </p:cNvPr>
@@ -737,7 +738,7 @@
           <p:cNvPr id="3" name="竖排文字占位符 2">
             <a:extLst>
               <a:ext uri="{FF2B5EF4-FFF2-40B4-BE49-F238E27FC236}">
-                <a16:creationId xmlns:a16="http://schemas.microsoft.com/office/drawing/2014/main" id="{7376638B-11A5-E746-86D3-92C0CC56E26E}"/>
+                <a16:creationId xmlns:a16="http://schemas.microsoft.com/office/drawing/2014/main" xmlns="" id="{7376638B-11A5-E746-86D3-92C0CC56E26E}"/>
               </a:ext>
             </a:extLst>
           </p:cNvPr>
@@ -794,7 +795,7 @@
           <p:cNvPr id="4" name="日期占位符 3">
             <a:extLst>
               <a:ext uri="{FF2B5EF4-FFF2-40B4-BE49-F238E27FC236}">
-                <a16:creationId xmlns:a16="http://schemas.microsoft.com/office/drawing/2014/main" id="{82C87008-BAB2-0646-93EC-B1E55D4876F0}"/>
+                <a16:creationId xmlns:a16="http://schemas.microsoft.com/office/drawing/2014/main" xmlns="" id="{82C87008-BAB2-0646-93EC-B1E55D4876F0}"/>
               </a:ext>
             </a:extLst>
           </p:cNvPr>
@@ -812,7 +813,7 @@
           <a:p>
             <a:fld id="{66712E2F-D156-BE48-842B-9FD32FE71F0F}" type="datetimeFigureOut">
               <a:rPr kumimoji="1" lang="zh-CN" altLang="en-US" smtClean="0"/>
-              <a:t>2019/9/8</a:t>
+              <a:t>19/12/3</a:t>
             </a:fld>
             <a:endParaRPr kumimoji="1" lang="zh-CN" altLang="en-US"/>
           </a:p>
@@ -823,7 +824,7 @@
           <p:cNvPr id="5" name="页脚占位符 4">
             <a:extLst>
               <a:ext uri="{FF2B5EF4-FFF2-40B4-BE49-F238E27FC236}">
-                <a16:creationId xmlns:a16="http://schemas.microsoft.com/office/drawing/2014/main" id="{34B6AEF3-452C-004E-B152-C2FBE4B3B6C0}"/>
+                <a16:creationId xmlns:a16="http://schemas.microsoft.com/office/drawing/2014/main" xmlns="" id="{34B6AEF3-452C-004E-B152-C2FBE4B3B6C0}"/>
               </a:ext>
             </a:extLst>
           </p:cNvPr>
@@ -848,7 +849,7 @@
           <p:cNvPr id="6" name="灯片编号占位符 5">
             <a:extLst>
               <a:ext uri="{FF2B5EF4-FFF2-40B4-BE49-F238E27FC236}">
-                <a16:creationId xmlns:a16="http://schemas.microsoft.com/office/drawing/2014/main" id="{7B89F499-D08E-AC44-A5D6-AE769BD06877}"/>
+                <a16:creationId xmlns:a16="http://schemas.microsoft.com/office/drawing/2014/main" xmlns="" id="{7B89F499-D08E-AC44-A5D6-AE769BD06877}"/>
               </a:ext>
             </a:extLst>
           </p:cNvPr>
@@ -907,7 +908,7 @@
           <p:cNvPr id="2" name="竖排标题 1">
             <a:extLst>
               <a:ext uri="{FF2B5EF4-FFF2-40B4-BE49-F238E27FC236}">
-                <a16:creationId xmlns:a16="http://schemas.microsoft.com/office/drawing/2014/main" id="{F9EAE551-F2C3-4340-9E5C-C3048E539BCB}"/>
+                <a16:creationId xmlns:a16="http://schemas.microsoft.com/office/drawing/2014/main" xmlns="" id="{F9EAE551-F2C3-4340-9E5C-C3048E539BCB}"/>
               </a:ext>
             </a:extLst>
           </p:cNvPr>
@@ -940,7 +941,7 @@
           <p:cNvPr id="3" name="竖排文字占位符 2">
             <a:extLst>
               <a:ext uri="{FF2B5EF4-FFF2-40B4-BE49-F238E27FC236}">
-                <a16:creationId xmlns:a16="http://schemas.microsoft.com/office/drawing/2014/main" id="{042C44F9-29ED-8E45-8F7E-47398832E944}"/>
+                <a16:creationId xmlns:a16="http://schemas.microsoft.com/office/drawing/2014/main" xmlns="" id="{042C44F9-29ED-8E45-8F7E-47398832E944}"/>
               </a:ext>
             </a:extLst>
           </p:cNvPr>
@@ -1002,7 +1003,7 @@
           <p:cNvPr id="4" name="日期占位符 3">
             <a:extLst>
               <a:ext uri="{FF2B5EF4-FFF2-40B4-BE49-F238E27FC236}">
-                <a16:creationId xmlns:a16="http://schemas.microsoft.com/office/drawing/2014/main" id="{73C94B45-38A1-0E4F-AF37-06AAB714C847}"/>
+                <a16:creationId xmlns:a16="http://schemas.microsoft.com/office/drawing/2014/main" xmlns="" id="{73C94B45-38A1-0E4F-AF37-06AAB714C847}"/>
               </a:ext>
             </a:extLst>
           </p:cNvPr>
@@ -1020,7 +1021,7 @@
           <a:p>
             <a:fld id="{66712E2F-D156-BE48-842B-9FD32FE71F0F}" type="datetimeFigureOut">
               <a:rPr kumimoji="1" lang="zh-CN" altLang="en-US" smtClean="0"/>
-              <a:t>2019/9/8</a:t>
+              <a:t>19/12/3</a:t>
             </a:fld>
             <a:endParaRPr kumimoji="1" lang="zh-CN" altLang="en-US"/>
           </a:p>
@@ -1031,7 +1032,7 @@
           <p:cNvPr id="5" name="页脚占位符 4">
             <a:extLst>
               <a:ext uri="{FF2B5EF4-FFF2-40B4-BE49-F238E27FC236}">
-                <a16:creationId xmlns:a16="http://schemas.microsoft.com/office/drawing/2014/main" id="{AE3E9DE1-E7D4-7A42-A81B-1BCEAA625DFE}"/>
+                <a16:creationId xmlns:a16="http://schemas.microsoft.com/office/drawing/2014/main" xmlns="" id="{AE3E9DE1-E7D4-7A42-A81B-1BCEAA625DFE}"/>
               </a:ext>
             </a:extLst>
           </p:cNvPr>
@@ -1056,7 +1057,7 @@
           <p:cNvPr id="6" name="灯片编号占位符 5">
             <a:extLst>
               <a:ext uri="{FF2B5EF4-FFF2-40B4-BE49-F238E27FC236}">
-                <a16:creationId xmlns:a16="http://schemas.microsoft.com/office/drawing/2014/main" id="{B1F4CC80-9D96-3F4D-B624-FAADCC2FF20A}"/>
+                <a16:creationId xmlns:a16="http://schemas.microsoft.com/office/drawing/2014/main" xmlns="" id="{B1F4CC80-9D96-3F4D-B624-FAADCC2FF20A}"/>
               </a:ext>
             </a:extLst>
           </p:cNvPr>
@@ -1115,7 +1116,7 @@
           <p:cNvPr id="2" name="标题 1">
             <a:extLst>
               <a:ext uri="{FF2B5EF4-FFF2-40B4-BE49-F238E27FC236}">
-                <a16:creationId xmlns:a16="http://schemas.microsoft.com/office/drawing/2014/main" id="{15026F9B-459D-194E-B946-1802B21E70E0}"/>
+                <a16:creationId xmlns:a16="http://schemas.microsoft.com/office/drawing/2014/main" xmlns="" id="{15026F9B-459D-194E-B946-1802B21E70E0}"/>
               </a:ext>
             </a:extLst>
           </p:cNvPr>
@@ -1143,7 +1144,7 @@
           <p:cNvPr id="3" name="内容占位符 2">
             <a:extLst>
               <a:ext uri="{FF2B5EF4-FFF2-40B4-BE49-F238E27FC236}">
-                <a16:creationId xmlns:a16="http://schemas.microsoft.com/office/drawing/2014/main" id="{3DCC1D20-4707-2B46-A827-63BE4FF14B13}"/>
+                <a16:creationId xmlns:a16="http://schemas.microsoft.com/office/drawing/2014/main" xmlns="" id="{3DCC1D20-4707-2B46-A827-63BE4FF14B13}"/>
               </a:ext>
             </a:extLst>
           </p:cNvPr>
@@ -1200,7 +1201,7 @@
           <p:cNvPr id="4" name="日期占位符 3">
             <a:extLst>
               <a:ext uri="{FF2B5EF4-FFF2-40B4-BE49-F238E27FC236}">
-                <a16:creationId xmlns:a16="http://schemas.microsoft.com/office/drawing/2014/main" id="{BB50E51D-D613-CA41-9935-FFCFD8841898}"/>
+                <a16:creationId xmlns:a16="http://schemas.microsoft.com/office/drawing/2014/main" xmlns="" id="{BB50E51D-D613-CA41-9935-FFCFD8841898}"/>
               </a:ext>
             </a:extLst>
           </p:cNvPr>
@@ -1218,7 +1219,7 @@
           <a:p>
             <a:fld id="{66712E2F-D156-BE48-842B-9FD32FE71F0F}" type="datetimeFigureOut">
               <a:rPr kumimoji="1" lang="zh-CN" altLang="en-US" smtClean="0"/>
-              <a:t>2019/9/8</a:t>
+              <a:t>19/12/3</a:t>
             </a:fld>
             <a:endParaRPr kumimoji="1" lang="zh-CN" altLang="en-US"/>
           </a:p>
@@ -1229,7 +1230,7 @@
           <p:cNvPr id="5" name="页脚占位符 4">
             <a:extLst>
               <a:ext uri="{FF2B5EF4-FFF2-40B4-BE49-F238E27FC236}">
-                <a16:creationId xmlns:a16="http://schemas.microsoft.com/office/drawing/2014/main" id="{8A13CA7E-F1AF-5B41-A807-AB7AF78F1E71}"/>
+                <a16:creationId xmlns:a16="http://schemas.microsoft.com/office/drawing/2014/main" xmlns="" id="{8A13CA7E-F1AF-5B41-A807-AB7AF78F1E71}"/>
               </a:ext>
             </a:extLst>
           </p:cNvPr>
@@ -1254,7 +1255,7 @@
           <p:cNvPr id="6" name="灯片编号占位符 5">
             <a:extLst>
               <a:ext uri="{FF2B5EF4-FFF2-40B4-BE49-F238E27FC236}">
-                <a16:creationId xmlns:a16="http://schemas.microsoft.com/office/drawing/2014/main" id="{3498A76B-0B5E-3840-BEF4-E0E8DEB80BBE}"/>
+                <a16:creationId xmlns:a16="http://schemas.microsoft.com/office/drawing/2014/main" xmlns="" id="{3498A76B-0B5E-3840-BEF4-E0E8DEB80BBE}"/>
               </a:ext>
             </a:extLst>
           </p:cNvPr>
@@ -1313,7 +1314,7 @@
           <p:cNvPr id="2" name="标题 1">
             <a:extLst>
               <a:ext uri="{FF2B5EF4-FFF2-40B4-BE49-F238E27FC236}">
-                <a16:creationId xmlns:a16="http://schemas.microsoft.com/office/drawing/2014/main" id="{7DDC7323-0981-3043-ACA1-E40D7DB43974}"/>
+                <a16:creationId xmlns:a16="http://schemas.microsoft.com/office/drawing/2014/main" xmlns="" id="{7DDC7323-0981-3043-ACA1-E40D7DB43974}"/>
               </a:ext>
             </a:extLst>
           </p:cNvPr>
@@ -1350,7 +1351,7 @@
           <p:cNvPr id="3" name="文本占位符 2">
             <a:extLst>
               <a:ext uri="{FF2B5EF4-FFF2-40B4-BE49-F238E27FC236}">
-                <a16:creationId xmlns:a16="http://schemas.microsoft.com/office/drawing/2014/main" id="{056D41CD-5DB5-354B-955F-605CACCFF3B6}"/>
+                <a16:creationId xmlns:a16="http://schemas.microsoft.com/office/drawing/2014/main" xmlns="" id="{056D41CD-5DB5-354B-955F-605CACCFF3B6}"/>
               </a:ext>
             </a:extLst>
           </p:cNvPr>
@@ -1475,7 +1476,7 @@
           <p:cNvPr id="4" name="日期占位符 3">
             <a:extLst>
               <a:ext uri="{FF2B5EF4-FFF2-40B4-BE49-F238E27FC236}">
-                <a16:creationId xmlns:a16="http://schemas.microsoft.com/office/drawing/2014/main" id="{F2138739-B31E-1F4D-B574-BC98AF73BD4E}"/>
+                <a16:creationId xmlns:a16="http://schemas.microsoft.com/office/drawing/2014/main" xmlns="" id="{F2138739-B31E-1F4D-B574-BC98AF73BD4E}"/>
               </a:ext>
             </a:extLst>
           </p:cNvPr>
@@ -1493,7 +1494,7 @@
           <a:p>
             <a:fld id="{66712E2F-D156-BE48-842B-9FD32FE71F0F}" type="datetimeFigureOut">
               <a:rPr kumimoji="1" lang="zh-CN" altLang="en-US" smtClean="0"/>
-              <a:t>2019/9/8</a:t>
+              <a:t>19/12/3</a:t>
             </a:fld>
             <a:endParaRPr kumimoji="1" lang="zh-CN" altLang="en-US"/>
           </a:p>
@@ -1504,7 +1505,7 @@
           <p:cNvPr id="5" name="页脚占位符 4">
             <a:extLst>
               <a:ext uri="{FF2B5EF4-FFF2-40B4-BE49-F238E27FC236}">
-                <a16:creationId xmlns:a16="http://schemas.microsoft.com/office/drawing/2014/main" id="{B8858E26-F154-6C49-B639-63320447569B}"/>
+                <a16:creationId xmlns:a16="http://schemas.microsoft.com/office/drawing/2014/main" xmlns="" id="{B8858E26-F154-6C49-B639-63320447569B}"/>
               </a:ext>
             </a:extLst>
           </p:cNvPr>
@@ -1529,7 +1530,7 @@
           <p:cNvPr id="6" name="灯片编号占位符 5">
             <a:extLst>
               <a:ext uri="{FF2B5EF4-FFF2-40B4-BE49-F238E27FC236}">
-                <a16:creationId xmlns:a16="http://schemas.microsoft.com/office/drawing/2014/main" id="{9C7E6516-01BE-3847-B9EE-95FB66573688}"/>
+                <a16:creationId xmlns:a16="http://schemas.microsoft.com/office/drawing/2014/main" xmlns="" id="{9C7E6516-01BE-3847-B9EE-95FB66573688}"/>
               </a:ext>
             </a:extLst>
           </p:cNvPr>
@@ -1588,7 +1589,7 @@
           <p:cNvPr id="2" name="标题 1">
             <a:extLst>
               <a:ext uri="{FF2B5EF4-FFF2-40B4-BE49-F238E27FC236}">
-                <a16:creationId xmlns:a16="http://schemas.microsoft.com/office/drawing/2014/main" id="{09ABF55E-F16A-204B-AB45-179E95808D83}"/>
+                <a16:creationId xmlns:a16="http://schemas.microsoft.com/office/drawing/2014/main" xmlns="" id="{09ABF55E-F16A-204B-AB45-179E95808D83}"/>
               </a:ext>
             </a:extLst>
           </p:cNvPr>
@@ -1616,7 +1617,7 @@
           <p:cNvPr id="3" name="内容占位符 2">
             <a:extLst>
               <a:ext uri="{FF2B5EF4-FFF2-40B4-BE49-F238E27FC236}">
-                <a16:creationId xmlns:a16="http://schemas.microsoft.com/office/drawing/2014/main" id="{615CD739-8699-6844-9EAC-223F529FE3E2}"/>
+                <a16:creationId xmlns:a16="http://schemas.microsoft.com/office/drawing/2014/main" xmlns="" id="{615CD739-8699-6844-9EAC-223F529FE3E2}"/>
               </a:ext>
             </a:extLst>
           </p:cNvPr>
@@ -1678,7 +1679,7 @@
           <p:cNvPr id="4" name="内容占位符 3">
             <a:extLst>
               <a:ext uri="{FF2B5EF4-FFF2-40B4-BE49-F238E27FC236}">
-                <a16:creationId xmlns:a16="http://schemas.microsoft.com/office/drawing/2014/main" id="{5A0525CB-63CF-834A-8762-05A1780CCC60}"/>
+                <a16:creationId xmlns:a16="http://schemas.microsoft.com/office/drawing/2014/main" xmlns="" id="{5A0525CB-63CF-834A-8762-05A1780CCC60}"/>
               </a:ext>
             </a:extLst>
           </p:cNvPr>
@@ -1740,7 +1741,7 @@
           <p:cNvPr id="5" name="日期占位符 4">
             <a:extLst>
               <a:ext uri="{FF2B5EF4-FFF2-40B4-BE49-F238E27FC236}">
-                <a16:creationId xmlns:a16="http://schemas.microsoft.com/office/drawing/2014/main" id="{9A33EC13-9F3A-B54A-859E-6D18712F0F0F}"/>
+                <a16:creationId xmlns:a16="http://schemas.microsoft.com/office/drawing/2014/main" xmlns="" id="{9A33EC13-9F3A-B54A-859E-6D18712F0F0F}"/>
               </a:ext>
             </a:extLst>
           </p:cNvPr>
@@ -1758,7 +1759,7 @@
           <a:p>
             <a:fld id="{66712E2F-D156-BE48-842B-9FD32FE71F0F}" type="datetimeFigureOut">
               <a:rPr kumimoji="1" lang="zh-CN" altLang="en-US" smtClean="0"/>
-              <a:t>2019/9/8</a:t>
+              <a:t>19/12/3</a:t>
             </a:fld>
             <a:endParaRPr kumimoji="1" lang="zh-CN" altLang="en-US"/>
           </a:p>
@@ -1769,7 +1770,7 @@
           <p:cNvPr id="6" name="页脚占位符 5">
             <a:extLst>
               <a:ext uri="{FF2B5EF4-FFF2-40B4-BE49-F238E27FC236}">
-                <a16:creationId xmlns:a16="http://schemas.microsoft.com/office/drawing/2014/main" id="{5F462F0D-9E09-AB4E-A2FE-FF03CF60A88A}"/>
+                <a16:creationId xmlns:a16="http://schemas.microsoft.com/office/drawing/2014/main" xmlns="" id="{5F462F0D-9E09-AB4E-A2FE-FF03CF60A88A}"/>
               </a:ext>
             </a:extLst>
           </p:cNvPr>
@@ -1794,7 +1795,7 @@
           <p:cNvPr id="7" name="灯片编号占位符 6">
             <a:extLst>
               <a:ext uri="{FF2B5EF4-FFF2-40B4-BE49-F238E27FC236}">
-                <a16:creationId xmlns:a16="http://schemas.microsoft.com/office/drawing/2014/main" id="{9F62CD79-970E-724C-B9DB-9B17B0DDB4C3}"/>
+                <a16:creationId xmlns:a16="http://schemas.microsoft.com/office/drawing/2014/main" xmlns="" id="{9F62CD79-970E-724C-B9DB-9B17B0DDB4C3}"/>
               </a:ext>
             </a:extLst>
           </p:cNvPr>
@@ -1853,7 +1854,7 @@
           <p:cNvPr id="2" name="标题 1">
             <a:extLst>
               <a:ext uri="{FF2B5EF4-FFF2-40B4-BE49-F238E27FC236}">
-                <a16:creationId xmlns:a16="http://schemas.microsoft.com/office/drawing/2014/main" id="{8162DBA5-CF63-AC49-AB64-FEF1DF3BE19F}"/>
+                <a16:creationId xmlns:a16="http://schemas.microsoft.com/office/drawing/2014/main" xmlns="" id="{8162DBA5-CF63-AC49-AB64-FEF1DF3BE19F}"/>
               </a:ext>
             </a:extLst>
           </p:cNvPr>
@@ -1886,7 +1887,7 @@
           <p:cNvPr id="3" name="文本占位符 2">
             <a:extLst>
               <a:ext uri="{FF2B5EF4-FFF2-40B4-BE49-F238E27FC236}">
-                <a16:creationId xmlns:a16="http://schemas.microsoft.com/office/drawing/2014/main" id="{19710FDD-C99A-9240-9CCA-BD6458780727}"/>
+                <a16:creationId xmlns:a16="http://schemas.microsoft.com/office/drawing/2014/main" xmlns="" id="{19710FDD-C99A-9240-9CCA-BD6458780727}"/>
               </a:ext>
             </a:extLst>
           </p:cNvPr>
@@ -1957,7 +1958,7 @@
           <p:cNvPr id="4" name="内容占位符 3">
             <a:extLst>
               <a:ext uri="{FF2B5EF4-FFF2-40B4-BE49-F238E27FC236}">
-                <a16:creationId xmlns:a16="http://schemas.microsoft.com/office/drawing/2014/main" id="{FD8CDD4E-F1FB-0A4B-81E9-33EA31B4089F}"/>
+                <a16:creationId xmlns:a16="http://schemas.microsoft.com/office/drawing/2014/main" xmlns="" id="{FD8CDD4E-F1FB-0A4B-81E9-33EA31B4089F}"/>
               </a:ext>
             </a:extLst>
           </p:cNvPr>
@@ -2019,7 +2020,7 @@
           <p:cNvPr id="5" name="文本占位符 4">
             <a:extLst>
               <a:ext uri="{FF2B5EF4-FFF2-40B4-BE49-F238E27FC236}">
-                <a16:creationId xmlns:a16="http://schemas.microsoft.com/office/drawing/2014/main" id="{25451B68-2242-AE42-B4F1-19C0ED7CCD73}"/>
+                <a16:creationId xmlns:a16="http://schemas.microsoft.com/office/drawing/2014/main" xmlns="" id="{25451B68-2242-AE42-B4F1-19C0ED7CCD73}"/>
               </a:ext>
             </a:extLst>
           </p:cNvPr>
@@ -2090,7 +2091,7 @@
           <p:cNvPr id="6" name="内容占位符 5">
             <a:extLst>
               <a:ext uri="{FF2B5EF4-FFF2-40B4-BE49-F238E27FC236}">
-                <a16:creationId xmlns:a16="http://schemas.microsoft.com/office/drawing/2014/main" id="{F02FA766-664E-9E41-8C97-2ACE6975EDA2}"/>
+                <a16:creationId xmlns:a16="http://schemas.microsoft.com/office/drawing/2014/main" xmlns="" id="{F02FA766-664E-9E41-8C97-2ACE6975EDA2}"/>
               </a:ext>
             </a:extLst>
           </p:cNvPr>
@@ -2152,7 +2153,7 @@
           <p:cNvPr id="7" name="日期占位符 6">
             <a:extLst>
               <a:ext uri="{FF2B5EF4-FFF2-40B4-BE49-F238E27FC236}">
-                <a16:creationId xmlns:a16="http://schemas.microsoft.com/office/drawing/2014/main" id="{A197CD6E-64F5-5A41-876A-64D17620C609}"/>
+                <a16:creationId xmlns:a16="http://schemas.microsoft.com/office/drawing/2014/main" xmlns="" id="{A197CD6E-64F5-5A41-876A-64D17620C609}"/>
               </a:ext>
             </a:extLst>
           </p:cNvPr>
@@ -2170,7 +2171,7 @@
           <a:p>
             <a:fld id="{66712E2F-D156-BE48-842B-9FD32FE71F0F}" type="datetimeFigureOut">
               <a:rPr kumimoji="1" lang="zh-CN" altLang="en-US" smtClean="0"/>
-              <a:t>2019/9/8</a:t>
+              <a:t>19/12/3</a:t>
             </a:fld>
             <a:endParaRPr kumimoji="1" lang="zh-CN" altLang="en-US"/>
           </a:p>
@@ -2181,7 +2182,7 @@
           <p:cNvPr id="8" name="页脚占位符 7">
             <a:extLst>
               <a:ext uri="{FF2B5EF4-FFF2-40B4-BE49-F238E27FC236}">
-                <a16:creationId xmlns:a16="http://schemas.microsoft.com/office/drawing/2014/main" id="{042115AE-BD37-9C4B-9D51-DC0D28D1A4A6}"/>
+                <a16:creationId xmlns:a16="http://schemas.microsoft.com/office/drawing/2014/main" xmlns="" id="{042115AE-BD37-9C4B-9D51-DC0D28D1A4A6}"/>
               </a:ext>
             </a:extLst>
           </p:cNvPr>
@@ -2206,7 +2207,7 @@
           <p:cNvPr id="9" name="灯片编号占位符 8">
             <a:extLst>
               <a:ext uri="{FF2B5EF4-FFF2-40B4-BE49-F238E27FC236}">
-                <a16:creationId xmlns:a16="http://schemas.microsoft.com/office/drawing/2014/main" id="{72C470E0-5520-C441-BC19-75C9C7F65AAC}"/>
+                <a16:creationId xmlns:a16="http://schemas.microsoft.com/office/drawing/2014/main" xmlns="" id="{72C470E0-5520-C441-BC19-75C9C7F65AAC}"/>
               </a:ext>
             </a:extLst>
           </p:cNvPr>
@@ -2265,7 +2266,7 @@
           <p:cNvPr id="2" name="标题 1">
             <a:extLst>
               <a:ext uri="{FF2B5EF4-FFF2-40B4-BE49-F238E27FC236}">
-                <a16:creationId xmlns:a16="http://schemas.microsoft.com/office/drawing/2014/main" id="{3FF4949F-B7A0-B543-8235-199822EC41B0}"/>
+                <a16:creationId xmlns:a16="http://schemas.microsoft.com/office/drawing/2014/main" xmlns="" id="{3FF4949F-B7A0-B543-8235-199822EC41B0}"/>
               </a:ext>
             </a:extLst>
           </p:cNvPr>
@@ -2293,7 +2294,7 @@
           <p:cNvPr id="3" name="日期占位符 2">
             <a:extLst>
               <a:ext uri="{FF2B5EF4-FFF2-40B4-BE49-F238E27FC236}">
-                <a16:creationId xmlns:a16="http://schemas.microsoft.com/office/drawing/2014/main" id="{85E5E749-FA33-6F4A-9DE3-2E8716A122CF}"/>
+                <a16:creationId xmlns:a16="http://schemas.microsoft.com/office/drawing/2014/main" xmlns="" id="{85E5E749-FA33-6F4A-9DE3-2E8716A122CF}"/>
               </a:ext>
             </a:extLst>
           </p:cNvPr>
@@ -2311,7 +2312,7 @@
           <a:p>
             <a:fld id="{66712E2F-D156-BE48-842B-9FD32FE71F0F}" type="datetimeFigureOut">
               <a:rPr kumimoji="1" lang="zh-CN" altLang="en-US" smtClean="0"/>
-              <a:t>2019/9/8</a:t>
+              <a:t>19/12/3</a:t>
             </a:fld>
             <a:endParaRPr kumimoji="1" lang="zh-CN" altLang="en-US"/>
           </a:p>
@@ -2322,7 +2323,7 @@
           <p:cNvPr id="4" name="页脚占位符 3">
             <a:extLst>
               <a:ext uri="{FF2B5EF4-FFF2-40B4-BE49-F238E27FC236}">
-                <a16:creationId xmlns:a16="http://schemas.microsoft.com/office/drawing/2014/main" id="{EC207ED5-81D0-044D-A49A-933125FF1B38}"/>
+                <a16:creationId xmlns:a16="http://schemas.microsoft.com/office/drawing/2014/main" xmlns="" id="{EC207ED5-81D0-044D-A49A-933125FF1B38}"/>
               </a:ext>
             </a:extLst>
           </p:cNvPr>
@@ -2347,7 +2348,7 @@
           <p:cNvPr id="5" name="灯片编号占位符 4">
             <a:extLst>
               <a:ext uri="{FF2B5EF4-FFF2-40B4-BE49-F238E27FC236}">
-                <a16:creationId xmlns:a16="http://schemas.microsoft.com/office/drawing/2014/main" id="{A6072E03-B7A6-0E4C-A546-DCBFDDB1507D}"/>
+                <a16:creationId xmlns:a16="http://schemas.microsoft.com/office/drawing/2014/main" xmlns="" id="{A6072E03-B7A6-0E4C-A546-DCBFDDB1507D}"/>
               </a:ext>
             </a:extLst>
           </p:cNvPr>
@@ -2406,7 +2407,7 @@
           <p:cNvPr id="2" name="日期占位符 1">
             <a:extLst>
               <a:ext uri="{FF2B5EF4-FFF2-40B4-BE49-F238E27FC236}">
-                <a16:creationId xmlns:a16="http://schemas.microsoft.com/office/drawing/2014/main" id="{D6588138-BF70-044A-A227-092D0F2860F8}"/>
+                <a16:creationId xmlns:a16="http://schemas.microsoft.com/office/drawing/2014/main" xmlns="" id="{D6588138-BF70-044A-A227-092D0F2860F8}"/>
               </a:ext>
             </a:extLst>
           </p:cNvPr>
@@ -2424,7 +2425,7 @@
           <a:p>
             <a:fld id="{66712E2F-D156-BE48-842B-9FD32FE71F0F}" type="datetimeFigureOut">
               <a:rPr kumimoji="1" lang="zh-CN" altLang="en-US" smtClean="0"/>
-              <a:t>2019/9/8</a:t>
+              <a:t>19/12/3</a:t>
             </a:fld>
             <a:endParaRPr kumimoji="1" lang="zh-CN" altLang="en-US"/>
           </a:p>
@@ -2435,7 +2436,7 @@
           <p:cNvPr id="3" name="页脚占位符 2">
             <a:extLst>
               <a:ext uri="{FF2B5EF4-FFF2-40B4-BE49-F238E27FC236}">
-                <a16:creationId xmlns:a16="http://schemas.microsoft.com/office/drawing/2014/main" id="{4AD3F9CE-AB29-F648-B779-5AE35F61412F}"/>
+                <a16:creationId xmlns:a16="http://schemas.microsoft.com/office/drawing/2014/main" xmlns="" id="{4AD3F9CE-AB29-F648-B779-5AE35F61412F}"/>
               </a:ext>
             </a:extLst>
           </p:cNvPr>
@@ -2460,7 +2461,7 @@
           <p:cNvPr id="4" name="灯片编号占位符 3">
             <a:extLst>
               <a:ext uri="{FF2B5EF4-FFF2-40B4-BE49-F238E27FC236}">
-                <a16:creationId xmlns:a16="http://schemas.microsoft.com/office/drawing/2014/main" id="{E397333C-E4C1-F646-9BBB-3C068A8D4ED5}"/>
+                <a16:creationId xmlns:a16="http://schemas.microsoft.com/office/drawing/2014/main" xmlns="" id="{E397333C-E4C1-F646-9BBB-3C068A8D4ED5}"/>
               </a:ext>
             </a:extLst>
           </p:cNvPr>
@@ -2519,7 +2520,7 @@
           <p:cNvPr id="2" name="标题 1">
             <a:extLst>
               <a:ext uri="{FF2B5EF4-FFF2-40B4-BE49-F238E27FC236}">
-                <a16:creationId xmlns:a16="http://schemas.microsoft.com/office/drawing/2014/main" id="{8394E75C-4537-634E-9F8B-88E57256724D}"/>
+                <a16:creationId xmlns:a16="http://schemas.microsoft.com/office/drawing/2014/main" xmlns="" id="{8394E75C-4537-634E-9F8B-88E57256724D}"/>
               </a:ext>
             </a:extLst>
           </p:cNvPr>
@@ -2556,7 +2557,7 @@
           <p:cNvPr id="3" name="内容占位符 2">
             <a:extLst>
               <a:ext uri="{FF2B5EF4-FFF2-40B4-BE49-F238E27FC236}">
-                <a16:creationId xmlns:a16="http://schemas.microsoft.com/office/drawing/2014/main" id="{8C16B97E-95C8-7B49-B9A9-709907525E58}"/>
+                <a16:creationId xmlns:a16="http://schemas.microsoft.com/office/drawing/2014/main" xmlns="" id="{8C16B97E-95C8-7B49-B9A9-709907525E58}"/>
               </a:ext>
             </a:extLst>
           </p:cNvPr>
@@ -2646,7 +2647,7 @@
           <p:cNvPr id="4" name="文本占位符 3">
             <a:extLst>
               <a:ext uri="{FF2B5EF4-FFF2-40B4-BE49-F238E27FC236}">
-                <a16:creationId xmlns:a16="http://schemas.microsoft.com/office/drawing/2014/main" id="{368EB288-01AA-DA4C-9EBF-86AB8335BDA3}"/>
+                <a16:creationId xmlns:a16="http://schemas.microsoft.com/office/drawing/2014/main" xmlns="" id="{368EB288-01AA-DA4C-9EBF-86AB8335BDA3}"/>
               </a:ext>
             </a:extLst>
           </p:cNvPr>
@@ -2717,7 +2718,7 @@
           <p:cNvPr id="5" name="日期占位符 4">
             <a:extLst>
               <a:ext uri="{FF2B5EF4-FFF2-40B4-BE49-F238E27FC236}">
-                <a16:creationId xmlns:a16="http://schemas.microsoft.com/office/drawing/2014/main" id="{B1B81FFD-A31D-AC4C-A18D-7550F96351F7}"/>
+                <a16:creationId xmlns:a16="http://schemas.microsoft.com/office/drawing/2014/main" xmlns="" id="{B1B81FFD-A31D-AC4C-A18D-7550F96351F7}"/>
               </a:ext>
             </a:extLst>
           </p:cNvPr>
@@ -2735,7 +2736,7 @@
           <a:p>
             <a:fld id="{66712E2F-D156-BE48-842B-9FD32FE71F0F}" type="datetimeFigureOut">
               <a:rPr kumimoji="1" lang="zh-CN" altLang="en-US" smtClean="0"/>
-              <a:t>2019/9/8</a:t>
+              <a:t>19/12/3</a:t>
             </a:fld>
             <a:endParaRPr kumimoji="1" lang="zh-CN" altLang="en-US"/>
           </a:p>
@@ -2746,7 +2747,7 @@
           <p:cNvPr id="6" name="页脚占位符 5">
             <a:extLst>
               <a:ext uri="{FF2B5EF4-FFF2-40B4-BE49-F238E27FC236}">
-                <a16:creationId xmlns:a16="http://schemas.microsoft.com/office/drawing/2014/main" id="{0A356C34-EC10-EA4E-84F3-911A00A162DF}"/>
+                <a16:creationId xmlns:a16="http://schemas.microsoft.com/office/drawing/2014/main" xmlns="" id="{0A356C34-EC10-EA4E-84F3-911A00A162DF}"/>
               </a:ext>
             </a:extLst>
           </p:cNvPr>
@@ -2771,7 +2772,7 @@
           <p:cNvPr id="7" name="灯片编号占位符 6">
             <a:extLst>
               <a:ext uri="{FF2B5EF4-FFF2-40B4-BE49-F238E27FC236}">
-                <a16:creationId xmlns:a16="http://schemas.microsoft.com/office/drawing/2014/main" id="{EC57392E-80E9-2D49-B72A-2467789F67C7}"/>
+                <a16:creationId xmlns:a16="http://schemas.microsoft.com/office/drawing/2014/main" xmlns="" id="{EC57392E-80E9-2D49-B72A-2467789F67C7}"/>
               </a:ext>
             </a:extLst>
           </p:cNvPr>
@@ -2830,7 +2831,7 @@
           <p:cNvPr id="2" name="标题 1">
             <a:extLst>
               <a:ext uri="{FF2B5EF4-FFF2-40B4-BE49-F238E27FC236}">
-                <a16:creationId xmlns:a16="http://schemas.microsoft.com/office/drawing/2014/main" id="{568DBF35-BBEA-864D-BECA-8EB86257E0D3}"/>
+                <a16:creationId xmlns:a16="http://schemas.microsoft.com/office/drawing/2014/main" xmlns="" id="{568DBF35-BBEA-864D-BECA-8EB86257E0D3}"/>
               </a:ext>
             </a:extLst>
           </p:cNvPr>
@@ -2867,7 +2868,7 @@
           <p:cNvPr id="3" name="图片占位符 2">
             <a:extLst>
               <a:ext uri="{FF2B5EF4-FFF2-40B4-BE49-F238E27FC236}">
-                <a16:creationId xmlns:a16="http://schemas.microsoft.com/office/drawing/2014/main" id="{D4A16F01-A00A-1742-A56C-7CD3C8E148B1}"/>
+                <a16:creationId xmlns:a16="http://schemas.microsoft.com/office/drawing/2014/main" xmlns="" id="{D4A16F01-A00A-1742-A56C-7CD3C8E148B1}"/>
               </a:ext>
             </a:extLst>
           </p:cNvPr>
@@ -2934,7 +2935,7 @@
           <p:cNvPr id="4" name="文本占位符 3">
             <a:extLst>
               <a:ext uri="{FF2B5EF4-FFF2-40B4-BE49-F238E27FC236}">
-                <a16:creationId xmlns:a16="http://schemas.microsoft.com/office/drawing/2014/main" id="{F97FB5C4-47F6-7A4A-ACC0-B132939F6294}"/>
+                <a16:creationId xmlns:a16="http://schemas.microsoft.com/office/drawing/2014/main" xmlns="" id="{F97FB5C4-47F6-7A4A-ACC0-B132939F6294}"/>
               </a:ext>
             </a:extLst>
           </p:cNvPr>
@@ -3005,7 +3006,7 @@
           <p:cNvPr id="5" name="日期占位符 4">
             <a:extLst>
               <a:ext uri="{FF2B5EF4-FFF2-40B4-BE49-F238E27FC236}">
-                <a16:creationId xmlns:a16="http://schemas.microsoft.com/office/drawing/2014/main" id="{770147AF-5FA0-754C-A97D-941011BD33DC}"/>
+                <a16:creationId xmlns:a16="http://schemas.microsoft.com/office/drawing/2014/main" xmlns="" id="{770147AF-5FA0-754C-A97D-941011BD33DC}"/>
               </a:ext>
             </a:extLst>
           </p:cNvPr>
@@ -3023,7 +3024,7 @@
           <a:p>
             <a:fld id="{66712E2F-D156-BE48-842B-9FD32FE71F0F}" type="datetimeFigureOut">
               <a:rPr kumimoji="1" lang="zh-CN" altLang="en-US" smtClean="0"/>
-              <a:t>2019/9/8</a:t>
+              <a:t>19/12/3</a:t>
             </a:fld>
             <a:endParaRPr kumimoji="1" lang="zh-CN" altLang="en-US"/>
           </a:p>
@@ -3034,7 +3035,7 @@
           <p:cNvPr id="6" name="页脚占位符 5">
             <a:extLst>
               <a:ext uri="{FF2B5EF4-FFF2-40B4-BE49-F238E27FC236}">
-                <a16:creationId xmlns:a16="http://schemas.microsoft.com/office/drawing/2014/main" id="{DB2015FD-C6F7-AC44-BCE5-484462CF4F85}"/>
+                <a16:creationId xmlns:a16="http://schemas.microsoft.com/office/drawing/2014/main" xmlns="" id="{DB2015FD-C6F7-AC44-BCE5-484462CF4F85}"/>
               </a:ext>
             </a:extLst>
           </p:cNvPr>
@@ -3059,7 +3060,7 @@
           <p:cNvPr id="7" name="灯片编号占位符 6">
             <a:extLst>
               <a:ext uri="{FF2B5EF4-FFF2-40B4-BE49-F238E27FC236}">
-                <a16:creationId xmlns:a16="http://schemas.microsoft.com/office/drawing/2014/main" id="{18C5D3A6-4EFB-8C43-A0D1-58463308BFD7}"/>
+                <a16:creationId xmlns:a16="http://schemas.microsoft.com/office/drawing/2014/main" xmlns="" id="{18C5D3A6-4EFB-8C43-A0D1-58463308BFD7}"/>
               </a:ext>
             </a:extLst>
           </p:cNvPr>
@@ -3123,7 +3124,7 @@
           <p:cNvPr id="2" name="标题占位符 1">
             <a:extLst>
               <a:ext uri="{FF2B5EF4-FFF2-40B4-BE49-F238E27FC236}">
-                <a16:creationId xmlns:a16="http://schemas.microsoft.com/office/drawing/2014/main" id="{056EC459-BC62-4D42-A3F6-8BEEFB6AFB9F}"/>
+                <a16:creationId xmlns:a16="http://schemas.microsoft.com/office/drawing/2014/main" xmlns="" id="{056EC459-BC62-4D42-A3F6-8BEEFB6AFB9F}"/>
               </a:ext>
             </a:extLst>
           </p:cNvPr>
@@ -3161,7 +3162,7 @@
           <p:cNvPr id="3" name="文本占位符 2">
             <a:extLst>
               <a:ext uri="{FF2B5EF4-FFF2-40B4-BE49-F238E27FC236}">
-                <a16:creationId xmlns:a16="http://schemas.microsoft.com/office/drawing/2014/main" id="{F12CCC72-96F1-C149-969B-E6BE3F91A098}"/>
+                <a16:creationId xmlns:a16="http://schemas.microsoft.com/office/drawing/2014/main" xmlns="" id="{F12CCC72-96F1-C149-969B-E6BE3F91A098}"/>
               </a:ext>
             </a:extLst>
           </p:cNvPr>
@@ -3228,7 +3229,7 @@
           <p:cNvPr id="4" name="日期占位符 3">
             <a:extLst>
               <a:ext uri="{FF2B5EF4-FFF2-40B4-BE49-F238E27FC236}">
-                <a16:creationId xmlns:a16="http://schemas.microsoft.com/office/drawing/2014/main" id="{3726182C-7D6A-D44C-9CFA-148250B27915}"/>
+                <a16:creationId xmlns:a16="http://schemas.microsoft.com/office/drawing/2014/main" xmlns="" id="{3726182C-7D6A-D44C-9CFA-148250B27915}"/>
               </a:ext>
             </a:extLst>
           </p:cNvPr>
@@ -3264,7 +3265,7 @@
           <a:p>
             <a:fld id="{66712E2F-D156-BE48-842B-9FD32FE71F0F}" type="datetimeFigureOut">
               <a:rPr kumimoji="1" lang="zh-CN" altLang="en-US" smtClean="0"/>
-              <a:t>2019/9/8</a:t>
+              <a:t>19/12/3</a:t>
             </a:fld>
             <a:endParaRPr kumimoji="1" lang="zh-CN" altLang="en-US"/>
           </a:p>
@@ -3275,7 +3276,7 @@
           <p:cNvPr id="5" name="页脚占位符 4">
             <a:extLst>
               <a:ext uri="{FF2B5EF4-FFF2-40B4-BE49-F238E27FC236}">
-                <a16:creationId xmlns:a16="http://schemas.microsoft.com/office/drawing/2014/main" id="{B27EE094-42A7-0B41-9471-26EFAFD775BA}"/>
+                <a16:creationId xmlns:a16="http://schemas.microsoft.com/office/drawing/2014/main" xmlns="" id="{B27EE094-42A7-0B41-9471-26EFAFD775BA}"/>
               </a:ext>
             </a:extLst>
           </p:cNvPr>
@@ -3318,7 +3319,7 @@
           <p:cNvPr id="6" name="灯片编号占位符 5">
             <a:extLst>
               <a:ext uri="{FF2B5EF4-FFF2-40B4-BE49-F238E27FC236}">
-                <a16:creationId xmlns:a16="http://schemas.microsoft.com/office/drawing/2014/main" id="{B7CF6CD3-CAFF-484C-AE9A-B8114128C1A7}"/>
+                <a16:creationId xmlns:a16="http://schemas.microsoft.com/office/drawing/2014/main" xmlns="" id="{B7CF6CD3-CAFF-484C-AE9A-B8114128C1A7}"/>
               </a:ext>
             </a:extLst>
           </p:cNvPr>
@@ -3686,7 +3687,7 @@
           <p:cNvPr id="2" name="标题 1">
             <a:extLst>
               <a:ext uri="{FF2B5EF4-FFF2-40B4-BE49-F238E27FC236}">
-                <a16:creationId xmlns:a16="http://schemas.microsoft.com/office/drawing/2014/main" id="{D6FD349F-BE9F-7A4F-86D7-A12FCD7CB03A}"/>
+                <a16:creationId xmlns:a16="http://schemas.microsoft.com/office/drawing/2014/main" xmlns="" id="{D6FD349F-BE9F-7A4F-86D7-A12FCD7CB03A}"/>
               </a:ext>
             </a:extLst>
           </p:cNvPr>
@@ -3727,7 +3728,7 @@
           <p:cNvPr id="3" name="副标题 2">
             <a:extLst>
               <a:ext uri="{FF2B5EF4-FFF2-40B4-BE49-F238E27FC236}">
-                <a16:creationId xmlns:a16="http://schemas.microsoft.com/office/drawing/2014/main" id="{D0BAA4DD-5E2C-FA46-A2EE-163542FB9A58}"/>
+                <a16:creationId xmlns:a16="http://schemas.microsoft.com/office/drawing/2014/main" xmlns="" id="{D0BAA4DD-5E2C-FA46-A2EE-163542FB9A58}"/>
               </a:ext>
             </a:extLst>
           </p:cNvPr>
@@ -3799,7 +3800,7 @@
           <p:cNvPr id="4" name="内容占位符 3">
             <a:extLst>
               <a:ext uri="{FF2B5EF4-FFF2-40B4-BE49-F238E27FC236}">
-                <a16:creationId xmlns:a16="http://schemas.microsoft.com/office/drawing/2014/main" id="{76DB9773-7F29-4344-872F-73F198F4563C}"/>
+                <a16:creationId xmlns:a16="http://schemas.microsoft.com/office/drawing/2014/main" xmlns="" id="{76DB9773-7F29-4344-872F-73F198F4563C}"/>
               </a:ext>
             </a:extLst>
           </p:cNvPr>
@@ -3858,13 +3859,7 @@
       </p:grpSpPr>
       <p:sp>
         <p:nvSpPr>
-          <p:cNvPr id="2" name="标题 1">
-            <a:extLst>
-              <a:ext uri="{FF2B5EF4-FFF2-40B4-BE49-F238E27FC236}">
-                <a16:creationId xmlns:a16="http://schemas.microsoft.com/office/drawing/2014/main" id="{26AF4D89-B9D3-124E-9AB9-7C7EA153FBA4}"/>
-              </a:ext>
-            </a:extLst>
-          </p:cNvPr>
+          <p:cNvPr id="2" name="标题 1"/>
           <p:cNvSpPr>
             <a:spLocks noGrp="1"/>
           </p:cNvSpPr>
@@ -3883,63 +3878,1063 @@
       </p:sp>
       <p:sp>
         <p:nvSpPr>
-          <p:cNvPr id="3" name="内容占位符 2">
-            <a:extLst>
-              <a:ext uri="{FF2B5EF4-FFF2-40B4-BE49-F238E27FC236}">
-                <a16:creationId xmlns:a16="http://schemas.microsoft.com/office/drawing/2014/main" id="{ADEF7569-D0C5-134A-AAC8-B108EFDB6C70}"/>
-              </a:ext>
-            </a:extLst>
-          </p:cNvPr>
-          <p:cNvSpPr>
-            <a:spLocks noGrp="1"/>
-          </p:cNvSpPr>
-          <p:nvPr>
-            <p:ph idx="1"/>
-          </p:nvPr>
-        </p:nvSpPr>
-        <p:spPr/>
-        <p:txBody>
-          <a:bodyPr/>
-          <a:lstStyle/>
-          <a:p>
-            <a:endParaRPr kumimoji="1" lang="zh-CN" altLang="en-US"/>
-          </a:p>
-        </p:txBody>
-      </p:sp>
-      <p:pic>
-        <p:nvPicPr>
-          <p:cNvPr id="4" name="图片 3">
-            <a:extLst>
-              <a:ext uri="{FF2B5EF4-FFF2-40B4-BE49-F238E27FC236}">
-                <a16:creationId xmlns:a16="http://schemas.microsoft.com/office/drawing/2014/main" id="{FDDC5895-6F7A-9F4D-A9BB-DDC822F5BE85}"/>
-              </a:ext>
-            </a:extLst>
-          </p:cNvPr>
-          <p:cNvPicPr>
-            <a:picLocks noChangeAspect="1"/>
-          </p:cNvPicPr>
+          <p:cNvPr id="4" name="矩形 3"/>
+          <p:cNvSpPr/>
           <p:nvPr/>
-        </p:nvPicPr>
-        <p:blipFill>
-          <a:blip r:embed="rId2"/>
-          <a:stretch>
-            <a:fillRect/>
-          </a:stretch>
-        </p:blipFill>
-        <p:spPr>
-          <a:xfrm>
-            <a:off x="2127250" y="488950"/>
-            <a:ext cx="7937500" cy="5880100"/>
+        </p:nvSpPr>
+        <p:spPr>
+          <a:xfrm>
+            <a:off x="793750" y="2663904"/>
+            <a:ext cx="1308100" cy="533400"/>
           </a:xfrm>
           <a:prstGeom prst="rect">
             <a:avLst/>
           </a:prstGeom>
         </p:spPr>
-      </p:pic>
+        <p:style>
+          <a:lnRef idx="2">
+            <a:schemeClr val="dk1"/>
+          </a:lnRef>
+          <a:fillRef idx="1">
+            <a:schemeClr val="lt1"/>
+          </a:fillRef>
+          <a:effectRef idx="0">
+            <a:schemeClr val="dk1"/>
+          </a:effectRef>
+          <a:fontRef idx="minor">
+            <a:schemeClr val="dk1"/>
+          </a:fontRef>
+        </p:style>
+        <p:txBody>
+          <a:bodyPr rtlCol="0" anchor="ctr"/>
+          <a:lstStyle/>
+          <a:p>
+            <a:pPr algn="ctr"/>
+            <a:r>
+              <a:rPr kumimoji="1" lang="zh-CN" altLang="en-US"/>
+              <a:t>客户端</a:t>
+            </a:r>
+            <a:endParaRPr kumimoji="1" lang="zh-CN" altLang="en-US"/>
+          </a:p>
+        </p:txBody>
+      </p:sp>
+      <p:sp>
+        <p:nvSpPr>
+          <p:cNvPr id="5" name="矩形 4"/>
+          <p:cNvSpPr/>
+          <p:nvPr/>
+        </p:nvSpPr>
+        <p:spPr>
+          <a:xfrm>
+            <a:off x="1339850" y="4559300"/>
+            <a:ext cx="1308100" cy="914400"/>
+          </a:xfrm>
+          <a:prstGeom prst="rect">
+            <a:avLst/>
+          </a:prstGeom>
+        </p:spPr>
+        <p:style>
+          <a:lnRef idx="2">
+            <a:schemeClr val="dk1"/>
+          </a:lnRef>
+          <a:fillRef idx="1">
+            <a:schemeClr val="lt1"/>
+          </a:fillRef>
+          <a:effectRef idx="0">
+            <a:schemeClr val="dk1"/>
+          </a:effectRef>
+          <a:fontRef idx="minor">
+            <a:schemeClr val="dk1"/>
+          </a:fontRef>
+        </p:style>
+        <p:txBody>
+          <a:bodyPr rtlCol="0" anchor="ctr"/>
+          <a:lstStyle/>
+          <a:p>
+            <a:pPr algn="ctr"/>
+            <a:endParaRPr kumimoji="1" lang="zh-CN" altLang="en-US"/>
+          </a:p>
+        </p:txBody>
+      </p:sp>
+      <p:sp>
+        <p:nvSpPr>
+          <p:cNvPr id="6" name="矩形 5"/>
+          <p:cNvSpPr/>
+          <p:nvPr/>
+        </p:nvSpPr>
+        <p:spPr>
+          <a:xfrm>
+            <a:off x="3073400" y="4572000"/>
+            <a:ext cx="1308100" cy="914400"/>
+          </a:xfrm>
+          <a:prstGeom prst="rect">
+            <a:avLst/>
+          </a:prstGeom>
+        </p:spPr>
+        <p:style>
+          <a:lnRef idx="2">
+            <a:schemeClr val="dk1"/>
+          </a:lnRef>
+          <a:fillRef idx="1">
+            <a:schemeClr val="lt1"/>
+          </a:fillRef>
+          <a:effectRef idx="0">
+            <a:schemeClr val="dk1"/>
+          </a:effectRef>
+          <a:fontRef idx="minor">
+            <a:schemeClr val="dk1"/>
+          </a:fontRef>
+        </p:style>
+        <p:txBody>
+          <a:bodyPr rtlCol="0" anchor="ctr"/>
+          <a:lstStyle/>
+          <a:p>
+            <a:pPr algn="ctr"/>
+            <a:endParaRPr kumimoji="1" lang="zh-CN" altLang="en-US"/>
+          </a:p>
+        </p:txBody>
+      </p:sp>
+      <p:sp>
+        <p:nvSpPr>
+          <p:cNvPr id="7" name="矩形 6"/>
+          <p:cNvSpPr/>
+          <p:nvPr/>
+        </p:nvSpPr>
+        <p:spPr>
+          <a:xfrm>
+            <a:off x="4737100" y="2336800"/>
+            <a:ext cx="1308100" cy="914400"/>
+          </a:xfrm>
+          <a:prstGeom prst="rect">
+            <a:avLst/>
+          </a:prstGeom>
+        </p:spPr>
+        <p:style>
+          <a:lnRef idx="2">
+            <a:schemeClr val="dk1"/>
+          </a:lnRef>
+          <a:fillRef idx="1">
+            <a:schemeClr val="lt1"/>
+          </a:fillRef>
+          <a:effectRef idx="0">
+            <a:schemeClr val="dk1"/>
+          </a:effectRef>
+          <a:fontRef idx="minor">
+            <a:schemeClr val="dk1"/>
+          </a:fontRef>
+        </p:style>
+        <p:txBody>
+          <a:bodyPr rtlCol="0" anchor="ctr"/>
+          <a:lstStyle/>
+          <a:p>
+            <a:pPr algn="ctr"/>
+            <a:endParaRPr kumimoji="1" lang="zh-CN" altLang="en-US"/>
+          </a:p>
+        </p:txBody>
+      </p:sp>
+      <p:cxnSp>
+        <p:nvCxnSpPr>
+          <p:cNvPr id="9" name="直线箭头连接符 8"/>
+          <p:cNvCxnSpPr>
+            <a:endCxn id="7" idx="1"/>
+          </p:cNvCxnSpPr>
+          <p:nvPr/>
+        </p:nvCxnSpPr>
+        <p:spPr>
+          <a:xfrm flipV="1">
+            <a:off x="2120900" y="2794000"/>
+            <a:ext cx="2616200" cy="24368"/>
+          </a:xfrm>
+          <a:prstGeom prst="straightConnector1">
+            <a:avLst/>
+          </a:prstGeom>
+          <a:ln>
+            <a:tailEnd type="arrow"/>
+          </a:ln>
+        </p:spPr>
+        <p:style>
+          <a:lnRef idx="2">
+            <a:schemeClr val="accent1"/>
+          </a:lnRef>
+          <a:fillRef idx="0">
+            <a:schemeClr val="accent1"/>
+          </a:fillRef>
+          <a:effectRef idx="1">
+            <a:schemeClr val="accent1"/>
+          </a:effectRef>
+          <a:fontRef idx="minor">
+            <a:schemeClr val="tx1"/>
+          </a:fontRef>
+        </p:style>
+      </p:cxnSp>
+      <p:sp>
+        <p:nvSpPr>
+          <p:cNvPr id="11" name="文本框 10"/>
+          <p:cNvSpPr txBox="1"/>
+          <p:nvPr/>
+        </p:nvSpPr>
+        <p:spPr>
+          <a:xfrm>
+            <a:off x="2899286" y="2835870"/>
+            <a:ext cx="1338828" cy="369332"/>
+          </a:xfrm>
+          <a:prstGeom prst="rect">
+            <a:avLst/>
+          </a:prstGeom>
+          <a:noFill/>
+        </p:spPr>
+        <p:txBody>
+          <a:bodyPr wrap="none" rtlCol="0">
+            <a:spAutoFit/>
+          </a:bodyPr>
+          <a:lstStyle/>
+          <a:p>
+            <a:r>
+              <a:rPr kumimoji="1" lang="zh-CN" altLang="en-US"/>
+              <a:t>元数据操作</a:t>
+            </a:r>
+            <a:endParaRPr kumimoji="1" lang="zh-CN" altLang="en-US"/>
+          </a:p>
+        </p:txBody>
+      </p:sp>
+      <p:sp>
+        <p:nvSpPr>
+          <p:cNvPr id="12" name="矩形 11"/>
+          <p:cNvSpPr/>
+          <p:nvPr/>
+        </p:nvSpPr>
+        <p:spPr>
+          <a:xfrm>
+            <a:off x="6007100" y="4546600"/>
+            <a:ext cx="1308100" cy="914400"/>
+          </a:xfrm>
+          <a:prstGeom prst="rect">
+            <a:avLst/>
+          </a:prstGeom>
+        </p:spPr>
+        <p:style>
+          <a:lnRef idx="2">
+            <a:schemeClr val="dk1"/>
+          </a:lnRef>
+          <a:fillRef idx="1">
+            <a:schemeClr val="lt1"/>
+          </a:fillRef>
+          <a:effectRef idx="0">
+            <a:schemeClr val="dk1"/>
+          </a:effectRef>
+          <a:fontRef idx="minor">
+            <a:schemeClr val="dk1"/>
+          </a:fontRef>
+        </p:style>
+        <p:txBody>
+          <a:bodyPr rtlCol="0" anchor="ctr"/>
+          <a:lstStyle/>
+          <a:p>
+            <a:pPr algn="ctr"/>
+            <a:endParaRPr kumimoji="1" lang="zh-CN" altLang="en-US"/>
+          </a:p>
+        </p:txBody>
+      </p:sp>
+      <p:sp>
+        <p:nvSpPr>
+          <p:cNvPr id="13" name="矩形 12"/>
+          <p:cNvSpPr/>
+          <p:nvPr/>
+        </p:nvSpPr>
+        <p:spPr>
+          <a:xfrm>
+            <a:off x="4953000" y="2456934"/>
+            <a:ext cx="876300" cy="495300"/>
+          </a:xfrm>
+          <a:prstGeom prst="rect">
+            <a:avLst/>
+          </a:prstGeom>
+        </p:spPr>
+        <p:style>
+          <a:lnRef idx="2">
+            <a:schemeClr val="dk1"/>
+          </a:lnRef>
+          <a:fillRef idx="1">
+            <a:schemeClr val="lt1"/>
+          </a:fillRef>
+          <a:effectRef idx="0">
+            <a:schemeClr val="dk1"/>
+          </a:effectRef>
+          <a:fontRef idx="minor">
+            <a:schemeClr val="dk1"/>
+          </a:fontRef>
+        </p:style>
+        <p:txBody>
+          <a:bodyPr rtlCol="0" anchor="ctr"/>
+          <a:lstStyle/>
+          <a:p>
+            <a:pPr algn="ctr"/>
+            <a:r>
+              <a:rPr kumimoji="1" lang="zh-CN" altLang="en-US"/>
+              <a:t>元数据</a:t>
+            </a:r>
+            <a:endParaRPr kumimoji="1" lang="zh-CN" altLang="en-US"/>
+          </a:p>
+        </p:txBody>
+      </p:sp>
+      <p:cxnSp>
+        <p:nvCxnSpPr>
+          <p:cNvPr id="15" name="直线箭头连接符 14"/>
+          <p:cNvCxnSpPr/>
+          <p:nvPr/>
+        </p:nvCxnSpPr>
+        <p:spPr>
+          <a:xfrm>
+            <a:off x="1181100" y="3197304"/>
+            <a:ext cx="812800" cy="1346200"/>
+          </a:xfrm>
+          <a:prstGeom prst="straightConnector1">
+            <a:avLst/>
+          </a:prstGeom>
+          <a:ln>
+            <a:headEnd type="arrow"/>
+            <a:tailEnd type="arrow"/>
+          </a:ln>
+        </p:spPr>
+        <p:style>
+          <a:lnRef idx="2">
+            <a:schemeClr val="accent1"/>
+          </a:lnRef>
+          <a:fillRef idx="0">
+            <a:schemeClr val="accent1"/>
+          </a:fillRef>
+          <a:effectRef idx="1">
+            <a:schemeClr val="accent1"/>
+          </a:effectRef>
+          <a:fontRef idx="minor">
+            <a:schemeClr val="tx1"/>
+          </a:fontRef>
+        </p:style>
+      </p:cxnSp>
+      <p:cxnSp>
+        <p:nvCxnSpPr>
+          <p:cNvPr id="16" name="直线箭头连接符 15"/>
+          <p:cNvCxnSpPr/>
+          <p:nvPr/>
+        </p:nvCxnSpPr>
+        <p:spPr>
+          <a:xfrm>
+            <a:off x="1993900" y="3205202"/>
+            <a:ext cx="1574800" cy="1315998"/>
+          </a:xfrm>
+          <a:prstGeom prst="straightConnector1">
+            <a:avLst/>
+          </a:prstGeom>
+          <a:ln>
+            <a:solidFill>
+              <a:srgbClr val="4472C4"/>
+            </a:solidFill>
+            <a:prstDash val="sysDash"/>
+            <a:headEnd type="arrow"/>
+            <a:tailEnd type="arrow"/>
+          </a:ln>
+        </p:spPr>
+        <p:style>
+          <a:lnRef idx="2">
+            <a:schemeClr val="accent1"/>
+          </a:lnRef>
+          <a:fillRef idx="0">
+            <a:schemeClr val="accent1"/>
+          </a:fillRef>
+          <a:effectRef idx="1">
+            <a:schemeClr val="accent1"/>
+          </a:effectRef>
+          <a:fontRef idx="minor">
+            <a:schemeClr val="tx1"/>
+          </a:fontRef>
+        </p:style>
+      </p:cxnSp>
+      <p:cxnSp>
+        <p:nvCxnSpPr>
+          <p:cNvPr id="17" name="直线箭头连接符 16"/>
+          <p:cNvCxnSpPr/>
+          <p:nvPr/>
+        </p:nvCxnSpPr>
+        <p:spPr>
+          <a:xfrm>
+            <a:off x="5499100" y="3251200"/>
+            <a:ext cx="1054100" cy="1181100"/>
+          </a:xfrm>
+          <a:prstGeom prst="straightConnector1">
+            <a:avLst/>
+          </a:prstGeom>
+          <a:ln>
+            <a:headEnd type="arrow"/>
+            <a:tailEnd type="arrow"/>
+          </a:ln>
+        </p:spPr>
+        <p:style>
+          <a:lnRef idx="2">
+            <a:schemeClr val="accent1"/>
+          </a:lnRef>
+          <a:fillRef idx="0">
+            <a:schemeClr val="accent1"/>
+          </a:fillRef>
+          <a:effectRef idx="1">
+            <a:schemeClr val="accent1"/>
+          </a:effectRef>
+          <a:fontRef idx="minor">
+            <a:schemeClr val="tx1"/>
+          </a:fontRef>
+        </p:style>
+      </p:cxnSp>
+      <p:cxnSp>
+        <p:nvCxnSpPr>
+          <p:cNvPr id="19" name="直线连接符 18"/>
+          <p:cNvCxnSpPr/>
+          <p:nvPr/>
+        </p:nvCxnSpPr>
+        <p:spPr>
+          <a:xfrm flipV="1">
+            <a:off x="4469031" y="5016500"/>
+            <a:ext cx="1549400" cy="12700"/>
+          </a:xfrm>
+          <a:prstGeom prst="line">
+            <a:avLst/>
+          </a:prstGeom>
+          <a:ln>
+            <a:solidFill>
+              <a:srgbClr val="4472C4"/>
+            </a:solidFill>
+            <a:prstDash val="sysDash"/>
+          </a:ln>
+        </p:spPr>
+        <p:style>
+          <a:lnRef idx="2">
+            <a:schemeClr val="accent1"/>
+          </a:lnRef>
+          <a:fillRef idx="0">
+            <a:schemeClr val="accent1"/>
+          </a:fillRef>
+          <a:effectRef idx="1">
+            <a:schemeClr val="accent1"/>
+          </a:effectRef>
+          <a:fontRef idx="minor">
+            <a:schemeClr val="tx1"/>
+          </a:fontRef>
+        </p:style>
+      </p:cxnSp>
+      <p:sp>
+        <p:nvSpPr>
+          <p:cNvPr id="21" name="文本框 20"/>
+          <p:cNvSpPr txBox="1"/>
+          <p:nvPr/>
+        </p:nvSpPr>
+        <p:spPr>
+          <a:xfrm>
+            <a:off x="4953000" y="4660900"/>
+            <a:ext cx="646331" cy="369332"/>
+          </a:xfrm>
+          <a:prstGeom prst="rect">
+            <a:avLst/>
+          </a:prstGeom>
+          <a:noFill/>
+        </p:spPr>
+        <p:txBody>
+          <a:bodyPr wrap="none" rtlCol="0">
+            <a:spAutoFit/>
+          </a:bodyPr>
+          <a:lstStyle/>
+          <a:p>
+            <a:r>
+              <a:rPr kumimoji="1" lang="zh-CN" altLang="en-US"/>
+              <a:t>复制</a:t>
+            </a:r>
+            <a:endParaRPr kumimoji="1" lang="zh-CN" altLang="en-US"/>
+          </a:p>
+        </p:txBody>
+      </p:sp>
+      <p:sp>
+        <p:nvSpPr>
+          <p:cNvPr id="23" name="文本框 22"/>
+          <p:cNvSpPr txBox="1"/>
+          <p:nvPr/>
+        </p:nvSpPr>
+        <p:spPr>
+          <a:xfrm>
+            <a:off x="6007100" y="3568700"/>
+            <a:ext cx="877163" cy="369332"/>
+          </a:xfrm>
+          <a:prstGeom prst="rect">
+            <a:avLst/>
+          </a:prstGeom>
+          <a:noFill/>
+        </p:spPr>
+        <p:txBody>
+          <a:bodyPr wrap="none" rtlCol="0">
+            <a:spAutoFit/>
+          </a:bodyPr>
+          <a:lstStyle/>
+          <a:p>
+            <a:r>
+              <a:rPr kumimoji="1" lang="zh-CN" altLang="en-US"/>
+              <a:t>块操作</a:t>
+            </a:r>
+            <a:endParaRPr kumimoji="1" lang="zh-CN" altLang="en-US"/>
+          </a:p>
+        </p:txBody>
+      </p:sp>
+      <p:sp>
+        <p:nvSpPr>
+          <p:cNvPr id="31" name="文本框 30"/>
+          <p:cNvSpPr txBox="1"/>
+          <p:nvPr/>
+        </p:nvSpPr>
+        <p:spPr>
+          <a:xfrm>
+            <a:off x="2345288" y="3587234"/>
+            <a:ext cx="1107996" cy="369332"/>
+          </a:xfrm>
+          <a:prstGeom prst="rect">
+            <a:avLst/>
+          </a:prstGeom>
+          <a:noFill/>
+        </p:spPr>
+        <p:txBody>
+          <a:bodyPr wrap="none" rtlCol="0">
+            <a:spAutoFit/>
+          </a:bodyPr>
+          <a:lstStyle/>
+          <a:p>
+            <a:r>
+              <a:rPr kumimoji="1" lang="zh-CN" altLang="en-US"/>
+              <a:t>读写操作</a:t>
+            </a:r>
+            <a:endParaRPr kumimoji="1" lang="zh-CN" altLang="en-US"/>
+          </a:p>
+        </p:txBody>
+      </p:sp>
+      <p:sp>
+        <p:nvSpPr>
+          <p:cNvPr id="32" name="矩形 31"/>
+          <p:cNvSpPr/>
+          <p:nvPr/>
+        </p:nvSpPr>
+        <p:spPr>
+          <a:xfrm>
+            <a:off x="6172200" y="4636532"/>
+            <a:ext cx="292100" cy="292100"/>
+          </a:xfrm>
+          <a:prstGeom prst="rect">
+            <a:avLst/>
+          </a:prstGeom>
+        </p:spPr>
+        <p:style>
+          <a:lnRef idx="2">
+            <a:schemeClr val="dk1"/>
+          </a:lnRef>
+          <a:fillRef idx="1">
+            <a:schemeClr val="lt1"/>
+          </a:fillRef>
+          <a:effectRef idx="0">
+            <a:schemeClr val="dk1"/>
+          </a:effectRef>
+          <a:fontRef idx="minor">
+            <a:schemeClr val="dk1"/>
+          </a:fontRef>
+        </p:style>
+        <p:txBody>
+          <a:bodyPr rtlCol="0" anchor="ctr"/>
+          <a:lstStyle/>
+          <a:p>
+            <a:pPr algn="ctr"/>
+            <a:r>
+              <a:rPr kumimoji="1" lang="en-US" altLang="zh-CN"/>
+              <a:t>3</a:t>
+            </a:r>
+            <a:endParaRPr kumimoji="1" lang="zh-CN" altLang="en-US"/>
+          </a:p>
+        </p:txBody>
+      </p:sp>
+      <p:sp>
+        <p:nvSpPr>
+          <p:cNvPr id="33" name="矩形 32"/>
+          <p:cNvSpPr/>
+          <p:nvPr/>
+        </p:nvSpPr>
+        <p:spPr>
+          <a:xfrm>
+            <a:off x="6172200" y="4967764"/>
+            <a:ext cx="292100" cy="292100"/>
+          </a:xfrm>
+          <a:prstGeom prst="rect">
+            <a:avLst/>
+          </a:prstGeom>
+        </p:spPr>
+        <p:style>
+          <a:lnRef idx="2">
+            <a:schemeClr val="dk1"/>
+          </a:lnRef>
+          <a:fillRef idx="1">
+            <a:schemeClr val="lt1"/>
+          </a:fillRef>
+          <a:effectRef idx="0">
+            <a:schemeClr val="dk1"/>
+          </a:effectRef>
+          <a:fontRef idx="minor">
+            <a:schemeClr val="dk1"/>
+          </a:fontRef>
+        </p:style>
+        <p:txBody>
+          <a:bodyPr rtlCol="0" anchor="ctr"/>
+          <a:lstStyle/>
+          <a:p>
+            <a:pPr algn="ctr"/>
+            <a:r>
+              <a:rPr kumimoji="1" lang="en-US" altLang="zh-CN"/>
+              <a:t>2</a:t>
+            </a:r>
+            <a:endParaRPr kumimoji="1" lang="zh-CN" altLang="en-US"/>
+          </a:p>
+        </p:txBody>
+      </p:sp>
+      <p:sp>
+        <p:nvSpPr>
+          <p:cNvPr id="34" name="矩形 33"/>
+          <p:cNvSpPr/>
+          <p:nvPr/>
+        </p:nvSpPr>
+        <p:spPr>
+          <a:xfrm>
+            <a:off x="6553200" y="4966732"/>
+            <a:ext cx="292100" cy="292100"/>
+          </a:xfrm>
+          <a:prstGeom prst="rect">
+            <a:avLst/>
+          </a:prstGeom>
+        </p:spPr>
+        <p:style>
+          <a:lnRef idx="2">
+            <a:schemeClr val="dk1"/>
+          </a:lnRef>
+          <a:fillRef idx="1">
+            <a:schemeClr val="lt1"/>
+          </a:fillRef>
+          <a:effectRef idx="0">
+            <a:schemeClr val="dk1"/>
+          </a:effectRef>
+          <a:fontRef idx="minor">
+            <a:schemeClr val="dk1"/>
+          </a:fontRef>
+        </p:style>
+        <p:txBody>
+          <a:bodyPr rtlCol="0" anchor="ctr"/>
+          <a:lstStyle/>
+          <a:p>
+            <a:pPr algn="ctr"/>
+            <a:r>
+              <a:rPr kumimoji="1" lang="en-US" altLang="zh-CN"/>
+              <a:t>2</a:t>
+            </a:r>
+            <a:endParaRPr kumimoji="1" lang="zh-CN" altLang="en-US"/>
+          </a:p>
+        </p:txBody>
+      </p:sp>
+      <p:sp>
+        <p:nvSpPr>
+          <p:cNvPr id="35" name="矩形 34"/>
+          <p:cNvSpPr/>
+          <p:nvPr/>
+        </p:nvSpPr>
+        <p:spPr>
+          <a:xfrm>
+            <a:off x="6553200" y="4636532"/>
+            <a:ext cx="292100" cy="292100"/>
+          </a:xfrm>
+          <a:prstGeom prst="rect">
+            <a:avLst/>
+          </a:prstGeom>
+        </p:spPr>
+        <p:style>
+          <a:lnRef idx="2">
+            <a:schemeClr val="dk1"/>
+          </a:lnRef>
+          <a:fillRef idx="1">
+            <a:schemeClr val="lt1"/>
+          </a:fillRef>
+          <a:effectRef idx="0">
+            <a:schemeClr val="dk1"/>
+          </a:effectRef>
+          <a:fontRef idx="minor">
+            <a:schemeClr val="dk1"/>
+          </a:fontRef>
+        </p:style>
+        <p:txBody>
+          <a:bodyPr rtlCol="0" anchor="ctr"/>
+          <a:lstStyle/>
+          <a:p>
+            <a:pPr algn="ctr"/>
+            <a:r>
+              <a:rPr kumimoji="1" lang="en-US" altLang="zh-CN"/>
+              <a:t>1</a:t>
+            </a:r>
+            <a:endParaRPr kumimoji="1" lang="zh-CN" altLang="en-US"/>
+          </a:p>
+        </p:txBody>
+      </p:sp>
+      <p:sp>
+        <p:nvSpPr>
+          <p:cNvPr id="36" name="矩形 35"/>
+          <p:cNvSpPr/>
+          <p:nvPr/>
+        </p:nvSpPr>
+        <p:spPr>
+          <a:xfrm>
+            <a:off x="3276600" y="4660900"/>
+            <a:ext cx="292100" cy="292100"/>
+          </a:xfrm>
+          <a:prstGeom prst="rect">
+            <a:avLst/>
+          </a:prstGeom>
+        </p:spPr>
+        <p:style>
+          <a:lnRef idx="2">
+            <a:schemeClr val="dk1"/>
+          </a:lnRef>
+          <a:fillRef idx="1">
+            <a:schemeClr val="lt1"/>
+          </a:fillRef>
+          <a:effectRef idx="0">
+            <a:schemeClr val="dk1"/>
+          </a:effectRef>
+          <a:fontRef idx="minor">
+            <a:schemeClr val="dk1"/>
+          </a:fontRef>
+        </p:style>
+        <p:txBody>
+          <a:bodyPr rtlCol="0" anchor="ctr"/>
+          <a:lstStyle/>
+          <a:p>
+            <a:pPr algn="ctr"/>
+            <a:r>
+              <a:rPr kumimoji="1" lang="zh-CN" altLang="zh-CN"/>
+              <a:t>1</a:t>
+            </a:r>
+            <a:endParaRPr kumimoji="1" lang="zh-CN" altLang="en-US"/>
+          </a:p>
+        </p:txBody>
+      </p:sp>
+      <p:sp>
+        <p:nvSpPr>
+          <p:cNvPr id="37" name="矩形 36"/>
+          <p:cNvSpPr/>
+          <p:nvPr/>
+        </p:nvSpPr>
+        <p:spPr>
+          <a:xfrm>
+            <a:off x="3276600" y="4992132"/>
+            <a:ext cx="292100" cy="292100"/>
+          </a:xfrm>
+          <a:prstGeom prst="rect">
+            <a:avLst/>
+          </a:prstGeom>
+        </p:spPr>
+        <p:style>
+          <a:lnRef idx="2">
+            <a:schemeClr val="dk1"/>
+          </a:lnRef>
+          <a:fillRef idx="1">
+            <a:schemeClr val="lt1"/>
+          </a:fillRef>
+          <a:effectRef idx="0">
+            <a:schemeClr val="dk1"/>
+          </a:effectRef>
+          <a:fontRef idx="minor">
+            <a:schemeClr val="dk1"/>
+          </a:fontRef>
+        </p:style>
+        <p:txBody>
+          <a:bodyPr rtlCol="0" anchor="ctr"/>
+          <a:lstStyle/>
+          <a:p>
+            <a:pPr algn="ctr"/>
+            <a:r>
+              <a:rPr kumimoji="1" lang="zh-CN" altLang="zh-CN"/>
+              <a:t>1</a:t>
+            </a:r>
+            <a:endParaRPr kumimoji="1" lang="zh-CN" altLang="en-US"/>
+          </a:p>
+        </p:txBody>
+      </p:sp>
+      <p:sp>
+        <p:nvSpPr>
+          <p:cNvPr id="38" name="矩形 37"/>
+          <p:cNvSpPr/>
+          <p:nvPr/>
+        </p:nvSpPr>
+        <p:spPr>
+          <a:xfrm>
+            <a:off x="3657600" y="4991100"/>
+            <a:ext cx="292100" cy="292100"/>
+          </a:xfrm>
+          <a:prstGeom prst="rect">
+            <a:avLst/>
+          </a:prstGeom>
+        </p:spPr>
+        <p:style>
+          <a:lnRef idx="2">
+            <a:schemeClr val="dk1"/>
+          </a:lnRef>
+          <a:fillRef idx="1">
+            <a:schemeClr val="lt1"/>
+          </a:fillRef>
+          <a:effectRef idx="0">
+            <a:schemeClr val="dk1"/>
+          </a:effectRef>
+          <a:fontRef idx="minor">
+            <a:schemeClr val="dk1"/>
+          </a:fontRef>
+        </p:style>
+        <p:txBody>
+          <a:bodyPr rtlCol="0" anchor="ctr"/>
+          <a:lstStyle/>
+          <a:p>
+            <a:pPr algn="ctr"/>
+            <a:r>
+              <a:rPr kumimoji="1" lang="en-US" altLang="zh-CN"/>
+              <a:t>3</a:t>
+            </a:r>
+            <a:endParaRPr kumimoji="1" lang="zh-CN" altLang="en-US"/>
+          </a:p>
+        </p:txBody>
+      </p:sp>
+      <p:sp>
+        <p:nvSpPr>
+          <p:cNvPr id="39" name="矩形 38"/>
+          <p:cNvSpPr/>
+          <p:nvPr/>
+        </p:nvSpPr>
+        <p:spPr>
+          <a:xfrm>
+            <a:off x="3657600" y="4660900"/>
+            <a:ext cx="292100" cy="292100"/>
+          </a:xfrm>
+          <a:prstGeom prst="rect">
+            <a:avLst/>
+          </a:prstGeom>
+        </p:spPr>
+        <p:style>
+          <a:lnRef idx="2">
+            <a:schemeClr val="dk1"/>
+          </a:lnRef>
+          <a:fillRef idx="1">
+            <a:schemeClr val="lt1"/>
+          </a:fillRef>
+          <a:effectRef idx="0">
+            <a:schemeClr val="dk1"/>
+          </a:effectRef>
+          <a:fontRef idx="minor">
+            <a:schemeClr val="dk1"/>
+          </a:fontRef>
+        </p:style>
+        <p:txBody>
+          <a:bodyPr rtlCol="0" anchor="ctr"/>
+          <a:lstStyle/>
+          <a:p>
+            <a:pPr algn="ctr"/>
+            <a:r>
+              <a:rPr kumimoji="1" lang="en-US" altLang="zh-CN"/>
+              <a:t>2</a:t>
+            </a:r>
+            <a:endParaRPr kumimoji="1" lang="zh-CN" altLang="en-US"/>
+          </a:p>
+        </p:txBody>
+      </p:sp>
+      <p:sp>
+        <p:nvSpPr>
+          <p:cNvPr id="40" name="矩形 39"/>
+          <p:cNvSpPr/>
+          <p:nvPr/>
+        </p:nvSpPr>
+        <p:spPr>
+          <a:xfrm>
+            <a:off x="1447800" y="4660900"/>
+            <a:ext cx="292100" cy="292100"/>
+          </a:xfrm>
+          <a:prstGeom prst="rect">
+            <a:avLst/>
+          </a:prstGeom>
+        </p:spPr>
+        <p:style>
+          <a:lnRef idx="2">
+            <a:schemeClr val="dk1"/>
+          </a:lnRef>
+          <a:fillRef idx="1">
+            <a:schemeClr val="lt1"/>
+          </a:fillRef>
+          <a:effectRef idx="0">
+            <a:schemeClr val="dk1"/>
+          </a:effectRef>
+          <a:fontRef idx="minor">
+            <a:schemeClr val="dk1"/>
+          </a:fontRef>
+        </p:style>
+        <p:txBody>
+          <a:bodyPr rtlCol="0" anchor="ctr"/>
+          <a:lstStyle/>
+          <a:p>
+            <a:pPr algn="ctr"/>
+            <a:r>
+              <a:rPr kumimoji="1" lang="zh-CN" altLang="zh-CN"/>
+              <a:t>1</a:t>
+            </a:r>
+            <a:endParaRPr kumimoji="1" lang="zh-CN" altLang="en-US"/>
+          </a:p>
+        </p:txBody>
+      </p:sp>
+      <p:sp>
+        <p:nvSpPr>
+          <p:cNvPr id="41" name="矩形 40"/>
+          <p:cNvSpPr/>
+          <p:nvPr/>
+        </p:nvSpPr>
+        <p:spPr>
+          <a:xfrm>
+            <a:off x="1447800" y="4992132"/>
+            <a:ext cx="292100" cy="292100"/>
+          </a:xfrm>
+          <a:prstGeom prst="rect">
+            <a:avLst/>
+          </a:prstGeom>
+        </p:spPr>
+        <p:style>
+          <a:lnRef idx="2">
+            <a:schemeClr val="dk1"/>
+          </a:lnRef>
+          <a:fillRef idx="1">
+            <a:schemeClr val="lt1"/>
+          </a:fillRef>
+          <a:effectRef idx="0">
+            <a:schemeClr val="dk1"/>
+          </a:effectRef>
+          <a:fontRef idx="minor">
+            <a:schemeClr val="dk1"/>
+          </a:fontRef>
+        </p:style>
+        <p:txBody>
+          <a:bodyPr rtlCol="0" anchor="ctr"/>
+          <a:lstStyle/>
+          <a:p>
+            <a:pPr algn="ctr"/>
+            <a:r>
+              <a:rPr kumimoji="1" lang="zh-CN" altLang="zh-CN"/>
+              <a:t>1</a:t>
+            </a:r>
+            <a:endParaRPr kumimoji="1" lang="zh-CN" altLang="en-US"/>
+          </a:p>
+        </p:txBody>
+      </p:sp>
+      <p:sp>
+        <p:nvSpPr>
+          <p:cNvPr id="42" name="矩形 41"/>
+          <p:cNvSpPr/>
+          <p:nvPr/>
+        </p:nvSpPr>
+        <p:spPr>
+          <a:xfrm>
+            <a:off x="1828800" y="4991100"/>
+            <a:ext cx="292100" cy="292100"/>
+          </a:xfrm>
+          <a:prstGeom prst="rect">
+            <a:avLst/>
+          </a:prstGeom>
+        </p:spPr>
+        <p:style>
+          <a:lnRef idx="2">
+            <a:schemeClr val="dk1"/>
+          </a:lnRef>
+          <a:fillRef idx="1">
+            <a:schemeClr val="lt1"/>
+          </a:fillRef>
+          <a:effectRef idx="0">
+            <a:schemeClr val="dk1"/>
+          </a:effectRef>
+          <a:fontRef idx="minor">
+            <a:schemeClr val="dk1"/>
+          </a:fontRef>
+        </p:style>
+        <p:txBody>
+          <a:bodyPr rtlCol="0" anchor="ctr"/>
+          <a:lstStyle/>
+          <a:p>
+            <a:pPr algn="ctr"/>
+            <a:r>
+              <a:rPr kumimoji="1" lang="en-US" altLang="zh-CN"/>
+              <a:t>2</a:t>
+            </a:r>
+            <a:endParaRPr kumimoji="1" lang="zh-CN" altLang="en-US"/>
+          </a:p>
+        </p:txBody>
+      </p:sp>
+      <p:sp>
+        <p:nvSpPr>
+          <p:cNvPr id="49" name="文本框 48"/>
+          <p:cNvSpPr txBox="1"/>
+          <p:nvPr/>
+        </p:nvSpPr>
+        <p:spPr>
+          <a:xfrm>
+            <a:off x="2752235" y="1925935"/>
+            <a:ext cx="1632929" cy="461665"/>
+          </a:xfrm>
+          <a:prstGeom prst="rect">
+            <a:avLst/>
+          </a:prstGeom>
+          <a:noFill/>
+        </p:spPr>
+        <p:txBody>
+          <a:bodyPr wrap="none" rtlCol="0">
+            <a:spAutoFit/>
+          </a:bodyPr>
+          <a:lstStyle/>
+          <a:p>
+            <a:r>
+              <a:rPr kumimoji="1" lang="en-US" altLang="zh-CN" sz="2400" b="1"/>
+              <a:t>NameNode</a:t>
+            </a:r>
+            <a:endParaRPr kumimoji="1" lang="zh-CN" altLang="en-US" sz="2400" b="1"/>
+          </a:p>
+        </p:txBody>
+      </p:sp>
+      <p:sp>
+        <p:nvSpPr>
+          <p:cNvPr id="50" name="文本框 49"/>
+          <p:cNvSpPr txBox="1"/>
+          <p:nvPr/>
+        </p:nvSpPr>
+        <p:spPr>
+          <a:xfrm>
+            <a:off x="3155950" y="5702300"/>
+            <a:ext cx="1587500" cy="461665"/>
+          </a:xfrm>
+          <a:prstGeom prst="rect">
+            <a:avLst/>
+          </a:prstGeom>
+          <a:noFill/>
+        </p:spPr>
+        <p:txBody>
+          <a:bodyPr wrap="square" rtlCol="0">
+            <a:spAutoFit/>
+          </a:bodyPr>
+          <a:lstStyle/>
+          <a:p>
+            <a:r>
+              <a:rPr kumimoji="1" lang="en-US" altLang="zh-CN" sz="2400" b="1"/>
+              <a:t>DataNode</a:t>
+            </a:r>
+            <a:endParaRPr kumimoji="1" lang="zh-CN" altLang="en-US" sz="2400" b="1"/>
+          </a:p>
+        </p:txBody>
+      </p:sp>
     </p:spTree>
     <p:extLst>
       <p:ext uri="{BB962C8B-B14F-4D97-AF65-F5344CB8AC3E}">
-        <p14:creationId xmlns:p14="http://schemas.microsoft.com/office/powerpoint/2010/main" val="4026443785"/>
+        <p14:creationId xmlns:p14="http://schemas.microsoft.com/office/powerpoint/2010/main" val="1290810464"/>
       </p:ext>
     </p:extLst>
   </p:cSld>
@@ -3971,7 +4966,7 @@
           <p:cNvPr id="2" name="标题 1">
             <a:extLst>
               <a:ext uri="{FF2B5EF4-FFF2-40B4-BE49-F238E27FC236}">
-                <a16:creationId xmlns:a16="http://schemas.microsoft.com/office/drawing/2014/main" id="{BBF5726C-0F17-A045-BF3C-F4AC26D70E3F}"/>
+                <a16:creationId xmlns:a16="http://schemas.microsoft.com/office/drawing/2014/main" xmlns="" id="{26AF4D89-B9D3-124E-9AB9-7C7EA153FBA4}"/>
               </a:ext>
             </a:extLst>
           </p:cNvPr>
@@ -3996,7 +4991,117 @@
           <p:cNvPr id="3" name="内容占位符 2">
             <a:extLst>
               <a:ext uri="{FF2B5EF4-FFF2-40B4-BE49-F238E27FC236}">
-                <a16:creationId xmlns:a16="http://schemas.microsoft.com/office/drawing/2014/main" id="{32463A77-45E8-7440-B6F1-85181B89A6DA}"/>
+                <a16:creationId xmlns:a16="http://schemas.microsoft.com/office/drawing/2014/main" xmlns="" id="{ADEF7569-D0C5-134A-AAC8-B108EFDB6C70}"/>
+              </a:ext>
+            </a:extLst>
+          </p:cNvPr>
+          <p:cNvSpPr>
+            <a:spLocks noGrp="1"/>
+          </p:cNvSpPr>
+          <p:nvPr>
+            <p:ph idx="1"/>
+          </p:nvPr>
+        </p:nvSpPr>
+        <p:spPr/>
+        <p:txBody>
+          <a:bodyPr/>
+          <a:lstStyle/>
+          <a:p>
+            <a:endParaRPr kumimoji="1" lang="zh-CN" altLang="en-US"/>
+          </a:p>
+        </p:txBody>
+      </p:sp>
+      <p:pic>
+        <p:nvPicPr>
+          <p:cNvPr id="4" name="图片 3">
+            <a:extLst>
+              <a:ext uri="{FF2B5EF4-FFF2-40B4-BE49-F238E27FC236}">
+                <a16:creationId xmlns:a16="http://schemas.microsoft.com/office/drawing/2014/main" xmlns="" id="{FDDC5895-6F7A-9F4D-A9BB-DDC822F5BE85}"/>
+              </a:ext>
+            </a:extLst>
+          </p:cNvPr>
+          <p:cNvPicPr>
+            <a:picLocks noChangeAspect="1"/>
+          </p:cNvPicPr>
+          <p:nvPr/>
+        </p:nvPicPr>
+        <p:blipFill>
+          <a:blip r:embed="rId2"/>
+          <a:stretch>
+            <a:fillRect/>
+          </a:stretch>
+        </p:blipFill>
+        <p:spPr>
+          <a:xfrm>
+            <a:off x="2127250" y="488950"/>
+            <a:ext cx="7937500" cy="5880100"/>
+          </a:xfrm>
+          <a:prstGeom prst="rect">
+            <a:avLst/>
+          </a:prstGeom>
+        </p:spPr>
+      </p:pic>
+    </p:spTree>
+    <p:extLst>
+      <p:ext uri="{BB962C8B-B14F-4D97-AF65-F5344CB8AC3E}">
+        <p14:creationId xmlns:p14="http://schemas.microsoft.com/office/powerpoint/2010/main" val="4026443785"/>
+      </p:ext>
+    </p:extLst>
+  </p:cSld>
+  <p:clrMapOvr>
+    <a:masterClrMapping/>
+  </p:clrMapOvr>
+</p:sld>
+</file>
+
+<file path=ppt/slides/slide5.xml><?xml version="1.0" encoding="utf-8"?>
+<p:sld xmlns:a="http://schemas.openxmlformats.org/drawingml/2006/main" xmlns:r="http://schemas.openxmlformats.org/officeDocument/2006/relationships" xmlns:p="http://schemas.openxmlformats.org/presentationml/2006/main">
+  <p:cSld>
+    <p:spTree>
+      <p:nvGrpSpPr>
+        <p:cNvPr id="1" name=""/>
+        <p:cNvGrpSpPr/>
+        <p:nvPr/>
+      </p:nvGrpSpPr>
+      <p:grpSpPr>
+        <a:xfrm>
+          <a:off x="0" y="0"/>
+          <a:ext cx="0" cy="0"/>
+          <a:chOff x="0" y="0"/>
+          <a:chExt cx="0" cy="0"/>
+        </a:xfrm>
+      </p:grpSpPr>
+      <p:sp>
+        <p:nvSpPr>
+          <p:cNvPr id="2" name="标题 1">
+            <a:extLst>
+              <a:ext uri="{FF2B5EF4-FFF2-40B4-BE49-F238E27FC236}">
+                <a16:creationId xmlns:a16="http://schemas.microsoft.com/office/drawing/2014/main" xmlns="" id="{BBF5726C-0F17-A045-BF3C-F4AC26D70E3F}"/>
+              </a:ext>
+            </a:extLst>
+          </p:cNvPr>
+          <p:cNvSpPr>
+            <a:spLocks noGrp="1"/>
+          </p:cNvSpPr>
+          <p:nvPr>
+            <p:ph type="title"/>
+          </p:nvPr>
+        </p:nvSpPr>
+        <p:spPr/>
+        <p:txBody>
+          <a:bodyPr/>
+          <a:lstStyle/>
+          <a:p>
+            <a:endParaRPr kumimoji="1" lang="zh-CN" altLang="en-US"/>
+          </a:p>
+        </p:txBody>
+      </p:sp>
+      <p:sp>
+        <p:nvSpPr>
+          <p:cNvPr id="3" name="内容占位符 2">
+            <a:extLst>
+              <a:ext uri="{FF2B5EF4-FFF2-40B4-BE49-F238E27FC236}">
+                <a16:creationId xmlns:a16="http://schemas.microsoft.com/office/drawing/2014/main" xmlns="" id="{32463A77-45E8-7440-B6F1-85181B89A6DA}"/>
               </a:ext>
             </a:extLst>
           </p:cNvPr>
@@ -4136,7 +5241,7 @@
     </a:clrScheme>
     <a:fontScheme name="Calibri">
       <a:majorFont>
-        <a:latin typeface="Calibri" panose="020F0502020204030204"/>
+        <a:latin typeface="Calibri"/>
         <a:ea typeface=""/>
         <a:cs typeface=""/>
         <a:font script="Jpan" typeface="メイリオ"/>
@@ -4171,7 +5276,7 @@
         <a:font script="Geor" typeface="Sylfaen"/>
       </a:majorFont>
       <a:minorFont>
-        <a:latin typeface="Calibri" panose="020F0502020204030204"/>
+        <a:latin typeface="Calibri"/>
         <a:ea typeface=""/>
         <a:cs typeface=""/>
         <a:font script="Jpan" typeface="メイリオ"/>
@@ -4348,7 +5453,7 @@
   <a:extraClrSchemeLst/>
   <a:extLst>
     <a:ext uri="{05A4C25C-085E-4340-85A3-A5531E510DB2}">
-      <thm15:themeFamily xmlns:thm15="http://schemas.microsoft.com/office/thememl/2012/main" name="Office Theme" id="{62F939B6-93AF-4DB8-9C6B-D6C7DFDC589F}" vid="{4A3C46E8-61CC-4603-A589-7422A47A8E4A}"/>
+      <thm15:themeFamily xmlns:thm15="http://schemas.microsoft.com/office/thememl/2012/main" xmlns="" name="Office Theme" id="{62F939B6-93AF-4DB8-9C6B-D6C7DFDC589F}" vid="{4A3C46E8-61CC-4603-A589-7422A47A8E4A}"/>
     </a:ext>
   </a:extLst>
 </a:theme>
@@ -4397,7 +5502,7 @@
     </a:clrScheme>
     <a:fontScheme name="Office">
       <a:majorFont>
-        <a:latin typeface="等线 Light" panose="020F0302020204030204"/>
+        <a:latin typeface="等线 Light"/>
         <a:ea typeface=""/>
         <a:cs typeface=""/>
         <a:font script="Jpan" typeface="游ゴシック Light"/>
@@ -4449,7 +5554,7 @@
         <a:font script="Tfng" typeface="Ebrima"/>
       </a:majorFont>
       <a:minorFont>
-        <a:latin typeface="等线" panose="020F0502020204030204"/>
+        <a:latin typeface="等线"/>
         <a:ea typeface=""/>
         <a:cs typeface=""/>
         <a:font script="Jpan" typeface="游ゴシック"/>
@@ -4643,7 +5748,7 @@
   <a:extraClrSchemeLst/>
   <a:extLst>
     <a:ext uri="{05A4C25C-085E-4340-85A3-A5531E510DB2}">
-      <thm15:themeFamily xmlns:thm15="http://schemas.microsoft.com/office/thememl/2012/main" name="Office Theme" id="{62F939B6-93AF-4DB8-9C6B-D6C7DFDC589F}" vid="{4A3C46E8-61CC-4603-A589-7422A47A8E4A}"/>
+      <thm15:themeFamily xmlns:thm15="http://schemas.microsoft.com/office/thememl/2012/main" xmlns="" name="Office Theme" id="{62F939B6-93AF-4DB8-9C6B-D6C7DFDC589F}" vid="{4A3C46E8-61CC-4603-A589-7422A47A8E4A}"/>
     </a:ext>
   </a:extLst>
 </a:theme>

--- a/第二章 HDFS分布式文件系统.pptx
+++ b/第二章 HDFS分布式文件系统.pptx
@@ -5,7 +5,7 @@
     <p:sldMasterId id="2147483660" r:id="rId1"/>
   </p:sldMasterIdLst>
   <p:notesMasterIdLst>
-    <p:notesMasterId r:id="rId37"/>
+    <p:notesMasterId r:id="rId39"/>
   </p:notesMasterIdLst>
   <p:sldIdLst>
     <p:sldId id="276" r:id="rId2"/>
@@ -17,32 +17,34 @@
     <p:sldId id="290" r:id="rId8"/>
     <p:sldId id="291" r:id="rId9"/>
     <p:sldId id="262" r:id="rId10"/>
-    <p:sldId id="300" r:id="rId11"/>
-    <p:sldId id="303" r:id="rId12"/>
-    <p:sldId id="304" r:id="rId13"/>
-    <p:sldId id="305" r:id="rId14"/>
-    <p:sldId id="306" r:id="rId15"/>
-    <p:sldId id="307" r:id="rId16"/>
-    <p:sldId id="308" r:id="rId17"/>
-    <p:sldId id="309" r:id="rId18"/>
-    <p:sldId id="310" r:id="rId19"/>
-    <p:sldId id="311" r:id="rId20"/>
-    <p:sldId id="301" r:id="rId21"/>
-    <p:sldId id="285" r:id="rId22"/>
-    <p:sldId id="295" r:id="rId23"/>
-    <p:sldId id="321" r:id="rId24"/>
-    <p:sldId id="312" r:id="rId25"/>
-    <p:sldId id="296" r:id="rId26"/>
-    <p:sldId id="297" r:id="rId27"/>
-    <p:sldId id="313" r:id="rId28"/>
-    <p:sldId id="314" r:id="rId29"/>
-    <p:sldId id="315" r:id="rId30"/>
-    <p:sldId id="316" r:id="rId31"/>
-    <p:sldId id="317" r:id="rId32"/>
-    <p:sldId id="318" r:id="rId33"/>
-    <p:sldId id="319" r:id="rId34"/>
-    <p:sldId id="320" r:id="rId35"/>
-    <p:sldId id="282" r:id="rId36"/>
+    <p:sldId id="322" r:id="rId11"/>
+    <p:sldId id="323" r:id="rId12"/>
+    <p:sldId id="300" r:id="rId13"/>
+    <p:sldId id="303" r:id="rId14"/>
+    <p:sldId id="304" r:id="rId15"/>
+    <p:sldId id="305" r:id="rId16"/>
+    <p:sldId id="306" r:id="rId17"/>
+    <p:sldId id="307" r:id="rId18"/>
+    <p:sldId id="308" r:id="rId19"/>
+    <p:sldId id="309" r:id="rId20"/>
+    <p:sldId id="310" r:id="rId21"/>
+    <p:sldId id="311" r:id="rId22"/>
+    <p:sldId id="301" r:id="rId23"/>
+    <p:sldId id="285" r:id="rId24"/>
+    <p:sldId id="295" r:id="rId25"/>
+    <p:sldId id="321" r:id="rId26"/>
+    <p:sldId id="312" r:id="rId27"/>
+    <p:sldId id="296" r:id="rId28"/>
+    <p:sldId id="297" r:id="rId29"/>
+    <p:sldId id="313" r:id="rId30"/>
+    <p:sldId id="314" r:id="rId31"/>
+    <p:sldId id="315" r:id="rId32"/>
+    <p:sldId id="316" r:id="rId33"/>
+    <p:sldId id="317" r:id="rId34"/>
+    <p:sldId id="318" r:id="rId35"/>
+    <p:sldId id="319" r:id="rId36"/>
+    <p:sldId id="320" r:id="rId37"/>
+    <p:sldId id="282" r:id="rId38"/>
   </p:sldIdLst>
   <p:sldSz cx="12192000" cy="6858000"/>
   <p:notesSz cx="6858000" cy="9144000"/>
@@ -658,7 +660,7 @@
           <a:p>
             <a:fld id="{DBBB37BA-0AB3-4D4A-B865-6E343397AD79}" type="slidenum">
               <a:rPr lang="zh-CN" altLang="en-US" smtClean="0"/>
-              <a:t>11</a:t>
+              <a:t>13</a:t>
             </a:fld>
             <a:endParaRPr lang="zh-CN" altLang="en-US"/>
           </a:p>
@@ -742,7 +744,7 @@
           <a:p>
             <a:fld id="{DBBB37BA-0AB3-4D4A-B865-6E343397AD79}" type="slidenum">
               <a:rPr lang="zh-CN" altLang="en-US" smtClean="0"/>
-              <a:t>12</a:t>
+              <a:t>14</a:t>
             </a:fld>
             <a:endParaRPr lang="zh-CN" altLang="en-US"/>
           </a:p>
@@ -826,7 +828,7 @@
           <a:p>
             <a:fld id="{DBBB37BA-0AB3-4D4A-B865-6E343397AD79}" type="slidenum">
               <a:rPr lang="zh-CN" altLang="en-US" smtClean="0"/>
-              <a:t>13</a:t>
+              <a:t>15</a:t>
             </a:fld>
             <a:endParaRPr lang="zh-CN" altLang="en-US"/>
           </a:p>
@@ -910,7 +912,7 @@
           <a:p>
             <a:fld id="{DBBB37BA-0AB3-4D4A-B865-6E343397AD79}" type="slidenum">
               <a:rPr lang="zh-CN" altLang="en-US" smtClean="0"/>
-              <a:t>14</a:t>
+              <a:t>16</a:t>
             </a:fld>
             <a:endParaRPr lang="zh-CN" altLang="en-US"/>
           </a:p>
@@ -994,7 +996,7 @@
           <a:p>
             <a:fld id="{DBBB37BA-0AB3-4D4A-B865-6E343397AD79}" type="slidenum">
               <a:rPr lang="zh-CN" altLang="en-US" smtClean="0"/>
-              <a:t>15</a:t>
+              <a:t>17</a:t>
             </a:fld>
             <a:endParaRPr lang="zh-CN" altLang="en-US"/>
           </a:p>
@@ -1078,7 +1080,7 @@
           <a:p>
             <a:fld id="{DBBB37BA-0AB3-4D4A-B865-6E343397AD79}" type="slidenum">
               <a:rPr lang="zh-CN" altLang="en-US" smtClean="0"/>
-              <a:t>16</a:t>
+              <a:t>18</a:t>
             </a:fld>
             <a:endParaRPr lang="zh-CN" altLang="en-US"/>
           </a:p>
@@ -1162,7 +1164,7 @@
           <a:p>
             <a:fld id="{DBBB37BA-0AB3-4D4A-B865-6E343397AD79}" type="slidenum">
               <a:rPr lang="zh-CN" altLang="en-US" smtClean="0"/>
-              <a:t>17</a:t>
+              <a:t>19</a:t>
             </a:fld>
             <a:endParaRPr lang="zh-CN" altLang="en-US"/>
           </a:p>
@@ -1246,7 +1248,7 @@
           <a:p>
             <a:fld id="{DBBB37BA-0AB3-4D4A-B865-6E343397AD79}" type="slidenum">
               <a:rPr lang="zh-CN" altLang="en-US" smtClean="0"/>
-              <a:t>18</a:t>
+              <a:t>20</a:t>
             </a:fld>
             <a:endParaRPr lang="zh-CN" altLang="en-US"/>
           </a:p>
@@ -1330,7 +1332,7 @@
           <a:p>
             <a:fld id="{DBBB37BA-0AB3-4D4A-B865-6E343397AD79}" type="slidenum">
               <a:rPr lang="zh-CN" altLang="en-US" smtClean="0"/>
-              <a:t>19</a:t>
+              <a:t>21</a:t>
             </a:fld>
             <a:endParaRPr lang="zh-CN" altLang="en-US"/>
           </a:p>
@@ -1414,7 +1416,7 @@
           <a:p>
             <a:fld id="{DBBB37BA-0AB3-4D4A-B865-6E343397AD79}" type="slidenum">
               <a:rPr lang="zh-CN" altLang="en-US" smtClean="0"/>
-              <a:t>21</a:t>
+              <a:t>23</a:t>
             </a:fld>
             <a:endParaRPr lang="zh-CN" altLang="en-US"/>
           </a:p>
@@ -1582,7 +1584,7 @@
           <a:p>
             <a:fld id="{DBBB37BA-0AB3-4D4A-B865-6E343397AD79}" type="slidenum">
               <a:rPr lang="zh-CN" altLang="en-US" smtClean="0"/>
-              <a:t>22</a:t>
+              <a:t>24</a:t>
             </a:fld>
             <a:endParaRPr lang="zh-CN" altLang="en-US"/>
           </a:p>
@@ -1666,7 +1668,7 @@
           <a:p>
             <a:fld id="{DBBB37BA-0AB3-4D4A-B865-6E343397AD79}" type="slidenum">
               <a:rPr lang="zh-CN" altLang="en-US" smtClean="0"/>
-              <a:t>23</a:t>
+              <a:t>25</a:t>
             </a:fld>
             <a:endParaRPr lang="zh-CN" altLang="en-US"/>
           </a:p>
@@ -1750,7 +1752,7 @@
           <a:p>
             <a:fld id="{DBBB37BA-0AB3-4D4A-B865-6E343397AD79}" type="slidenum">
               <a:rPr lang="zh-CN" altLang="en-US" smtClean="0"/>
-              <a:t>24</a:t>
+              <a:t>26</a:t>
             </a:fld>
             <a:endParaRPr lang="zh-CN" altLang="en-US"/>
           </a:p>
@@ -1834,7 +1836,7 @@
           <a:p>
             <a:fld id="{DBBB37BA-0AB3-4D4A-B865-6E343397AD79}" type="slidenum">
               <a:rPr lang="zh-CN" altLang="en-US" smtClean="0"/>
-              <a:t>25</a:t>
+              <a:t>27</a:t>
             </a:fld>
             <a:endParaRPr lang="zh-CN" altLang="en-US"/>
           </a:p>
@@ -1918,7 +1920,7 @@
           <a:p>
             <a:fld id="{DBBB37BA-0AB3-4D4A-B865-6E343397AD79}" type="slidenum">
               <a:rPr lang="zh-CN" altLang="en-US" smtClean="0"/>
-              <a:t>26</a:t>
+              <a:t>28</a:t>
             </a:fld>
             <a:endParaRPr lang="zh-CN" altLang="en-US"/>
           </a:p>
@@ -2002,7 +2004,7 @@
           <a:p>
             <a:fld id="{DBBB37BA-0AB3-4D4A-B865-6E343397AD79}" type="slidenum">
               <a:rPr lang="zh-CN" altLang="en-US" smtClean="0"/>
-              <a:t>27</a:t>
+              <a:t>29</a:t>
             </a:fld>
             <a:endParaRPr lang="zh-CN" altLang="en-US"/>
           </a:p>
@@ -2086,7 +2088,7 @@
           <a:p>
             <a:fld id="{DBBB37BA-0AB3-4D4A-B865-6E343397AD79}" type="slidenum">
               <a:rPr lang="zh-CN" altLang="en-US" smtClean="0"/>
-              <a:t>28</a:t>
+              <a:t>30</a:t>
             </a:fld>
             <a:endParaRPr lang="zh-CN" altLang="en-US"/>
           </a:p>
@@ -2170,7 +2172,7 @@
           <a:p>
             <a:fld id="{DBBB37BA-0AB3-4D4A-B865-6E343397AD79}" type="slidenum">
               <a:rPr lang="zh-CN" altLang="en-US" smtClean="0"/>
-              <a:t>29</a:t>
+              <a:t>31</a:t>
             </a:fld>
             <a:endParaRPr lang="zh-CN" altLang="en-US"/>
           </a:p>
@@ -2254,7 +2256,7 @@
           <a:p>
             <a:fld id="{DBBB37BA-0AB3-4D4A-B865-6E343397AD79}" type="slidenum">
               <a:rPr lang="zh-CN" altLang="en-US" smtClean="0"/>
-              <a:t>30</a:t>
+              <a:t>32</a:t>
             </a:fld>
             <a:endParaRPr lang="zh-CN" altLang="en-US"/>
           </a:p>
@@ -2338,7 +2340,7 @@
           <a:p>
             <a:fld id="{DBBB37BA-0AB3-4D4A-B865-6E343397AD79}" type="slidenum">
               <a:rPr lang="zh-CN" altLang="en-US" smtClean="0"/>
-              <a:t>31</a:t>
+              <a:t>33</a:t>
             </a:fld>
             <a:endParaRPr lang="zh-CN" altLang="en-US"/>
           </a:p>
@@ -2506,7 +2508,7 @@
           <a:p>
             <a:fld id="{DBBB37BA-0AB3-4D4A-B865-6E343397AD79}" type="slidenum">
               <a:rPr lang="zh-CN" altLang="en-US" smtClean="0"/>
-              <a:t>32</a:t>
+              <a:t>34</a:t>
             </a:fld>
             <a:endParaRPr lang="zh-CN" altLang="en-US"/>
           </a:p>
@@ -2590,7 +2592,7 @@
           <a:p>
             <a:fld id="{DBBB37BA-0AB3-4D4A-B865-6E343397AD79}" type="slidenum">
               <a:rPr lang="zh-CN" altLang="en-US" smtClean="0"/>
-              <a:t>33</a:t>
+              <a:t>35</a:t>
             </a:fld>
             <a:endParaRPr lang="zh-CN" altLang="en-US"/>
           </a:p>
@@ -2674,7 +2676,7 @@
           <a:p>
             <a:fld id="{DBBB37BA-0AB3-4D4A-B865-6E343397AD79}" type="slidenum">
               <a:rPr lang="zh-CN" altLang="en-US" smtClean="0"/>
-              <a:t>34</a:t>
+              <a:t>36</a:t>
             </a:fld>
             <a:endParaRPr lang="zh-CN" altLang="en-US"/>
           </a:p>
@@ -2805,7 +2807,7 @@
                 <a:tabLst/>
                 <a:defRPr/>
               </a:pPr>
-              <a:t>35</a:t>
+              <a:t>37</a:t>
             </a:fld>
             <a:endParaRPr kumimoji="0" lang="zh-CN" altLang="en-US" sz="1200" b="0" i="0" u="none" strike="noStrike" kern="1200" cap="none" spc="0" normalizeH="0" baseline="0" noProof="0">
               <a:ln>
@@ -3322,7 +3324,7 @@
           <a:p>
             <a:fld id="{DBBB37BA-0AB3-4D4A-B865-6E343397AD79}" type="slidenum">
               <a:rPr lang="zh-CN" altLang="en-US" smtClean="0"/>
-              <a:t>10</a:t>
+              <a:t>12</a:t>
             </a:fld>
             <a:endParaRPr lang="zh-CN" altLang="en-US"/>
           </a:p>
@@ -7798,6 +7800,376 @@
       </p:grpSpPr>
       <p:sp>
         <p:nvSpPr>
+          <p:cNvPr id="6" name="文本框 5">
+            <a:extLst>
+              <a:ext uri="{FF2B5EF4-FFF2-40B4-BE49-F238E27FC236}">
+                <a16:creationId xmlns:a16="http://schemas.microsoft.com/office/drawing/2014/main" id="{08D6076B-E5BD-E24B-9474-209C15691F14}"/>
+              </a:ext>
+            </a:extLst>
+          </p:cNvPr>
+          <p:cNvSpPr txBox="1"/>
+          <p:nvPr/>
+        </p:nvSpPr>
+        <p:spPr>
+          <a:xfrm>
+            <a:off x="3657600" y="510363"/>
+            <a:ext cx="992579" cy="369332"/>
+          </a:xfrm>
+          <a:prstGeom prst="rect">
+            <a:avLst/>
+          </a:prstGeom>
+          <a:noFill/>
+        </p:spPr>
+        <p:txBody>
+          <a:bodyPr wrap="none" rtlCol="0">
+            <a:spAutoFit/>
+          </a:bodyPr>
+          <a:lstStyle/>
+          <a:p>
+            <a:r>
+              <a:rPr kumimoji="1" lang="en-US" altLang="zh-CN" dirty="0"/>
+              <a:t>Hadoop</a:t>
+            </a:r>
+            <a:endParaRPr kumimoji="1" lang="zh-CN" altLang="en-US" dirty="0"/>
+          </a:p>
+        </p:txBody>
+      </p:sp>
+      <p:sp>
+        <p:nvSpPr>
+          <p:cNvPr id="7" name="文本框 6">
+            <a:extLst>
+              <a:ext uri="{FF2B5EF4-FFF2-40B4-BE49-F238E27FC236}">
+                <a16:creationId xmlns:a16="http://schemas.microsoft.com/office/drawing/2014/main" id="{625A163D-E8C2-634F-B097-B9F9675ABA3F}"/>
+              </a:ext>
+            </a:extLst>
+          </p:cNvPr>
+          <p:cNvSpPr txBox="1"/>
+          <p:nvPr/>
+        </p:nvSpPr>
+        <p:spPr>
+          <a:xfrm>
+            <a:off x="717227" y="648862"/>
+            <a:ext cx="2882135" cy="461665"/>
+          </a:xfrm>
+          <a:prstGeom prst="rect">
+            <a:avLst/>
+          </a:prstGeom>
+          <a:noFill/>
+        </p:spPr>
+        <p:txBody>
+          <a:bodyPr wrap="none" rtlCol="0">
+            <a:spAutoFit/>
+            <a:scene3d>
+              <a:camera prst="orthographicFront"/>
+              <a:lightRig rig="threePt" dir="t"/>
+            </a:scene3d>
+            <a:sp3d contourW="12700"/>
+          </a:bodyPr>
+          <a:lstStyle/>
+          <a:p>
+            <a:pPr marL="0" marR="0" lvl="0" indent="0" algn="ctr" defTabSz="1371600" rtl="0" eaLnBrk="1" fontAlgn="auto" latinLnBrk="0" hangingPunct="1">
+              <a:lnSpc>
+                <a:spcPct val="100000"/>
+              </a:lnSpc>
+              <a:spcBef>
+                <a:spcPts val="0"/>
+              </a:spcBef>
+              <a:spcAft>
+                <a:spcPts val="0"/>
+              </a:spcAft>
+              <a:buClrTx/>
+              <a:buSzTx/>
+              <a:buFontTx/>
+              <a:buNone/>
+              <a:tabLst/>
+              <a:defRPr/>
+            </a:pPr>
+            <a:r>
+              <a:rPr lang="en-US" altLang="zh-CN" sz="2400" b="1" dirty="0">
+                <a:solidFill>
+                  <a:prstClr val="white"/>
+                </a:solidFill>
+                <a:latin typeface="+mn-ea"/>
+                <a:cs typeface="+mn-ea"/>
+                <a:sym typeface="+mn-lt"/>
+              </a:rPr>
+              <a:t>HDFS</a:t>
+            </a:r>
+            <a:r>
+              <a:rPr lang="zh-CN" altLang="en-US" sz="2400" b="1" dirty="0">
+                <a:solidFill>
+                  <a:prstClr val="white"/>
+                </a:solidFill>
+                <a:latin typeface="+mn-ea"/>
+                <a:cs typeface="+mn-ea"/>
+                <a:sym typeface="+mn-lt"/>
+              </a:rPr>
+              <a:t>的写数据流程</a:t>
+            </a:r>
+            <a:endParaRPr kumimoji="0" lang="zh-CN" altLang="en-US" sz="2400" b="1" i="0" u="none" strike="noStrike" kern="1200" cap="none" spc="0" normalizeH="0" baseline="0" noProof="0" dirty="0">
+              <a:ln>
+                <a:noFill/>
+              </a:ln>
+              <a:solidFill>
+                <a:prstClr val="white"/>
+              </a:solidFill>
+              <a:effectLst/>
+              <a:uLnTx/>
+              <a:uFillTx/>
+              <a:latin typeface="+mn-ea"/>
+              <a:cs typeface="+mn-ea"/>
+              <a:sym typeface="+mn-lt"/>
+            </a:endParaRPr>
+          </a:p>
+        </p:txBody>
+      </p:sp>
+      <p:pic>
+        <p:nvPicPr>
+          <p:cNvPr id="2" name="图片 1">
+            <a:extLst>
+              <a:ext uri="{FF2B5EF4-FFF2-40B4-BE49-F238E27FC236}">
+                <a16:creationId xmlns:a16="http://schemas.microsoft.com/office/drawing/2014/main" id="{9C3D91F4-2BF0-1440-8927-F03E350AA827}"/>
+              </a:ext>
+            </a:extLst>
+          </p:cNvPr>
+          <p:cNvPicPr>
+            <a:picLocks noChangeAspect="1"/>
+          </p:cNvPicPr>
+          <p:nvPr/>
+        </p:nvPicPr>
+        <p:blipFill>
+          <a:blip r:embed="rId2"/>
+          <a:stretch>
+            <a:fillRect/>
+          </a:stretch>
+        </p:blipFill>
+        <p:spPr>
+          <a:xfrm>
+            <a:off x="2522728" y="1567958"/>
+            <a:ext cx="6721856" cy="3982978"/>
+          </a:xfrm>
+          <a:prstGeom prst="rect">
+            <a:avLst/>
+          </a:prstGeom>
+        </p:spPr>
+      </p:pic>
+    </p:spTree>
+    <p:extLst>
+      <p:ext uri="{BB962C8B-B14F-4D97-AF65-F5344CB8AC3E}">
+        <p14:creationId xmlns:p14="http://schemas.microsoft.com/office/powerpoint/2010/main" val="475382264"/>
+      </p:ext>
+    </p:extLst>
+  </p:cSld>
+  <p:clrMapOvr>
+    <a:masterClrMapping/>
+  </p:clrMapOvr>
+</p:sld>
+</file>
+
+<file path=ppt/slides/slide11.xml><?xml version="1.0" encoding="utf-8"?>
+<p:sld xmlns:a="http://schemas.openxmlformats.org/drawingml/2006/main" xmlns:r="http://schemas.openxmlformats.org/officeDocument/2006/relationships" xmlns:p="http://schemas.openxmlformats.org/presentationml/2006/main">
+  <p:cSld>
+    <p:spTree>
+      <p:nvGrpSpPr>
+        <p:cNvPr id="1" name=""/>
+        <p:cNvGrpSpPr/>
+        <p:nvPr/>
+      </p:nvGrpSpPr>
+      <p:grpSpPr>
+        <a:xfrm>
+          <a:off x="0" y="0"/>
+          <a:ext cx="0" cy="0"/>
+          <a:chOff x="0" y="0"/>
+          <a:chExt cx="0" cy="0"/>
+        </a:xfrm>
+      </p:grpSpPr>
+      <p:sp>
+        <p:nvSpPr>
+          <p:cNvPr id="6" name="文本框 5">
+            <a:extLst>
+              <a:ext uri="{FF2B5EF4-FFF2-40B4-BE49-F238E27FC236}">
+                <a16:creationId xmlns:a16="http://schemas.microsoft.com/office/drawing/2014/main" id="{08D6076B-E5BD-E24B-9474-209C15691F14}"/>
+              </a:ext>
+            </a:extLst>
+          </p:cNvPr>
+          <p:cNvSpPr txBox="1"/>
+          <p:nvPr/>
+        </p:nvSpPr>
+        <p:spPr>
+          <a:xfrm>
+            <a:off x="3657600" y="510363"/>
+            <a:ext cx="992579" cy="369332"/>
+          </a:xfrm>
+          <a:prstGeom prst="rect">
+            <a:avLst/>
+          </a:prstGeom>
+          <a:noFill/>
+        </p:spPr>
+        <p:txBody>
+          <a:bodyPr wrap="none" rtlCol="0">
+            <a:spAutoFit/>
+          </a:bodyPr>
+          <a:lstStyle/>
+          <a:p>
+            <a:r>
+              <a:rPr kumimoji="1" lang="en-US" altLang="zh-CN" dirty="0"/>
+              <a:t>Hadoop</a:t>
+            </a:r>
+            <a:endParaRPr kumimoji="1" lang="zh-CN" altLang="en-US" dirty="0"/>
+          </a:p>
+        </p:txBody>
+      </p:sp>
+      <p:sp>
+        <p:nvSpPr>
+          <p:cNvPr id="7" name="文本框 6">
+            <a:extLst>
+              <a:ext uri="{FF2B5EF4-FFF2-40B4-BE49-F238E27FC236}">
+                <a16:creationId xmlns:a16="http://schemas.microsoft.com/office/drawing/2014/main" id="{625A163D-E8C2-634F-B097-B9F9675ABA3F}"/>
+              </a:ext>
+            </a:extLst>
+          </p:cNvPr>
+          <p:cNvSpPr txBox="1"/>
+          <p:nvPr/>
+        </p:nvSpPr>
+        <p:spPr>
+          <a:xfrm>
+            <a:off x="669137" y="648862"/>
+            <a:ext cx="2978316" cy="461665"/>
+          </a:xfrm>
+          <a:prstGeom prst="rect">
+            <a:avLst/>
+          </a:prstGeom>
+          <a:noFill/>
+        </p:spPr>
+        <p:txBody>
+          <a:bodyPr wrap="none" rtlCol="0">
+            <a:spAutoFit/>
+            <a:scene3d>
+              <a:camera prst="orthographicFront"/>
+              <a:lightRig rig="threePt" dir="t"/>
+            </a:scene3d>
+            <a:sp3d contourW="12700"/>
+          </a:bodyPr>
+          <a:lstStyle/>
+          <a:p>
+            <a:pPr marL="0" marR="0" lvl="0" indent="0" algn="ctr" defTabSz="1371600" rtl="0" eaLnBrk="1" fontAlgn="auto" latinLnBrk="0" hangingPunct="1">
+              <a:lnSpc>
+                <a:spcPct val="100000"/>
+              </a:lnSpc>
+              <a:spcBef>
+                <a:spcPts val="0"/>
+              </a:spcBef>
+              <a:spcAft>
+                <a:spcPts val="0"/>
+              </a:spcAft>
+              <a:buClrTx/>
+              <a:buSzTx/>
+              <a:buFontTx/>
+              <a:buNone/>
+              <a:tabLst/>
+              <a:defRPr/>
+            </a:pPr>
+            <a:r>
+              <a:rPr lang="en-US" altLang="zh-CN" sz="2400" b="1" dirty="0">
+                <a:solidFill>
+                  <a:prstClr val="white"/>
+                </a:solidFill>
+                <a:latin typeface="+mn-ea"/>
+                <a:cs typeface="+mn-ea"/>
+                <a:sym typeface="+mn-lt"/>
+              </a:rPr>
+              <a:t>HDFS</a:t>
+            </a:r>
+            <a:r>
+              <a:rPr lang="zh-CN" altLang="en-US" sz="2400" b="1" dirty="0">
+                <a:solidFill>
+                  <a:prstClr val="white"/>
+                </a:solidFill>
+                <a:latin typeface="+mn-ea"/>
+                <a:cs typeface="+mn-ea"/>
+                <a:sym typeface="+mn-lt"/>
+              </a:rPr>
+              <a:t>的读数据流程</a:t>
+            </a:r>
+            <a:endParaRPr kumimoji="0" lang="zh-CN" altLang="en-US" sz="2400" b="1" i="0" u="none" strike="noStrike" kern="1200" cap="none" spc="0" normalizeH="0" baseline="0" noProof="0" dirty="0">
+              <a:ln>
+                <a:noFill/>
+              </a:ln>
+              <a:solidFill>
+                <a:prstClr val="white"/>
+              </a:solidFill>
+              <a:effectLst/>
+              <a:uLnTx/>
+              <a:uFillTx/>
+              <a:latin typeface="+mn-ea"/>
+              <a:cs typeface="+mn-ea"/>
+              <a:sym typeface="+mn-lt"/>
+            </a:endParaRPr>
+          </a:p>
+        </p:txBody>
+      </p:sp>
+      <p:pic>
+        <p:nvPicPr>
+          <p:cNvPr id="3" name="图片 2">
+            <a:extLst>
+              <a:ext uri="{FF2B5EF4-FFF2-40B4-BE49-F238E27FC236}">
+                <a16:creationId xmlns:a16="http://schemas.microsoft.com/office/drawing/2014/main" id="{C8D472B1-9B05-C74D-8423-64695B810C6E}"/>
+              </a:ext>
+            </a:extLst>
+          </p:cNvPr>
+          <p:cNvPicPr>
+            <a:picLocks noChangeAspect="1"/>
+          </p:cNvPicPr>
+          <p:nvPr/>
+        </p:nvPicPr>
+        <p:blipFill>
+          <a:blip r:embed="rId2"/>
+          <a:stretch>
+            <a:fillRect/>
+          </a:stretch>
+        </p:blipFill>
+        <p:spPr>
+          <a:xfrm>
+            <a:off x="1903677" y="1581912"/>
+            <a:ext cx="7107542" cy="4223858"/>
+          </a:xfrm>
+          <a:prstGeom prst="rect">
+            <a:avLst/>
+          </a:prstGeom>
+        </p:spPr>
+      </p:pic>
+    </p:spTree>
+    <p:extLst>
+      <p:ext uri="{BB962C8B-B14F-4D97-AF65-F5344CB8AC3E}">
+        <p14:creationId xmlns:p14="http://schemas.microsoft.com/office/powerpoint/2010/main" val="4109680853"/>
+      </p:ext>
+    </p:extLst>
+  </p:cSld>
+  <p:clrMapOvr>
+    <a:masterClrMapping/>
+  </p:clrMapOvr>
+</p:sld>
+</file>
+
+<file path=ppt/slides/slide12.xml><?xml version="1.0" encoding="utf-8"?>
+<p:sld xmlns:a="http://schemas.openxmlformats.org/drawingml/2006/main" xmlns:r="http://schemas.openxmlformats.org/officeDocument/2006/relationships" xmlns:p="http://schemas.openxmlformats.org/presentationml/2006/main">
+  <p:cSld>
+    <p:spTree>
+      <p:nvGrpSpPr>
+        <p:cNvPr id="1" name=""/>
+        <p:cNvGrpSpPr/>
+        <p:nvPr/>
+      </p:nvGrpSpPr>
+      <p:grpSpPr>
+        <a:xfrm>
+          <a:off x="0" y="0"/>
+          <a:ext cx="0" cy="0"/>
+          <a:chOff x="0" y="0"/>
+          <a:chExt cx="0" cy="0"/>
+        </a:xfrm>
+      </p:grpSpPr>
+      <p:sp>
+        <p:nvSpPr>
           <p:cNvPr id="46" name="文本框 45"/>
           <p:cNvSpPr txBox="1"/>
           <p:nvPr/>
@@ -8260,7 +8632,7 @@
 </p:sld>
 </file>
 
-<file path=ppt/slides/slide11.xml><?xml version="1.0" encoding="utf-8"?>
+<file path=ppt/slides/slide13.xml><?xml version="1.0" encoding="utf-8"?>
 <p:sld xmlns:a="http://schemas.openxmlformats.org/drawingml/2006/main" xmlns:r="http://schemas.openxmlformats.org/officeDocument/2006/relationships" xmlns:p="http://schemas.openxmlformats.org/presentationml/2006/main">
   <p:cSld>
     <p:spTree>
@@ -8745,7 +9117,7 @@
 </p:sld>
 </file>
 
-<file path=ppt/slides/slide12.xml><?xml version="1.0" encoding="utf-8"?>
+<file path=ppt/slides/slide14.xml><?xml version="1.0" encoding="utf-8"?>
 <p:sld xmlns:a="http://schemas.openxmlformats.org/drawingml/2006/main" xmlns:r="http://schemas.openxmlformats.org/officeDocument/2006/relationships" xmlns:p="http://schemas.openxmlformats.org/presentationml/2006/main">
   <p:cSld>
     <p:spTree>
@@ -9405,7 +9777,7 @@
 </p:sld>
 </file>
 
-<file path=ppt/slides/slide13.xml><?xml version="1.0" encoding="utf-8"?>
+<file path=ppt/slides/slide15.xml><?xml version="1.0" encoding="utf-8"?>
 <p:sld xmlns:a="http://schemas.openxmlformats.org/drawingml/2006/main" xmlns:r="http://schemas.openxmlformats.org/officeDocument/2006/relationships" xmlns:p="http://schemas.openxmlformats.org/presentationml/2006/main">
   <p:cSld>
     <p:spTree>
@@ -10106,7 +10478,7 @@
 </p:sld>
 </file>
 
-<file path=ppt/slides/slide14.xml><?xml version="1.0" encoding="utf-8"?>
+<file path=ppt/slides/slide16.xml><?xml version="1.0" encoding="utf-8"?>
 <p:sld xmlns:a="http://schemas.openxmlformats.org/drawingml/2006/main" xmlns:r="http://schemas.openxmlformats.org/officeDocument/2006/relationships" xmlns:p="http://schemas.openxmlformats.org/presentationml/2006/main">
   <p:cSld>
     <p:spTree>
@@ -11142,7 +11514,7 @@
 </p:sld>
 </file>
 
-<file path=ppt/slides/slide15.xml><?xml version="1.0" encoding="utf-8"?>
+<file path=ppt/slides/slide17.xml><?xml version="1.0" encoding="utf-8"?>
 <p:sld xmlns:a="http://schemas.openxmlformats.org/drawingml/2006/main" xmlns:r="http://schemas.openxmlformats.org/officeDocument/2006/relationships" xmlns:p="http://schemas.openxmlformats.org/presentationml/2006/main">
   <p:cSld>
     <p:spTree>
@@ -12046,7 +12418,7 @@
 </p:sld>
 </file>
 
-<file path=ppt/slides/slide16.xml><?xml version="1.0" encoding="utf-8"?>
+<file path=ppt/slides/slide18.xml><?xml version="1.0" encoding="utf-8"?>
 <p:sld xmlns:a="http://schemas.openxmlformats.org/drawingml/2006/main" xmlns:r="http://schemas.openxmlformats.org/officeDocument/2006/relationships" xmlns:p="http://schemas.openxmlformats.org/presentationml/2006/main">
   <p:cSld>
     <p:spTree>
@@ -12853,7 +13225,7 @@
 </p:sld>
 </file>
 
-<file path=ppt/slides/slide17.xml><?xml version="1.0" encoding="utf-8"?>
+<file path=ppt/slides/slide19.xml><?xml version="1.0" encoding="utf-8"?>
 <p:sld xmlns:a="http://schemas.openxmlformats.org/drawingml/2006/main" xmlns:r="http://schemas.openxmlformats.org/officeDocument/2006/relationships" xmlns:p="http://schemas.openxmlformats.org/presentationml/2006/main">
   <p:cSld>
     <p:spTree>
@@ -13889,1107 +14261,6 @@
                                           <p:spTgt spid="2">
                                             <p:txEl>
                                               <p:pRg st="7" end="7"/>
-                                            </p:txEl>
-                                          </p:spTgt>
-                                        </p:tgtEl>
-                                      </p:cBhvr>
-                                    </p:animEffect>
-                                  </p:childTnLst>
-                                </p:cTn>
-                              </p:par>
-                            </p:childTnLst>
-                          </p:cTn>
-                        </p:par>
-                      </p:childTnLst>
-                    </p:cTn>
-                  </p:par>
-                </p:childTnLst>
-              </p:cTn>
-              <p:prevCondLst>
-                <p:cond evt="onPrev" delay="0">
-                  <p:tgtEl>
-                    <p:sldTgt/>
-                  </p:tgtEl>
-                </p:cond>
-              </p:prevCondLst>
-              <p:nextCondLst>
-                <p:cond evt="onNext" delay="0">
-                  <p:tgtEl>
-                    <p:sldTgt/>
-                  </p:tgtEl>
-                </p:cond>
-              </p:nextCondLst>
-            </p:seq>
-          </p:childTnLst>
-        </p:cTn>
-      </p:par>
-    </p:tnLst>
-  </p:timing>
-</p:sld>
-</file>
-
-<file path=ppt/slides/slide18.xml><?xml version="1.0" encoding="utf-8"?>
-<p:sld xmlns:a="http://schemas.openxmlformats.org/drawingml/2006/main" xmlns:r="http://schemas.openxmlformats.org/officeDocument/2006/relationships" xmlns:p="http://schemas.openxmlformats.org/presentationml/2006/main">
-  <p:cSld>
-    <p:spTree>
-      <p:nvGrpSpPr>
-        <p:cNvPr id="1" name=""/>
-        <p:cNvGrpSpPr/>
-        <p:nvPr/>
-      </p:nvGrpSpPr>
-      <p:grpSpPr>
-        <a:xfrm>
-          <a:off x="0" y="0"/>
-          <a:ext cx="0" cy="0"/>
-          <a:chOff x="0" y="0"/>
-          <a:chExt cx="0" cy="0"/>
-        </a:xfrm>
-      </p:grpSpPr>
-      <p:grpSp>
-        <p:nvGrpSpPr>
-          <p:cNvPr id="38" name="组合 37"/>
-          <p:cNvGrpSpPr/>
-          <p:nvPr/>
-        </p:nvGrpSpPr>
-        <p:grpSpPr>
-          <a:xfrm>
-            <a:off x="672374" y="631535"/>
-            <a:ext cx="4356129" cy="536573"/>
-            <a:chOff x="1007305" y="947449"/>
-            <a:chExt cx="6535202" cy="804983"/>
-          </a:xfrm>
-        </p:grpSpPr>
-        <p:sp>
-          <p:nvSpPr>
-            <p:cNvPr id="39" name="文本框 38"/>
-            <p:cNvSpPr txBox="1"/>
-            <p:nvPr/>
-          </p:nvSpPr>
-          <p:spPr>
-            <a:xfrm>
-              <a:off x="1007305" y="947449"/>
-              <a:ext cx="6535202" cy="692604"/>
-            </a:xfrm>
-            <a:prstGeom prst="rect">
-              <a:avLst/>
-            </a:prstGeom>
-            <a:noFill/>
-          </p:spPr>
-          <p:txBody>
-            <a:bodyPr wrap="square" rtlCol="0">
-              <a:spAutoFit/>
-            </a:bodyPr>
-            <a:lstStyle/>
-            <a:p>
-              <a:r>
-                <a:rPr lang="en-US" altLang="zh-CN" sz="2400" dirty="0">
-                  <a:solidFill>
-                    <a:schemeClr val="bg1"/>
-                  </a:solidFill>
-                  <a:effectLst/>
-                </a:rPr>
-                <a:t>HDFS</a:t>
-              </a:r>
-              <a:r>
-                <a:rPr lang="zh-CN" altLang="en-US" sz="2400" dirty="0">
-                  <a:solidFill>
-                    <a:schemeClr val="bg1"/>
-                  </a:solidFill>
-                  <a:effectLst/>
-                </a:rPr>
-                <a:t>命令</a:t>
-              </a:r>
-            </a:p>
-          </p:txBody>
-        </p:sp>
-        <p:cxnSp>
-          <p:nvCxnSpPr>
-            <p:cNvPr id="40" name="直线连接符 5"/>
-            <p:cNvCxnSpPr/>
-            <p:nvPr/>
-          </p:nvCxnSpPr>
-          <p:spPr>
-            <a:xfrm>
-              <a:off x="1007305" y="1752432"/>
-              <a:ext cx="3742116" cy="0"/>
-            </a:xfrm>
-            <a:prstGeom prst="line">
-              <a:avLst/>
-            </a:prstGeom>
-            <a:ln>
-              <a:solidFill>
-                <a:schemeClr val="bg1"/>
-              </a:solidFill>
-              <a:headEnd type="oval"/>
-              <a:tailEnd type="oval"/>
-            </a:ln>
-          </p:spPr>
-          <p:style>
-            <a:lnRef idx="1">
-              <a:schemeClr val="accent1"/>
-            </a:lnRef>
-            <a:fillRef idx="0">
-              <a:schemeClr val="accent1"/>
-            </a:fillRef>
-            <a:effectRef idx="0">
-              <a:schemeClr val="accent1"/>
-            </a:effectRef>
-            <a:fontRef idx="minor">
-              <a:schemeClr val="tx1"/>
-            </a:fontRef>
-          </p:style>
-        </p:cxnSp>
-      </p:grpSp>
-      <p:sp>
-        <p:nvSpPr>
-          <p:cNvPr id="2" name="文本框 1">
-            <a:extLst>
-              <a:ext uri="{FF2B5EF4-FFF2-40B4-BE49-F238E27FC236}">
-                <a16:creationId xmlns:a16="http://schemas.microsoft.com/office/drawing/2014/main" id="{79181055-736E-5C47-935D-B1989E4840C9}"/>
-              </a:ext>
-            </a:extLst>
-          </p:cNvPr>
-          <p:cNvSpPr txBox="1"/>
-          <p:nvPr/>
-        </p:nvSpPr>
-        <p:spPr>
-          <a:xfrm>
-            <a:off x="1086355" y="1781761"/>
-            <a:ext cx="9909955" cy="2375009"/>
-          </a:xfrm>
-          <a:prstGeom prst="rect">
-            <a:avLst/>
-          </a:prstGeom>
-          <a:noFill/>
-        </p:spPr>
-        <p:txBody>
-          <a:bodyPr wrap="square" rtlCol="0" anchor="ctr">
-            <a:spAutoFit/>
-          </a:bodyPr>
-          <a:lstStyle/>
-          <a:p>
-            <a:pPr>
-              <a:lnSpc>
-                <a:spcPct val="150000"/>
-              </a:lnSpc>
-            </a:pPr>
-            <a:r>
-              <a:rPr lang="en-US" altLang="zh-CN" sz="2000" dirty="0" err="1">
-                <a:solidFill>
-                  <a:srgbClr val="FFFFFF"/>
-                </a:solidFill>
-              </a:rPr>
-              <a:t>hdfs</a:t>
-            </a:r>
-            <a:r>
-              <a:rPr lang="zh-CN" altLang="en-US" sz="2000" dirty="0">
-                <a:solidFill>
-                  <a:srgbClr val="FFFFFF"/>
-                </a:solidFill>
-              </a:rPr>
-              <a:t>命令</a:t>
-            </a:r>
-            <a:r>
-              <a:rPr lang="en-US" altLang="zh-CN" sz="2000" dirty="0">
-                <a:solidFill>
-                  <a:srgbClr val="FFFFFF"/>
-                </a:solidFill>
-              </a:rPr>
-              <a:t>-</a:t>
-            </a:r>
-            <a:r>
-              <a:rPr lang="zh-CN" altLang="en-US" sz="2000" dirty="0">
-                <a:solidFill>
-                  <a:srgbClr val="FFFFFF"/>
-                </a:solidFill>
-              </a:rPr>
-              <a:t>安全模式</a:t>
-            </a:r>
-          </a:p>
-          <a:p>
-            <a:pPr>
-              <a:lnSpc>
-                <a:spcPct val="150000"/>
-              </a:lnSpc>
-            </a:pPr>
-            <a:r>
-              <a:rPr lang="zh-CN" altLang="en-US" sz="2000" dirty="0">
-                <a:solidFill>
-                  <a:srgbClr val="FFFFFF"/>
-                </a:solidFill>
-              </a:rPr>
-              <a:t>命令：</a:t>
-            </a:r>
-            <a:r>
-              <a:rPr lang="en-US" altLang="zh-CN" sz="2000" dirty="0">
-                <a:solidFill>
-                  <a:srgbClr val="FFFFFF"/>
-                </a:solidFill>
-              </a:rPr>
-              <a:t>-</a:t>
-            </a:r>
-            <a:r>
-              <a:rPr lang="en-US" altLang="zh-CN" sz="2000" dirty="0" err="1">
-                <a:solidFill>
-                  <a:srgbClr val="FFFFFF"/>
-                </a:solidFill>
-              </a:rPr>
-              <a:t>safemode</a:t>
-            </a:r>
-            <a:r>
-              <a:rPr lang="en-US" altLang="zh-CN" sz="2000" dirty="0">
-                <a:solidFill>
-                  <a:srgbClr val="FFFFFF"/>
-                </a:solidFill>
-              </a:rPr>
-              <a:t> &lt;enter | leave | get | wait&gt;</a:t>
-            </a:r>
-          </a:p>
-          <a:p>
-            <a:pPr>
-              <a:lnSpc>
-                <a:spcPct val="150000"/>
-              </a:lnSpc>
-            </a:pPr>
-            <a:r>
-              <a:rPr lang="zh-CN" altLang="en-US" sz="2000" dirty="0">
-                <a:solidFill>
-                  <a:srgbClr val="FFFFFF"/>
-                </a:solidFill>
-              </a:rPr>
-              <a:t>执行：</a:t>
-            </a:r>
-            <a:r>
-              <a:rPr lang="en-US" altLang="zh-CN" sz="2000" dirty="0" err="1">
-                <a:solidFill>
-                  <a:srgbClr val="FFFFFF"/>
-                </a:solidFill>
-              </a:rPr>
-              <a:t>hdfs</a:t>
-            </a:r>
-            <a:r>
-              <a:rPr lang="en-US" altLang="zh-CN" sz="2000" dirty="0">
-                <a:solidFill>
-                  <a:srgbClr val="FFFFFF"/>
-                </a:solidFill>
-              </a:rPr>
-              <a:t> </a:t>
-            </a:r>
-            <a:r>
-              <a:rPr lang="en-US" altLang="zh-CN" sz="2000" dirty="0" err="1">
-                <a:solidFill>
-                  <a:srgbClr val="FFFFFF"/>
-                </a:solidFill>
-              </a:rPr>
-              <a:t>dfsadmin</a:t>
-            </a:r>
-            <a:r>
-              <a:rPr lang="en-US" altLang="zh-CN" sz="2000" dirty="0">
-                <a:solidFill>
-                  <a:srgbClr val="FFFFFF"/>
-                </a:solidFill>
-              </a:rPr>
-              <a:t> -</a:t>
-            </a:r>
-            <a:r>
-              <a:rPr lang="en-US" altLang="zh-CN" sz="2000" dirty="0" err="1">
-                <a:solidFill>
-                  <a:srgbClr val="FFFFFF"/>
-                </a:solidFill>
-              </a:rPr>
-              <a:t>safemode</a:t>
-            </a:r>
-            <a:r>
-              <a:rPr lang="en-US" altLang="zh-CN" sz="2000" dirty="0">
-                <a:solidFill>
-                  <a:srgbClr val="FFFFFF"/>
-                </a:solidFill>
-              </a:rPr>
-              <a:t> get</a:t>
-            </a:r>
-          </a:p>
-          <a:p>
-            <a:pPr>
-              <a:lnSpc>
-                <a:spcPct val="150000"/>
-              </a:lnSpc>
-            </a:pPr>
-            <a:r>
-              <a:rPr lang="zh-CN" altLang="en-US" sz="2000" dirty="0">
-                <a:solidFill>
-                  <a:srgbClr val="FFFFFF"/>
-                </a:solidFill>
-              </a:rPr>
-              <a:t>  当集群中的文件备份出现丢失的时候，可能会进行安全模式。安全模式是指当集群处于该状态下，</a:t>
-            </a:r>
-            <a:r>
-              <a:rPr lang="en-US" altLang="zh-CN" sz="2000" dirty="0" err="1">
-                <a:solidFill>
-                  <a:srgbClr val="FFFFFF"/>
-                </a:solidFill>
-              </a:rPr>
-              <a:t>hdfs</a:t>
-            </a:r>
-            <a:r>
-              <a:rPr lang="zh-CN" altLang="en-US" sz="2000" dirty="0">
-                <a:solidFill>
-                  <a:srgbClr val="FFFFFF"/>
-                </a:solidFill>
-              </a:rPr>
-              <a:t>解决文件</a:t>
-            </a:r>
-            <a:r>
-              <a:rPr lang="en-US" altLang="zh-CN" sz="2000" dirty="0">
-                <a:solidFill>
-                  <a:srgbClr val="FFFFFF"/>
-                </a:solidFill>
-              </a:rPr>
-              <a:t>IO</a:t>
-            </a:r>
-            <a:r>
-              <a:rPr lang="zh-CN" altLang="en-US" sz="2000" dirty="0">
-                <a:solidFill>
-                  <a:srgbClr val="FFFFFF"/>
-                </a:solidFill>
-              </a:rPr>
-              <a:t>操作。我们可以通过该命令强制离开安全模式。 </a:t>
-            </a:r>
-          </a:p>
-        </p:txBody>
-      </p:sp>
-    </p:spTree>
-    <p:extLst>
-      <p:ext uri="{BB962C8B-B14F-4D97-AF65-F5344CB8AC3E}">
-        <p14:creationId xmlns:p14="http://schemas.microsoft.com/office/powerpoint/2010/main" val="1868765058"/>
-      </p:ext>
-    </p:extLst>
-  </p:cSld>
-  <p:clrMapOvr>
-    <a:masterClrMapping/>
-  </p:clrMapOvr>
-  <p:transition spd="med" advClick="0" advTm="1000">
-    <p:fade/>
-  </p:transition>
-  <p:timing>
-    <p:tnLst>
-      <p:par>
-        <p:cTn id="1" dur="indefinite" restart="never" nodeType="tmRoot">
-          <p:childTnLst>
-            <p:seq concurrent="1" nextAc="seek">
-              <p:cTn id="2" dur="indefinite" nodeType="mainSeq">
-                <p:childTnLst>
-                  <p:par>
-                    <p:cTn id="3" fill="hold">
-                      <p:stCondLst>
-                        <p:cond delay="indefinite"/>
-                      </p:stCondLst>
-                      <p:childTnLst>
-                        <p:par>
-                          <p:cTn id="4" fill="hold">
-                            <p:stCondLst>
-                              <p:cond delay="0"/>
-                            </p:stCondLst>
-                            <p:childTnLst>
-                              <p:par>
-                                <p:cTn id="5" presetID="5" presetClass="entr" presetSubtype="10" fill="hold" nodeType="clickEffect">
-                                  <p:stCondLst>
-                                    <p:cond delay="0"/>
-                                  </p:stCondLst>
-                                  <p:childTnLst>
-                                    <p:set>
-                                      <p:cBhvr>
-                                        <p:cTn id="6" dur="1" fill="hold">
-                                          <p:stCondLst>
-                                            <p:cond delay="0"/>
-                                          </p:stCondLst>
-                                        </p:cTn>
-                                        <p:tgtEl>
-                                          <p:spTgt spid="2">
-                                            <p:txEl>
-                                              <p:pRg st="0" end="0"/>
-                                            </p:txEl>
-                                          </p:spTgt>
-                                        </p:tgtEl>
-                                        <p:attrNameLst>
-                                          <p:attrName>style.visibility</p:attrName>
-                                        </p:attrNameLst>
-                                      </p:cBhvr>
-                                      <p:to>
-                                        <p:strVal val="visible"/>
-                                      </p:to>
-                                    </p:set>
-                                    <p:animEffect transition="in" filter="checkerboard(across)">
-                                      <p:cBhvr>
-                                        <p:cTn id="7" dur="500"/>
-                                        <p:tgtEl>
-                                          <p:spTgt spid="2">
-                                            <p:txEl>
-                                              <p:pRg st="0" end="0"/>
-                                            </p:txEl>
-                                          </p:spTgt>
-                                        </p:tgtEl>
-                                      </p:cBhvr>
-                                    </p:animEffect>
-                                  </p:childTnLst>
-                                </p:cTn>
-                              </p:par>
-                            </p:childTnLst>
-                          </p:cTn>
-                        </p:par>
-                      </p:childTnLst>
-                    </p:cTn>
-                  </p:par>
-                  <p:par>
-                    <p:cTn id="8" fill="hold">
-                      <p:stCondLst>
-                        <p:cond delay="indefinite"/>
-                      </p:stCondLst>
-                      <p:childTnLst>
-                        <p:par>
-                          <p:cTn id="9" fill="hold">
-                            <p:stCondLst>
-                              <p:cond delay="0"/>
-                            </p:stCondLst>
-                            <p:childTnLst>
-                              <p:par>
-                                <p:cTn id="10" presetID="9" presetClass="entr" presetSubtype="0" fill="hold" nodeType="clickEffect">
-                                  <p:stCondLst>
-                                    <p:cond delay="0"/>
-                                  </p:stCondLst>
-                                  <p:childTnLst>
-                                    <p:set>
-                                      <p:cBhvr>
-                                        <p:cTn id="11" dur="1" fill="hold">
-                                          <p:stCondLst>
-                                            <p:cond delay="0"/>
-                                          </p:stCondLst>
-                                        </p:cTn>
-                                        <p:tgtEl>
-                                          <p:spTgt spid="2">
-                                            <p:txEl>
-                                              <p:pRg st="1" end="1"/>
-                                            </p:txEl>
-                                          </p:spTgt>
-                                        </p:tgtEl>
-                                        <p:attrNameLst>
-                                          <p:attrName>style.visibility</p:attrName>
-                                        </p:attrNameLst>
-                                      </p:cBhvr>
-                                      <p:to>
-                                        <p:strVal val="visible"/>
-                                      </p:to>
-                                    </p:set>
-                                    <p:animEffect transition="in" filter="dissolve">
-                                      <p:cBhvr>
-                                        <p:cTn id="12" dur="500"/>
-                                        <p:tgtEl>
-                                          <p:spTgt spid="2">
-                                            <p:txEl>
-                                              <p:pRg st="1" end="1"/>
-                                            </p:txEl>
-                                          </p:spTgt>
-                                        </p:tgtEl>
-                                      </p:cBhvr>
-                                    </p:animEffect>
-                                  </p:childTnLst>
-                                </p:cTn>
-                              </p:par>
-                            </p:childTnLst>
-                          </p:cTn>
-                        </p:par>
-                      </p:childTnLst>
-                    </p:cTn>
-                  </p:par>
-                  <p:par>
-                    <p:cTn id="13" fill="hold">
-                      <p:stCondLst>
-                        <p:cond delay="indefinite"/>
-                      </p:stCondLst>
-                      <p:childTnLst>
-                        <p:par>
-                          <p:cTn id="14" fill="hold">
-                            <p:stCondLst>
-                              <p:cond delay="0"/>
-                            </p:stCondLst>
-                            <p:childTnLst>
-                              <p:par>
-                                <p:cTn id="15" presetID="9" presetClass="entr" presetSubtype="0" fill="hold" nodeType="clickEffect">
-                                  <p:stCondLst>
-                                    <p:cond delay="0"/>
-                                  </p:stCondLst>
-                                  <p:childTnLst>
-                                    <p:set>
-                                      <p:cBhvr>
-                                        <p:cTn id="16" dur="1" fill="hold">
-                                          <p:stCondLst>
-                                            <p:cond delay="0"/>
-                                          </p:stCondLst>
-                                        </p:cTn>
-                                        <p:tgtEl>
-                                          <p:spTgt spid="2">
-                                            <p:txEl>
-                                              <p:pRg st="2" end="2"/>
-                                            </p:txEl>
-                                          </p:spTgt>
-                                        </p:tgtEl>
-                                        <p:attrNameLst>
-                                          <p:attrName>style.visibility</p:attrName>
-                                        </p:attrNameLst>
-                                      </p:cBhvr>
-                                      <p:to>
-                                        <p:strVal val="visible"/>
-                                      </p:to>
-                                    </p:set>
-                                    <p:animEffect transition="in" filter="dissolve">
-                                      <p:cBhvr>
-                                        <p:cTn id="17" dur="500"/>
-                                        <p:tgtEl>
-                                          <p:spTgt spid="2">
-                                            <p:txEl>
-                                              <p:pRg st="2" end="2"/>
-                                            </p:txEl>
-                                          </p:spTgt>
-                                        </p:tgtEl>
-                                      </p:cBhvr>
-                                    </p:animEffect>
-                                  </p:childTnLst>
-                                </p:cTn>
-                              </p:par>
-                            </p:childTnLst>
-                          </p:cTn>
-                        </p:par>
-                      </p:childTnLst>
-                    </p:cTn>
-                  </p:par>
-                  <p:par>
-                    <p:cTn id="18" fill="hold">
-                      <p:stCondLst>
-                        <p:cond delay="indefinite"/>
-                      </p:stCondLst>
-                      <p:childTnLst>
-                        <p:par>
-                          <p:cTn id="19" fill="hold">
-                            <p:stCondLst>
-                              <p:cond delay="0"/>
-                            </p:stCondLst>
-                            <p:childTnLst>
-                              <p:par>
-                                <p:cTn id="20" presetID="9" presetClass="entr" presetSubtype="0" fill="hold" nodeType="clickEffect">
-                                  <p:stCondLst>
-                                    <p:cond delay="0"/>
-                                  </p:stCondLst>
-                                  <p:childTnLst>
-                                    <p:set>
-                                      <p:cBhvr>
-                                        <p:cTn id="21" dur="1" fill="hold">
-                                          <p:stCondLst>
-                                            <p:cond delay="0"/>
-                                          </p:stCondLst>
-                                        </p:cTn>
-                                        <p:tgtEl>
-                                          <p:spTgt spid="2">
-                                            <p:txEl>
-                                              <p:pRg st="3" end="3"/>
-                                            </p:txEl>
-                                          </p:spTgt>
-                                        </p:tgtEl>
-                                        <p:attrNameLst>
-                                          <p:attrName>style.visibility</p:attrName>
-                                        </p:attrNameLst>
-                                      </p:cBhvr>
-                                      <p:to>
-                                        <p:strVal val="visible"/>
-                                      </p:to>
-                                    </p:set>
-                                    <p:animEffect transition="in" filter="dissolve">
-                                      <p:cBhvr>
-                                        <p:cTn id="22" dur="500"/>
-                                        <p:tgtEl>
-                                          <p:spTgt spid="2">
-                                            <p:txEl>
-                                              <p:pRg st="3" end="3"/>
-                                            </p:txEl>
-                                          </p:spTgt>
-                                        </p:tgtEl>
-                                      </p:cBhvr>
-                                    </p:animEffect>
-                                  </p:childTnLst>
-                                </p:cTn>
-                              </p:par>
-                            </p:childTnLst>
-                          </p:cTn>
-                        </p:par>
-                      </p:childTnLst>
-                    </p:cTn>
-                  </p:par>
-                </p:childTnLst>
-              </p:cTn>
-              <p:prevCondLst>
-                <p:cond evt="onPrev" delay="0">
-                  <p:tgtEl>
-                    <p:sldTgt/>
-                  </p:tgtEl>
-                </p:cond>
-              </p:prevCondLst>
-              <p:nextCondLst>
-                <p:cond evt="onNext" delay="0">
-                  <p:tgtEl>
-                    <p:sldTgt/>
-                  </p:tgtEl>
-                </p:cond>
-              </p:nextCondLst>
-            </p:seq>
-          </p:childTnLst>
-        </p:cTn>
-      </p:par>
-    </p:tnLst>
-  </p:timing>
-</p:sld>
-</file>
-
-<file path=ppt/slides/slide19.xml><?xml version="1.0" encoding="utf-8"?>
-<p:sld xmlns:a="http://schemas.openxmlformats.org/drawingml/2006/main" xmlns:r="http://schemas.openxmlformats.org/officeDocument/2006/relationships" xmlns:p="http://schemas.openxmlformats.org/presentationml/2006/main">
-  <p:cSld>
-    <p:spTree>
-      <p:nvGrpSpPr>
-        <p:cNvPr id="1" name=""/>
-        <p:cNvGrpSpPr/>
-        <p:nvPr/>
-      </p:nvGrpSpPr>
-      <p:grpSpPr>
-        <a:xfrm>
-          <a:off x="0" y="0"/>
-          <a:ext cx="0" cy="0"/>
-          <a:chOff x="0" y="0"/>
-          <a:chExt cx="0" cy="0"/>
-        </a:xfrm>
-      </p:grpSpPr>
-      <p:sp>
-        <p:nvSpPr>
-          <p:cNvPr id="46" name="文本框 45"/>
-          <p:cNvSpPr txBox="1"/>
-          <p:nvPr/>
-        </p:nvSpPr>
-        <p:spPr>
-          <a:xfrm>
-            <a:off x="332326" y="547575"/>
-            <a:ext cx="5889271" cy="461665"/>
-          </a:xfrm>
-          <a:prstGeom prst="rect">
-            <a:avLst/>
-          </a:prstGeom>
-          <a:noFill/>
-        </p:spPr>
-        <p:txBody>
-          <a:bodyPr wrap="square" rtlCol="0">
-            <a:spAutoFit/>
-          </a:bodyPr>
-          <a:lstStyle/>
-          <a:p>
-            <a:pPr algn="ctr" defTabSz="914309">
-              <a:defRPr/>
-            </a:pPr>
-            <a:r>
-              <a:rPr lang="zh-CN" altLang="en-US" sz="2400" b="1" dirty="0">
-                <a:solidFill>
-                  <a:prstClr val="white"/>
-                </a:solidFill>
-                <a:latin typeface="+mn-ea"/>
-                <a:cs typeface="+mn-ea"/>
-                <a:sym typeface="+mn-lt"/>
-              </a:rPr>
-              <a:t>第三节  </a:t>
-            </a:r>
-            <a:r>
-              <a:rPr lang="en-US" altLang="zh-CN" sz="2400" b="1" dirty="0">
-                <a:solidFill>
-                  <a:prstClr val="white"/>
-                </a:solidFill>
-                <a:latin typeface="+mn-ea"/>
-                <a:cs typeface="+mn-ea"/>
-                <a:sym typeface="+mn-lt"/>
-              </a:rPr>
-              <a:t>IDEA</a:t>
-            </a:r>
-            <a:r>
-              <a:rPr lang="zh-CN" altLang="en-US" sz="2400" b="1" dirty="0">
-                <a:solidFill>
-                  <a:prstClr val="white"/>
-                </a:solidFill>
-                <a:latin typeface="+mn-ea"/>
-                <a:cs typeface="+mn-ea"/>
-                <a:sym typeface="+mn-lt"/>
-              </a:rPr>
-              <a:t>搭建</a:t>
-            </a:r>
-            <a:r>
-              <a:rPr lang="en-US" altLang="zh-CN" sz="2400" b="1" dirty="0">
-                <a:solidFill>
-                  <a:prstClr val="white"/>
-                </a:solidFill>
-                <a:latin typeface="+mn-ea"/>
-                <a:cs typeface="+mn-ea"/>
-                <a:sym typeface="+mn-lt"/>
-              </a:rPr>
-              <a:t>Hadoop</a:t>
-            </a:r>
-            <a:r>
-              <a:rPr lang="zh-CN" altLang="en-US" sz="2400" b="1" dirty="0">
-                <a:solidFill>
-                  <a:prstClr val="white"/>
-                </a:solidFill>
-                <a:latin typeface="+mn-ea"/>
-                <a:cs typeface="+mn-ea"/>
-                <a:sym typeface="+mn-lt"/>
-              </a:rPr>
-              <a:t>开发环境</a:t>
-            </a:r>
-          </a:p>
-        </p:txBody>
-      </p:sp>
-      <p:sp>
-        <p:nvSpPr>
-          <p:cNvPr id="2" name="文本框 1">
-            <a:extLst>
-              <a:ext uri="{FF2B5EF4-FFF2-40B4-BE49-F238E27FC236}">
-                <a16:creationId xmlns:a16="http://schemas.microsoft.com/office/drawing/2014/main" id="{D377A53E-725C-074E-B57D-9C9405BBAF96}"/>
-              </a:ext>
-            </a:extLst>
-          </p:cNvPr>
-          <p:cNvSpPr txBox="1"/>
-          <p:nvPr/>
-        </p:nvSpPr>
-        <p:spPr>
-          <a:xfrm>
-            <a:off x="1127051" y="2335462"/>
-            <a:ext cx="6868633" cy="2677656"/>
-          </a:xfrm>
-          <a:prstGeom prst="rect">
-            <a:avLst/>
-          </a:prstGeom>
-          <a:noFill/>
-        </p:spPr>
-        <p:txBody>
-          <a:bodyPr wrap="square" rtlCol="0">
-            <a:spAutoFit/>
-          </a:bodyPr>
-          <a:lstStyle/>
-          <a:p>
-            <a:pPr marL="285750" indent="-285750">
-              <a:buFont typeface="Wingdings" pitchFamily="2" charset="2"/>
-              <a:buChar char="Ø"/>
-            </a:pPr>
-            <a:r>
-              <a:rPr lang="en-US" altLang="zh-CN" sz="2400" kern="0" dirty="0">
-                <a:solidFill>
-                  <a:schemeClr val="bg1"/>
-                </a:solidFill>
-                <a:latin typeface="+mn-ea"/>
-              </a:rPr>
-              <a:t>IDEA</a:t>
-            </a:r>
-            <a:r>
-              <a:rPr lang="zh-CN" altLang="en-US" sz="2400" kern="0" dirty="0">
-                <a:solidFill>
-                  <a:schemeClr val="bg1"/>
-                </a:solidFill>
-                <a:latin typeface="+mn-ea"/>
-              </a:rPr>
-              <a:t>下载与配置</a:t>
-            </a:r>
-            <a:endParaRPr lang="en-US" altLang="zh-CN" sz="2400" kern="0" dirty="0">
-              <a:solidFill>
-                <a:schemeClr val="bg1"/>
-              </a:solidFill>
-              <a:latin typeface="+mn-ea"/>
-            </a:endParaRPr>
-          </a:p>
-          <a:p>
-            <a:pPr marL="285750" indent="-285750">
-              <a:buFont typeface="Wingdings" pitchFamily="2" charset="2"/>
-              <a:buChar char="Ø"/>
-            </a:pPr>
-            <a:endParaRPr lang="en-US" altLang="zh-CN" sz="2400" kern="0" dirty="0">
-              <a:solidFill>
-                <a:schemeClr val="bg1"/>
-              </a:solidFill>
-              <a:latin typeface="+mn-ea"/>
-            </a:endParaRPr>
-          </a:p>
-          <a:p>
-            <a:pPr marL="285750" indent="-285750">
-              <a:buFont typeface="Wingdings" pitchFamily="2" charset="2"/>
-              <a:buChar char="Ø"/>
-            </a:pPr>
-            <a:r>
-              <a:rPr lang="en-US" altLang="zh-CN" sz="2400" kern="0" dirty="0">
-                <a:solidFill>
-                  <a:schemeClr val="bg1"/>
-                </a:solidFill>
-                <a:latin typeface="+mn-ea"/>
-              </a:rPr>
-              <a:t>Maven</a:t>
-            </a:r>
-            <a:r>
-              <a:rPr lang="zh-CN" altLang="en-US" sz="2400" kern="0" dirty="0">
-                <a:solidFill>
-                  <a:schemeClr val="bg1"/>
-                </a:solidFill>
-                <a:latin typeface="+mn-ea"/>
-              </a:rPr>
-              <a:t>下载与配置</a:t>
-            </a:r>
-            <a:endParaRPr lang="en-US" altLang="zh-CN" sz="2400" kern="0" dirty="0">
-              <a:solidFill>
-                <a:schemeClr val="bg1"/>
-              </a:solidFill>
-              <a:latin typeface="+mn-ea"/>
-            </a:endParaRPr>
-          </a:p>
-          <a:p>
-            <a:endParaRPr lang="en-US" altLang="zh-CN" sz="2400" kern="0" dirty="0">
-              <a:solidFill>
-                <a:schemeClr val="bg1"/>
-              </a:solidFill>
-              <a:latin typeface="+mn-ea"/>
-            </a:endParaRPr>
-          </a:p>
-          <a:p>
-            <a:pPr marL="285750" indent="-285750">
-              <a:buFont typeface="Wingdings" pitchFamily="2" charset="2"/>
-              <a:buChar char="Ø"/>
-            </a:pPr>
-            <a:r>
-              <a:rPr lang="zh-CN" altLang="en-US" sz="2400" kern="0" dirty="0">
-                <a:solidFill>
-                  <a:schemeClr val="bg1"/>
-                </a:solidFill>
-                <a:latin typeface="+mn-ea"/>
-              </a:rPr>
-              <a:t>环境测试</a:t>
-            </a:r>
-            <a:endParaRPr lang="en-US" altLang="zh-CN" sz="2400" kern="0" dirty="0">
-              <a:solidFill>
-                <a:schemeClr val="bg1"/>
-              </a:solidFill>
-              <a:latin typeface="+mn-ea"/>
-            </a:endParaRPr>
-          </a:p>
-          <a:p>
-            <a:pPr marL="285750" indent="-285750">
-              <a:buFont typeface="Wingdings" pitchFamily="2" charset="2"/>
-              <a:buChar char="Ø"/>
-            </a:pPr>
-            <a:endParaRPr lang="en-US" altLang="zh-CN" sz="2400" kern="0" dirty="0">
-              <a:solidFill>
-                <a:schemeClr val="bg1"/>
-              </a:solidFill>
-              <a:latin typeface="+mn-ea"/>
-            </a:endParaRPr>
-          </a:p>
-          <a:p>
-            <a:pPr marL="285750" indent="-285750">
-              <a:buFont typeface="Wingdings" pitchFamily="2" charset="2"/>
-              <a:buChar char="Ø"/>
-            </a:pPr>
-            <a:endParaRPr kumimoji="1" lang="zh-CN" altLang="en-US" sz="2400" dirty="0">
-              <a:solidFill>
-                <a:schemeClr val="bg1"/>
-              </a:solidFill>
-            </a:endParaRPr>
-          </a:p>
-        </p:txBody>
-      </p:sp>
-    </p:spTree>
-    <p:extLst>
-      <p:ext uri="{BB962C8B-B14F-4D97-AF65-F5344CB8AC3E}">
-        <p14:creationId xmlns:p14="http://schemas.microsoft.com/office/powerpoint/2010/main" val="2810974293"/>
-      </p:ext>
-    </p:extLst>
-  </p:cSld>
-  <p:clrMapOvr>
-    <a:masterClrMapping/>
-  </p:clrMapOvr>
-  <p:transition spd="med" advClick="0" advTm="1000">
-    <p:fade/>
-  </p:transition>
-  <p:timing>
-    <p:tnLst>
-      <p:par>
-        <p:cTn id="1" dur="indefinite" restart="never" nodeType="tmRoot">
-          <p:childTnLst>
-            <p:seq concurrent="1" nextAc="seek">
-              <p:cTn id="2" dur="indefinite" nodeType="mainSeq">
-                <p:childTnLst>
-                  <p:par>
-                    <p:cTn id="3" fill="hold">
-                      <p:stCondLst>
-                        <p:cond delay="indefinite"/>
-                      </p:stCondLst>
-                      <p:childTnLst>
-                        <p:par>
-                          <p:cTn id="4" fill="hold">
-                            <p:stCondLst>
-                              <p:cond delay="0"/>
-                            </p:stCondLst>
-                            <p:childTnLst>
-                              <p:par>
-                                <p:cTn id="5" presetID="9" presetClass="entr" presetSubtype="0" fill="hold" nodeType="clickEffect">
-                                  <p:stCondLst>
-                                    <p:cond delay="0"/>
-                                  </p:stCondLst>
-                                  <p:childTnLst>
-                                    <p:set>
-                                      <p:cBhvr>
-                                        <p:cTn id="6" dur="1" fill="hold">
-                                          <p:stCondLst>
-                                            <p:cond delay="0"/>
-                                          </p:stCondLst>
-                                        </p:cTn>
-                                        <p:tgtEl>
-                                          <p:spTgt spid="2">
-                                            <p:txEl>
-                                              <p:pRg st="0" end="0"/>
-                                            </p:txEl>
-                                          </p:spTgt>
-                                        </p:tgtEl>
-                                        <p:attrNameLst>
-                                          <p:attrName>style.visibility</p:attrName>
-                                        </p:attrNameLst>
-                                      </p:cBhvr>
-                                      <p:to>
-                                        <p:strVal val="visible"/>
-                                      </p:to>
-                                    </p:set>
-                                    <p:animEffect transition="in" filter="dissolve">
-                                      <p:cBhvr>
-                                        <p:cTn id="7" dur="500"/>
-                                        <p:tgtEl>
-                                          <p:spTgt spid="2">
-                                            <p:txEl>
-                                              <p:pRg st="0" end="0"/>
-                                            </p:txEl>
-                                          </p:spTgt>
-                                        </p:tgtEl>
-                                      </p:cBhvr>
-                                    </p:animEffect>
-                                  </p:childTnLst>
-                                </p:cTn>
-                              </p:par>
-                            </p:childTnLst>
-                          </p:cTn>
-                        </p:par>
-                      </p:childTnLst>
-                    </p:cTn>
-                  </p:par>
-                  <p:par>
-                    <p:cTn id="8" fill="hold">
-                      <p:stCondLst>
-                        <p:cond delay="indefinite"/>
-                      </p:stCondLst>
-                      <p:childTnLst>
-                        <p:par>
-                          <p:cTn id="9" fill="hold">
-                            <p:stCondLst>
-                              <p:cond delay="0"/>
-                            </p:stCondLst>
-                            <p:childTnLst>
-                              <p:par>
-                                <p:cTn id="10" presetID="9" presetClass="entr" presetSubtype="0" fill="hold" nodeType="clickEffect">
-                                  <p:stCondLst>
-                                    <p:cond delay="0"/>
-                                  </p:stCondLst>
-                                  <p:childTnLst>
-                                    <p:set>
-                                      <p:cBhvr>
-                                        <p:cTn id="11" dur="1" fill="hold">
-                                          <p:stCondLst>
-                                            <p:cond delay="0"/>
-                                          </p:stCondLst>
-                                        </p:cTn>
-                                        <p:tgtEl>
-                                          <p:spTgt spid="2">
-                                            <p:txEl>
-                                              <p:pRg st="2" end="2"/>
-                                            </p:txEl>
-                                          </p:spTgt>
-                                        </p:tgtEl>
-                                        <p:attrNameLst>
-                                          <p:attrName>style.visibility</p:attrName>
-                                        </p:attrNameLst>
-                                      </p:cBhvr>
-                                      <p:to>
-                                        <p:strVal val="visible"/>
-                                      </p:to>
-                                    </p:set>
-                                    <p:animEffect transition="in" filter="dissolve">
-                                      <p:cBhvr>
-                                        <p:cTn id="12" dur="500"/>
-                                        <p:tgtEl>
-                                          <p:spTgt spid="2">
-                                            <p:txEl>
-                                              <p:pRg st="2" end="2"/>
-                                            </p:txEl>
-                                          </p:spTgt>
-                                        </p:tgtEl>
-                                      </p:cBhvr>
-                                    </p:animEffect>
-                                  </p:childTnLst>
-                                </p:cTn>
-                              </p:par>
-                            </p:childTnLst>
-                          </p:cTn>
-                        </p:par>
-                      </p:childTnLst>
-                    </p:cTn>
-                  </p:par>
-                  <p:par>
-                    <p:cTn id="13" fill="hold">
-                      <p:stCondLst>
-                        <p:cond delay="indefinite"/>
-                      </p:stCondLst>
-                      <p:childTnLst>
-                        <p:par>
-                          <p:cTn id="14" fill="hold">
-                            <p:stCondLst>
-                              <p:cond delay="0"/>
-                            </p:stCondLst>
-                            <p:childTnLst>
-                              <p:par>
-                                <p:cTn id="15" presetID="9" presetClass="entr" presetSubtype="0" fill="hold" nodeType="clickEffect">
-                                  <p:stCondLst>
-                                    <p:cond delay="0"/>
-                                  </p:stCondLst>
-                                  <p:childTnLst>
-                                    <p:set>
-                                      <p:cBhvr>
-                                        <p:cTn id="16" dur="1" fill="hold">
-                                          <p:stCondLst>
-                                            <p:cond delay="0"/>
-                                          </p:stCondLst>
-                                        </p:cTn>
-                                        <p:tgtEl>
-                                          <p:spTgt spid="2">
-                                            <p:txEl>
-                                              <p:pRg st="4" end="4"/>
-                                            </p:txEl>
-                                          </p:spTgt>
-                                        </p:tgtEl>
-                                        <p:attrNameLst>
-                                          <p:attrName>style.visibility</p:attrName>
-                                        </p:attrNameLst>
-                                      </p:cBhvr>
-                                      <p:to>
-                                        <p:strVal val="visible"/>
-                                      </p:to>
-                                    </p:set>
-                                    <p:animEffect transition="in" filter="dissolve">
-                                      <p:cBhvr>
-                                        <p:cTn id="17" dur="500"/>
-                                        <p:tgtEl>
-                                          <p:spTgt spid="2">
-                                            <p:txEl>
-                                              <p:pRg st="4" end="4"/>
                                             </p:txEl>
                                           </p:spTgt>
                                         </p:tgtEl>
@@ -19497,6 +18768,1107 @@
           <a:chExt cx="0" cy="0"/>
         </a:xfrm>
       </p:grpSpPr>
+      <p:grpSp>
+        <p:nvGrpSpPr>
+          <p:cNvPr id="38" name="组合 37"/>
+          <p:cNvGrpSpPr/>
+          <p:nvPr/>
+        </p:nvGrpSpPr>
+        <p:grpSpPr>
+          <a:xfrm>
+            <a:off x="672374" y="631535"/>
+            <a:ext cx="4356129" cy="536573"/>
+            <a:chOff x="1007305" y="947449"/>
+            <a:chExt cx="6535202" cy="804983"/>
+          </a:xfrm>
+        </p:grpSpPr>
+        <p:sp>
+          <p:nvSpPr>
+            <p:cNvPr id="39" name="文本框 38"/>
+            <p:cNvSpPr txBox="1"/>
+            <p:nvPr/>
+          </p:nvSpPr>
+          <p:spPr>
+            <a:xfrm>
+              <a:off x="1007305" y="947449"/>
+              <a:ext cx="6535202" cy="692604"/>
+            </a:xfrm>
+            <a:prstGeom prst="rect">
+              <a:avLst/>
+            </a:prstGeom>
+            <a:noFill/>
+          </p:spPr>
+          <p:txBody>
+            <a:bodyPr wrap="square" rtlCol="0">
+              <a:spAutoFit/>
+            </a:bodyPr>
+            <a:lstStyle/>
+            <a:p>
+              <a:r>
+                <a:rPr lang="en-US" altLang="zh-CN" sz="2400" dirty="0">
+                  <a:solidFill>
+                    <a:schemeClr val="bg1"/>
+                  </a:solidFill>
+                  <a:effectLst/>
+                </a:rPr>
+                <a:t>HDFS</a:t>
+              </a:r>
+              <a:r>
+                <a:rPr lang="zh-CN" altLang="en-US" sz="2400" dirty="0">
+                  <a:solidFill>
+                    <a:schemeClr val="bg1"/>
+                  </a:solidFill>
+                  <a:effectLst/>
+                </a:rPr>
+                <a:t>命令</a:t>
+              </a:r>
+            </a:p>
+          </p:txBody>
+        </p:sp>
+        <p:cxnSp>
+          <p:nvCxnSpPr>
+            <p:cNvPr id="40" name="直线连接符 5"/>
+            <p:cNvCxnSpPr/>
+            <p:nvPr/>
+          </p:nvCxnSpPr>
+          <p:spPr>
+            <a:xfrm>
+              <a:off x="1007305" y="1752432"/>
+              <a:ext cx="3742116" cy="0"/>
+            </a:xfrm>
+            <a:prstGeom prst="line">
+              <a:avLst/>
+            </a:prstGeom>
+            <a:ln>
+              <a:solidFill>
+                <a:schemeClr val="bg1"/>
+              </a:solidFill>
+              <a:headEnd type="oval"/>
+              <a:tailEnd type="oval"/>
+            </a:ln>
+          </p:spPr>
+          <p:style>
+            <a:lnRef idx="1">
+              <a:schemeClr val="accent1"/>
+            </a:lnRef>
+            <a:fillRef idx="0">
+              <a:schemeClr val="accent1"/>
+            </a:fillRef>
+            <a:effectRef idx="0">
+              <a:schemeClr val="accent1"/>
+            </a:effectRef>
+            <a:fontRef idx="minor">
+              <a:schemeClr val="tx1"/>
+            </a:fontRef>
+          </p:style>
+        </p:cxnSp>
+      </p:grpSp>
+      <p:sp>
+        <p:nvSpPr>
+          <p:cNvPr id="2" name="文本框 1">
+            <a:extLst>
+              <a:ext uri="{FF2B5EF4-FFF2-40B4-BE49-F238E27FC236}">
+                <a16:creationId xmlns:a16="http://schemas.microsoft.com/office/drawing/2014/main" id="{79181055-736E-5C47-935D-B1989E4840C9}"/>
+              </a:ext>
+            </a:extLst>
+          </p:cNvPr>
+          <p:cNvSpPr txBox="1"/>
+          <p:nvPr/>
+        </p:nvSpPr>
+        <p:spPr>
+          <a:xfrm>
+            <a:off x="1086355" y="1781761"/>
+            <a:ext cx="9909955" cy="2375009"/>
+          </a:xfrm>
+          <a:prstGeom prst="rect">
+            <a:avLst/>
+          </a:prstGeom>
+          <a:noFill/>
+        </p:spPr>
+        <p:txBody>
+          <a:bodyPr wrap="square" rtlCol="0" anchor="ctr">
+            <a:spAutoFit/>
+          </a:bodyPr>
+          <a:lstStyle/>
+          <a:p>
+            <a:pPr>
+              <a:lnSpc>
+                <a:spcPct val="150000"/>
+              </a:lnSpc>
+            </a:pPr>
+            <a:r>
+              <a:rPr lang="en-US" altLang="zh-CN" sz="2000" dirty="0" err="1">
+                <a:solidFill>
+                  <a:srgbClr val="FFFFFF"/>
+                </a:solidFill>
+              </a:rPr>
+              <a:t>hdfs</a:t>
+            </a:r>
+            <a:r>
+              <a:rPr lang="zh-CN" altLang="en-US" sz="2000" dirty="0">
+                <a:solidFill>
+                  <a:srgbClr val="FFFFFF"/>
+                </a:solidFill>
+              </a:rPr>
+              <a:t>命令</a:t>
+            </a:r>
+            <a:r>
+              <a:rPr lang="en-US" altLang="zh-CN" sz="2000" dirty="0">
+                <a:solidFill>
+                  <a:srgbClr val="FFFFFF"/>
+                </a:solidFill>
+              </a:rPr>
+              <a:t>-</a:t>
+            </a:r>
+            <a:r>
+              <a:rPr lang="zh-CN" altLang="en-US" sz="2000" dirty="0">
+                <a:solidFill>
+                  <a:srgbClr val="FFFFFF"/>
+                </a:solidFill>
+              </a:rPr>
+              <a:t>安全模式</a:t>
+            </a:r>
+          </a:p>
+          <a:p>
+            <a:pPr>
+              <a:lnSpc>
+                <a:spcPct val="150000"/>
+              </a:lnSpc>
+            </a:pPr>
+            <a:r>
+              <a:rPr lang="zh-CN" altLang="en-US" sz="2000" dirty="0">
+                <a:solidFill>
+                  <a:srgbClr val="FFFFFF"/>
+                </a:solidFill>
+              </a:rPr>
+              <a:t>命令：</a:t>
+            </a:r>
+            <a:r>
+              <a:rPr lang="en-US" altLang="zh-CN" sz="2000" dirty="0">
+                <a:solidFill>
+                  <a:srgbClr val="FFFFFF"/>
+                </a:solidFill>
+              </a:rPr>
+              <a:t>-</a:t>
+            </a:r>
+            <a:r>
+              <a:rPr lang="en-US" altLang="zh-CN" sz="2000" dirty="0" err="1">
+                <a:solidFill>
+                  <a:srgbClr val="FFFFFF"/>
+                </a:solidFill>
+              </a:rPr>
+              <a:t>safemode</a:t>
+            </a:r>
+            <a:r>
+              <a:rPr lang="en-US" altLang="zh-CN" sz="2000" dirty="0">
+                <a:solidFill>
+                  <a:srgbClr val="FFFFFF"/>
+                </a:solidFill>
+              </a:rPr>
+              <a:t> &lt;enter | leave | get | wait&gt;</a:t>
+            </a:r>
+          </a:p>
+          <a:p>
+            <a:pPr>
+              <a:lnSpc>
+                <a:spcPct val="150000"/>
+              </a:lnSpc>
+            </a:pPr>
+            <a:r>
+              <a:rPr lang="zh-CN" altLang="en-US" sz="2000" dirty="0">
+                <a:solidFill>
+                  <a:srgbClr val="FFFFFF"/>
+                </a:solidFill>
+              </a:rPr>
+              <a:t>执行：</a:t>
+            </a:r>
+            <a:r>
+              <a:rPr lang="en-US" altLang="zh-CN" sz="2000" dirty="0" err="1">
+                <a:solidFill>
+                  <a:srgbClr val="FFFFFF"/>
+                </a:solidFill>
+              </a:rPr>
+              <a:t>hdfs</a:t>
+            </a:r>
+            <a:r>
+              <a:rPr lang="en-US" altLang="zh-CN" sz="2000" dirty="0">
+                <a:solidFill>
+                  <a:srgbClr val="FFFFFF"/>
+                </a:solidFill>
+              </a:rPr>
+              <a:t> </a:t>
+            </a:r>
+            <a:r>
+              <a:rPr lang="en-US" altLang="zh-CN" sz="2000" dirty="0" err="1">
+                <a:solidFill>
+                  <a:srgbClr val="FFFFFF"/>
+                </a:solidFill>
+              </a:rPr>
+              <a:t>dfsadmin</a:t>
+            </a:r>
+            <a:r>
+              <a:rPr lang="en-US" altLang="zh-CN" sz="2000" dirty="0">
+                <a:solidFill>
+                  <a:srgbClr val="FFFFFF"/>
+                </a:solidFill>
+              </a:rPr>
+              <a:t> -</a:t>
+            </a:r>
+            <a:r>
+              <a:rPr lang="en-US" altLang="zh-CN" sz="2000" dirty="0" err="1">
+                <a:solidFill>
+                  <a:srgbClr val="FFFFFF"/>
+                </a:solidFill>
+              </a:rPr>
+              <a:t>safemode</a:t>
+            </a:r>
+            <a:r>
+              <a:rPr lang="en-US" altLang="zh-CN" sz="2000" dirty="0">
+                <a:solidFill>
+                  <a:srgbClr val="FFFFFF"/>
+                </a:solidFill>
+              </a:rPr>
+              <a:t> get</a:t>
+            </a:r>
+          </a:p>
+          <a:p>
+            <a:pPr>
+              <a:lnSpc>
+                <a:spcPct val="150000"/>
+              </a:lnSpc>
+            </a:pPr>
+            <a:r>
+              <a:rPr lang="zh-CN" altLang="en-US" sz="2000" dirty="0">
+                <a:solidFill>
+                  <a:srgbClr val="FFFFFF"/>
+                </a:solidFill>
+              </a:rPr>
+              <a:t>  当集群中的文件备份出现丢失的时候，可能会进行安全模式。安全模式是指当集群处于该状态下，</a:t>
+            </a:r>
+            <a:r>
+              <a:rPr lang="en-US" altLang="zh-CN" sz="2000" dirty="0" err="1">
+                <a:solidFill>
+                  <a:srgbClr val="FFFFFF"/>
+                </a:solidFill>
+              </a:rPr>
+              <a:t>hdfs</a:t>
+            </a:r>
+            <a:r>
+              <a:rPr lang="zh-CN" altLang="en-US" sz="2000" dirty="0">
+                <a:solidFill>
+                  <a:srgbClr val="FFFFFF"/>
+                </a:solidFill>
+              </a:rPr>
+              <a:t>解决文件</a:t>
+            </a:r>
+            <a:r>
+              <a:rPr lang="en-US" altLang="zh-CN" sz="2000" dirty="0">
+                <a:solidFill>
+                  <a:srgbClr val="FFFFFF"/>
+                </a:solidFill>
+              </a:rPr>
+              <a:t>IO</a:t>
+            </a:r>
+            <a:r>
+              <a:rPr lang="zh-CN" altLang="en-US" sz="2000" dirty="0">
+                <a:solidFill>
+                  <a:srgbClr val="FFFFFF"/>
+                </a:solidFill>
+              </a:rPr>
+              <a:t>操作。我们可以通过该命令强制离开安全模式。 </a:t>
+            </a:r>
+          </a:p>
+        </p:txBody>
+      </p:sp>
+    </p:spTree>
+    <p:extLst>
+      <p:ext uri="{BB962C8B-B14F-4D97-AF65-F5344CB8AC3E}">
+        <p14:creationId xmlns:p14="http://schemas.microsoft.com/office/powerpoint/2010/main" val="1868765058"/>
+      </p:ext>
+    </p:extLst>
+  </p:cSld>
+  <p:clrMapOvr>
+    <a:masterClrMapping/>
+  </p:clrMapOvr>
+  <p:transition spd="med" advClick="0" advTm="1000">
+    <p:fade/>
+  </p:transition>
+  <p:timing>
+    <p:tnLst>
+      <p:par>
+        <p:cTn id="1" dur="indefinite" restart="never" nodeType="tmRoot">
+          <p:childTnLst>
+            <p:seq concurrent="1" nextAc="seek">
+              <p:cTn id="2" dur="indefinite" nodeType="mainSeq">
+                <p:childTnLst>
+                  <p:par>
+                    <p:cTn id="3" fill="hold">
+                      <p:stCondLst>
+                        <p:cond delay="indefinite"/>
+                      </p:stCondLst>
+                      <p:childTnLst>
+                        <p:par>
+                          <p:cTn id="4" fill="hold">
+                            <p:stCondLst>
+                              <p:cond delay="0"/>
+                            </p:stCondLst>
+                            <p:childTnLst>
+                              <p:par>
+                                <p:cTn id="5" presetID="5" presetClass="entr" presetSubtype="10" fill="hold" nodeType="clickEffect">
+                                  <p:stCondLst>
+                                    <p:cond delay="0"/>
+                                  </p:stCondLst>
+                                  <p:childTnLst>
+                                    <p:set>
+                                      <p:cBhvr>
+                                        <p:cTn id="6" dur="1" fill="hold">
+                                          <p:stCondLst>
+                                            <p:cond delay="0"/>
+                                          </p:stCondLst>
+                                        </p:cTn>
+                                        <p:tgtEl>
+                                          <p:spTgt spid="2">
+                                            <p:txEl>
+                                              <p:pRg st="0" end="0"/>
+                                            </p:txEl>
+                                          </p:spTgt>
+                                        </p:tgtEl>
+                                        <p:attrNameLst>
+                                          <p:attrName>style.visibility</p:attrName>
+                                        </p:attrNameLst>
+                                      </p:cBhvr>
+                                      <p:to>
+                                        <p:strVal val="visible"/>
+                                      </p:to>
+                                    </p:set>
+                                    <p:animEffect transition="in" filter="checkerboard(across)">
+                                      <p:cBhvr>
+                                        <p:cTn id="7" dur="500"/>
+                                        <p:tgtEl>
+                                          <p:spTgt spid="2">
+                                            <p:txEl>
+                                              <p:pRg st="0" end="0"/>
+                                            </p:txEl>
+                                          </p:spTgt>
+                                        </p:tgtEl>
+                                      </p:cBhvr>
+                                    </p:animEffect>
+                                  </p:childTnLst>
+                                </p:cTn>
+                              </p:par>
+                            </p:childTnLst>
+                          </p:cTn>
+                        </p:par>
+                      </p:childTnLst>
+                    </p:cTn>
+                  </p:par>
+                  <p:par>
+                    <p:cTn id="8" fill="hold">
+                      <p:stCondLst>
+                        <p:cond delay="indefinite"/>
+                      </p:stCondLst>
+                      <p:childTnLst>
+                        <p:par>
+                          <p:cTn id="9" fill="hold">
+                            <p:stCondLst>
+                              <p:cond delay="0"/>
+                            </p:stCondLst>
+                            <p:childTnLst>
+                              <p:par>
+                                <p:cTn id="10" presetID="9" presetClass="entr" presetSubtype="0" fill="hold" nodeType="clickEffect">
+                                  <p:stCondLst>
+                                    <p:cond delay="0"/>
+                                  </p:stCondLst>
+                                  <p:childTnLst>
+                                    <p:set>
+                                      <p:cBhvr>
+                                        <p:cTn id="11" dur="1" fill="hold">
+                                          <p:stCondLst>
+                                            <p:cond delay="0"/>
+                                          </p:stCondLst>
+                                        </p:cTn>
+                                        <p:tgtEl>
+                                          <p:spTgt spid="2">
+                                            <p:txEl>
+                                              <p:pRg st="1" end="1"/>
+                                            </p:txEl>
+                                          </p:spTgt>
+                                        </p:tgtEl>
+                                        <p:attrNameLst>
+                                          <p:attrName>style.visibility</p:attrName>
+                                        </p:attrNameLst>
+                                      </p:cBhvr>
+                                      <p:to>
+                                        <p:strVal val="visible"/>
+                                      </p:to>
+                                    </p:set>
+                                    <p:animEffect transition="in" filter="dissolve">
+                                      <p:cBhvr>
+                                        <p:cTn id="12" dur="500"/>
+                                        <p:tgtEl>
+                                          <p:spTgt spid="2">
+                                            <p:txEl>
+                                              <p:pRg st="1" end="1"/>
+                                            </p:txEl>
+                                          </p:spTgt>
+                                        </p:tgtEl>
+                                      </p:cBhvr>
+                                    </p:animEffect>
+                                  </p:childTnLst>
+                                </p:cTn>
+                              </p:par>
+                            </p:childTnLst>
+                          </p:cTn>
+                        </p:par>
+                      </p:childTnLst>
+                    </p:cTn>
+                  </p:par>
+                  <p:par>
+                    <p:cTn id="13" fill="hold">
+                      <p:stCondLst>
+                        <p:cond delay="indefinite"/>
+                      </p:stCondLst>
+                      <p:childTnLst>
+                        <p:par>
+                          <p:cTn id="14" fill="hold">
+                            <p:stCondLst>
+                              <p:cond delay="0"/>
+                            </p:stCondLst>
+                            <p:childTnLst>
+                              <p:par>
+                                <p:cTn id="15" presetID="9" presetClass="entr" presetSubtype="0" fill="hold" nodeType="clickEffect">
+                                  <p:stCondLst>
+                                    <p:cond delay="0"/>
+                                  </p:stCondLst>
+                                  <p:childTnLst>
+                                    <p:set>
+                                      <p:cBhvr>
+                                        <p:cTn id="16" dur="1" fill="hold">
+                                          <p:stCondLst>
+                                            <p:cond delay="0"/>
+                                          </p:stCondLst>
+                                        </p:cTn>
+                                        <p:tgtEl>
+                                          <p:spTgt spid="2">
+                                            <p:txEl>
+                                              <p:pRg st="2" end="2"/>
+                                            </p:txEl>
+                                          </p:spTgt>
+                                        </p:tgtEl>
+                                        <p:attrNameLst>
+                                          <p:attrName>style.visibility</p:attrName>
+                                        </p:attrNameLst>
+                                      </p:cBhvr>
+                                      <p:to>
+                                        <p:strVal val="visible"/>
+                                      </p:to>
+                                    </p:set>
+                                    <p:animEffect transition="in" filter="dissolve">
+                                      <p:cBhvr>
+                                        <p:cTn id="17" dur="500"/>
+                                        <p:tgtEl>
+                                          <p:spTgt spid="2">
+                                            <p:txEl>
+                                              <p:pRg st="2" end="2"/>
+                                            </p:txEl>
+                                          </p:spTgt>
+                                        </p:tgtEl>
+                                      </p:cBhvr>
+                                    </p:animEffect>
+                                  </p:childTnLst>
+                                </p:cTn>
+                              </p:par>
+                            </p:childTnLst>
+                          </p:cTn>
+                        </p:par>
+                      </p:childTnLst>
+                    </p:cTn>
+                  </p:par>
+                  <p:par>
+                    <p:cTn id="18" fill="hold">
+                      <p:stCondLst>
+                        <p:cond delay="indefinite"/>
+                      </p:stCondLst>
+                      <p:childTnLst>
+                        <p:par>
+                          <p:cTn id="19" fill="hold">
+                            <p:stCondLst>
+                              <p:cond delay="0"/>
+                            </p:stCondLst>
+                            <p:childTnLst>
+                              <p:par>
+                                <p:cTn id="20" presetID="9" presetClass="entr" presetSubtype="0" fill="hold" nodeType="clickEffect">
+                                  <p:stCondLst>
+                                    <p:cond delay="0"/>
+                                  </p:stCondLst>
+                                  <p:childTnLst>
+                                    <p:set>
+                                      <p:cBhvr>
+                                        <p:cTn id="21" dur="1" fill="hold">
+                                          <p:stCondLst>
+                                            <p:cond delay="0"/>
+                                          </p:stCondLst>
+                                        </p:cTn>
+                                        <p:tgtEl>
+                                          <p:spTgt spid="2">
+                                            <p:txEl>
+                                              <p:pRg st="3" end="3"/>
+                                            </p:txEl>
+                                          </p:spTgt>
+                                        </p:tgtEl>
+                                        <p:attrNameLst>
+                                          <p:attrName>style.visibility</p:attrName>
+                                        </p:attrNameLst>
+                                      </p:cBhvr>
+                                      <p:to>
+                                        <p:strVal val="visible"/>
+                                      </p:to>
+                                    </p:set>
+                                    <p:animEffect transition="in" filter="dissolve">
+                                      <p:cBhvr>
+                                        <p:cTn id="22" dur="500"/>
+                                        <p:tgtEl>
+                                          <p:spTgt spid="2">
+                                            <p:txEl>
+                                              <p:pRg st="3" end="3"/>
+                                            </p:txEl>
+                                          </p:spTgt>
+                                        </p:tgtEl>
+                                      </p:cBhvr>
+                                    </p:animEffect>
+                                  </p:childTnLst>
+                                </p:cTn>
+                              </p:par>
+                            </p:childTnLst>
+                          </p:cTn>
+                        </p:par>
+                      </p:childTnLst>
+                    </p:cTn>
+                  </p:par>
+                </p:childTnLst>
+              </p:cTn>
+              <p:prevCondLst>
+                <p:cond evt="onPrev" delay="0">
+                  <p:tgtEl>
+                    <p:sldTgt/>
+                  </p:tgtEl>
+                </p:cond>
+              </p:prevCondLst>
+              <p:nextCondLst>
+                <p:cond evt="onNext" delay="0">
+                  <p:tgtEl>
+                    <p:sldTgt/>
+                  </p:tgtEl>
+                </p:cond>
+              </p:nextCondLst>
+            </p:seq>
+          </p:childTnLst>
+        </p:cTn>
+      </p:par>
+    </p:tnLst>
+  </p:timing>
+</p:sld>
+</file>
+
+<file path=ppt/slides/slide21.xml><?xml version="1.0" encoding="utf-8"?>
+<p:sld xmlns:a="http://schemas.openxmlformats.org/drawingml/2006/main" xmlns:r="http://schemas.openxmlformats.org/officeDocument/2006/relationships" xmlns:p="http://schemas.openxmlformats.org/presentationml/2006/main">
+  <p:cSld>
+    <p:spTree>
+      <p:nvGrpSpPr>
+        <p:cNvPr id="1" name=""/>
+        <p:cNvGrpSpPr/>
+        <p:nvPr/>
+      </p:nvGrpSpPr>
+      <p:grpSpPr>
+        <a:xfrm>
+          <a:off x="0" y="0"/>
+          <a:ext cx="0" cy="0"/>
+          <a:chOff x="0" y="0"/>
+          <a:chExt cx="0" cy="0"/>
+        </a:xfrm>
+      </p:grpSpPr>
+      <p:sp>
+        <p:nvSpPr>
+          <p:cNvPr id="46" name="文本框 45"/>
+          <p:cNvSpPr txBox="1"/>
+          <p:nvPr/>
+        </p:nvSpPr>
+        <p:spPr>
+          <a:xfrm>
+            <a:off x="332326" y="547575"/>
+            <a:ext cx="5889271" cy="461665"/>
+          </a:xfrm>
+          <a:prstGeom prst="rect">
+            <a:avLst/>
+          </a:prstGeom>
+          <a:noFill/>
+        </p:spPr>
+        <p:txBody>
+          <a:bodyPr wrap="square" rtlCol="0">
+            <a:spAutoFit/>
+          </a:bodyPr>
+          <a:lstStyle/>
+          <a:p>
+            <a:pPr algn="ctr" defTabSz="914309">
+              <a:defRPr/>
+            </a:pPr>
+            <a:r>
+              <a:rPr lang="zh-CN" altLang="en-US" sz="2400" b="1" dirty="0">
+                <a:solidFill>
+                  <a:prstClr val="white"/>
+                </a:solidFill>
+                <a:latin typeface="+mn-ea"/>
+                <a:cs typeface="+mn-ea"/>
+                <a:sym typeface="+mn-lt"/>
+              </a:rPr>
+              <a:t>第三节  </a:t>
+            </a:r>
+            <a:r>
+              <a:rPr lang="en-US" altLang="zh-CN" sz="2400" b="1" dirty="0">
+                <a:solidFill>
+                  <a:prstClr val="white"/>
+                </a:solidFill>
+                <a:latin typeface="+mn-ea"/>
+                <a:cs typeface="+mn-ea"/>
+                <a:sym typeface="+mn-lt"/>
+              </a:rPr>
+              <a:t>IDEA</a:t>
+            </a:r>
+            <a:r>
+              <a:rPr lang="zh-CN" altLang="en-US" sz="2400" b="1" dirty="0">
+                <a:solidFill>
+                  <a:prstClr val="white"/>
+                </a:solidFill>
+                <a:latin typeface="+mn-ea"/>
+                <a:cs typeface="+mn-ea"/>
+                <a:sym typeface="+mn-lt"/>
+              </a:rPr>
+              <a:t>搭建</a:t>
+            </a:r>
+            <a:r>
+              <a:rPr lang="en-US" altLang="zh-CN" sz="2400" b="1" dirty="0">
+                <a:solidFill>
+                  <a:prstClr val="white"/>
+                </a:solidFill>
+                <a:latin typeface="+mn-ea"/>
+                <a:cs typeface="+mn-ea"/>
+                <a:sym typeface="+mn-lt"/>
+              </a:rPr>
+              <a:t>Hadoop</a:t>
+            </a:r>
+            <a:r>
+              <a:rPr lang="zh-CN" altLang="en-US" sz="2400" b="1" dirty="0">
+                <a:solidFill>
+                  <a:prstClr val="white"/>
+                </a:solidFill>
+                <a:latin typeface="+mn-ea"/>
+                <a:cs typeface="+mn-ea"/>
+                <a:sym typeface="+mn-lt"/>
+              </a:rPr>
+              <a:t>开发环境</a:t>
+            </a:r>
+          </a:p>
+        </p:txBody>
+      </p:sp>
+      <p:sp>
+        <p:nvSpPr>
+          <p:cNvPr id="2" name="文本框 1">
+            <a:extLst>
+              <a:ext uri="{FF2B5EF4-FFF2-40B4-BE49-F238E27FC236}">
+                <a16:creationId xmlns:a16="http://schemas.microsoft.com/office/drawing/2014/main" id="{D377A53E-725C-074E-B57D-9C9405BBAF96}"/>
+              </a:ext>
+            </a:extLst>
+          </p:cNvPr>
+          <p:cNvSpPr txBox="1"/>
+          <p:nvPr/>
+        </p:nvSpPr>
+        <p:spPr>
+          <a:xfrm>
+            <a:off x="1127051" y="2335462"/>
+            <a:ext cx="6868633" cy="2677656"/>
+          </a:xfrm>
+          <a:prstGeom prst="rect">
+            <a:avLst/>
+          </a:prstGeom>
+          <a:noFill/>
+        </p:spPr>
+        <p:txBody>
+          <a:bodyPr wrap="square" rtlCol="0">
+            <a:spAutoFit/>
+          </a:bodyPr>
+          <a:lstStyle/>
+          <a:p>
+            <a:pPr marL="285750" indent="-285750">
+              <a:buFont typeface="Wingdings" pitchFamily="2" charset="2"/>
+              <a:buChar char="Ø"/>
+            </a:pPr>
+            <a:r>
+              <a:rPr lang="en-US" altLang="zh-CN" sz="2400" kern="0" dirty="0">
+                <a:solidFill>
+                  <a:schemeClr val="bg1"/>
+                </a:solidFill>
+                <a:latin typeface="+mn-ea"/>
+              </a:rPr>
+              <a:t>IDEA</a:t>
+            </a:r>
+            <a:r>
+              <a:rPr lang="zh-CN" altLang="en-US" sz="2400" kern="0" dirty="0">
+                <a:solidFill>
+                  <a:schemeClr val="bg1"/>
+                </a:solidFill>
+                <a:latin typeface="+mn-ea"/>
+              </a:rPr>
+              <a:t>下载与配置</a:t>
+            </a:r>
+            <a:endParaRPr lang="en-US" altLang="zh-CN" sz="2400" kern="0" dirty="0">
+              <a:solidFill>
+                <a:schemeClr val="bg1"/>
+              </a:solidFill>
+              <a:latin typeface="+mn-ea"/>
+            </a:endParaRPr>
+          </a:p>
+          <a:p>
+            <a:pPr marL="285750" indent="-285750">
+              <a:buFont typeface="Wingdings" pitchFamily="2" charset="2"/>
+              <a:buChar char="Ø"/>
+            </a:pPr>
+            <a:endParaRPr lang="en-US" altLang="zh-CN" sz="2400" kern="0" dirty="0">
+              <a:solidFill>
+                <a:schemeClr val="bg1"/>
+              </a:solidFill>
+              <a:latin typeface="+mn-ea"/>
+            </a:endParaRPr>
+          </a:p>
+          <a:p>
+            <a:pPr marL="285750" indent="-285750">
+              <a:buFont typeface="Wingdings" pitchFamily="2" charset="2"/>
+              <a:buChar char="Ø"/>
+            </a:pPr>
+            <a:r>
+              <a:rPr lang="en-US" altLang="zh-CN" sz="2400" kern="0" dirty="0">
+                <a:solidFill>
+                  <a:schemeClr val="bg1"/>
+                </a:solidFill>
+                <a:latin typeface="+mn-ea"/>
+              </a:rPr>
+              <a:t>Maven</a:t>
+            </a:r>
+            <a:r>
+              <a:rPr lang="zh-CN" altLang="en-US" sz="2400" kern="0" dirty="0">
+                <a:solidFill>
+                  <a:schemeClr val="bg1"/>
+                </a:solidFill>
+                <a:latin typeface="+mn-ea"/>
+              </a:rPr>
+              <a:t>下载与配置</a:t>
+            </a:r>
+            <a:endParaRPr lang="en-US" altLang="zh-CN" sz="2400" kern="0" dirty="0">
+              <a:solidFill>
+                <a:schemeClr val="bg1"/>
+              </a:solidFill>
+              <a:latin typeface="+mn-ea"/>
+            </a:endParaRPr>
+          </a:p>
+          <a:p>
+            <a:endParaRPr lang="en-US" altLang="zh-CN" sz="2400" kern="0" dirty="0">
+              <a:solidFill>
+                <a:schemeClr val="bg1"/>
+              </a:solidFill>
+              <a:latin typeface="+mn-ea"/>
+            </a:endParaRPr>
+          </a:p>
+          <a:p>
+            <a:pPr marL="285750" indent="-285750">
+              <a:buFont typeface="Wingdings" pitchFamily="2" charset="2"/>
+              <a:buChar char="Ø"/>
+            </a:pPr>
+            <a:r>
+              <a:rPr lang="zh-CN" altLang="en-US" sz="2400" kern="0" dirty="0">
+                <a:solidFill>
+                  <a:schemeClr val="bg1"/>
+                </a:solidFill>
+                <a:latin typeface="+mn-ea"/>
+              </a:rPr>
+              <a:t>环境测试</a:t>
+            </a:r>
+            <a:endParaRPr lang="en-US" altLang="zh-CN" sz="2400" kern="0" dirty="0">
+              <a:solidFill>
+                <a:schemeClr val="bg1"/>
+              </a:solidFill>
+              <a:latin typeface="+mn-ea"/>
+            </a:endParaRPr>
+          </a:p>
+          <a:p>
+            <a:pPr marL="285750" indent="-285750">
+              <a:buFont typeface="Wingdings" pitchFamily="2" charset="2"/>
+              <a:buChar char="Ø"/>
+            </a:pPr>
+            <a:endParaRPr lang="en-US" altLang="zh-CN" sz="2400" kern="0" dirty="0">
+              <a:solidFill>
+                <a:schemeClr val="bg1"/>
+              </a:solidFill>
+              <a:latin typeface="+mn-ea"/>
+            </a:endParaRPr>
+          </a:p>
+          <a:p>
+            <a:pPr marL="285750" indent="-285750">
+              <a:buFont typeface="Wingdings" pitchFamily="2" charset="2"/>
+              <a:buChar char="Ø"/>
+            </a:pPr>
+            <a:endParaRPr kumimoji="1" lang="zh-CN" altLang="en-US" sz="2400" dirty="0">
+              <a:solidFill>
+                <a:schemeClr val="bg1"/>
+              </a:solidFill>
+            </a:endParaRPr>
+          </a:p>
+        </p:txBody>
+      </p:sp>
+    </p:spTree>
+    <p:extLst>
+      <p:ext uri="{BB962C8B-B14F-4D97-AF65-F5344CB8AC3E}">
+        <p14:creationId xmlns:p14="http://schemas.microsoft.com/office/powerpoint/2010/main" val="2810974293"/>
+      </p:ext>
+    </p:extLst>
+  </p:cSld>
+  <p:clrMapOvr>
+    <a:masterClrMapping/>
+  </p:clrMapOvr>
+  <p:transition spd="med" advClick="0" advTm="1000">
+    <p:fade/>
+  </p:transition>
+  <p:timing>
+    <p:tnLst>
+      <p:par>
+        <p:cTn id="1" dur="indefinite" restart="never" nodeType="tmRoot">
+          <p:childTnLst>
+            <p:seq concurrent="1" nextAc="seek">
+              <p:cTn id="2" dur="indefinite" nodeType="mainSeq">
+                <p:childTnLst>
+                  <p:par>
+                    <p:cTn id="3" fill="hold">
+                      <p:stCondLst>
+                        <p:cond delay="indefinite"/>
+                      </p:stCondLst>
+                      <p:childTnLst>
+                        <p:par>
+                          <p:cTn id="4" fill="hold">
+                            <p:stCondLst>
+                              <p:cond delay="0"/>
+                            </p:stCondLst>
+                            <p:childTnLst>
+                              <p:par>
+                                <p:cTn id="5" presetID="9" presetClass="entr" presetSubtype="0" fill="hold" nodeType="clickEffect">
+                                  <p:stCondLst>
+                                    <p:cond delay="0"/>
+                                  </p:stCondLst>
+                                  <p:childTnLst>
+                                    <p:set>
+                                      <p:cBhvr>
+                                        <p:cTn id="6" dur="1" fill="hold">
+                                          <p:stCondLst>
+                                            <p:cond delay="0"/>
+                                          </p:stCondLst>
+                                        </p:cTn>
+                                        <p:tgtEl>
+                                          <p:spTgt spid="2">
+                                            <p:txEl>
+                                              <p:pRg st="0" end="0"/>
+                                            </p:txEl>
+                                          </p:spTgt>
+                                        </p:tgtEl>
+                                        <p:attrNameLst>
+                                          <p:attrName>style.visibility</p:attrName>
+                                        </p:attrNameLst>
+                                      </p:cBhvr>
+                                      <p:to>
+                                        <p:strVal val="visible"/>
+                                      </p:to>
+                                    </p:set>
+                                    <p:animEffect transition="in" filter="dissolve">
+                                      <p:cBhvr>
+                                        <p:cTn id="7" dur="500"/>
+                                        <p:tgtEl>
+                                          <p:spTgt spid="2">
+                                            <p:txEl>
+                                              <p:pRg st="0" end="0"/>
+                                            </p:txEl>
+                                          </p:spTgt>
+                                        </p:tgtEl>
+                                      </p:cBhvr>
+                                    </p:animEffect>
+                                  </p:childTnLst>
+                                </p:cTn>
+                              </p:par>
+                            </p:childTnLst>
+                          </p:cTn>
+                        </p:par>
+                      </p:childTnLst>
+                    </p:cTn>
+                  </p:par>
+                  <p:par>
+                    <p:cTn id="8" fill="hold">
+                      <p:stCondLst>
+                        <p:cond delay="indefinite"/>
+                      </p:stCondLst>
+                      <p:childTnLst>
+                        <p:par>
+                          <p:cTn id="9" fill="hold">
+                            <p:stCondLst>
+                              <p:cond delay="0"/>
+                            </p:stCondLst>
+                            <p:childTnLst>
+                              <p:par>
+                                <p:cTn id="10" presetID="9" presetClass="entr" presetSubtype="0" fill="hold" nodeType="clickEffect">
+                                  <p:stCondLst>
+                                    <p:cond delay="0"/>
+                                  </p:stCondLst>
+                                  <p:childTnLst>
+                                    <p:set>
+                                      <p:cBhvr>
+                                        <p:cTn id="11" dur="1" fill="hold">
+                                          <p:stCondLst>
+                                            <p:cond delay="0"/>
+                                          </p:stCondLst>
+                                        </p:cTn>
+                                        <p:tgtEl>
+                                          <p:spTgt spid="2">
+                                            <p:txEl>
+                                              <p:pRg st="2" end="2"/>
+                                            </p:txEl>
+                                          </p:spTgt>
+                                        </p:tgtEl>
+                                        <p:attrNameLst>
+                                          <p:attrName>style.visibility</p:attrName>
+                                        </p:attrNameLst>
+                                      </p:cBhvr>
+                                      <p:to>
+                                        <p:strVal val="visible"/>
+                                      </p:to>
+                                    </p:set>
+                                    <p:animEffect transition="in" filter="dissolve">
+                                      <p:cBhvr>
+                                        <p:cTn id="12" dur="500"/>
+                                        <p:tgtEl>
+                                          <p:spTgt spid="2">
+                                            <p:txEl>
+                                              <p:pRg st="2" end="2"/>
+                                            </p:txEl>
+                                          </p:spTgt>
+                                        </p:tgtEl>
+                                      </p:cBhvr>
+                                    </p:animEffect>
+                                  </p:childTnLst>
+                                </p:cTn>
+                              </p:par>
+                            </p:childTnLst>
+                          </p:cTn>
+                        </p:par>
+                      </p:childTnLst>
+                    </p:cTn>
+                  </p:par>
+                  <p:par>
+                    <p:cTn id="13" fill="hold">
+                      <p:stCondLst>
+                        <p:cond delay="indefinite"/>
+                      </p:stCondLst>
+                      <p:childTnLst>
+                        <p:par>
+                          <p:cTn id="14" fill="hold">
+                            <p:stCondLst>
+                              <p:cond delay="0"/>
+                            </p:stCondLst>
+                            <p:childTnLst>
+                              <p:par>
+                                <p:cTn id="15" presetID="9" presetClass="entr" presetSubtype="0" fill="hold" nodeType="clickEffect">
+                                  <p:stCondLst>
+                                    <p:cond delay="0"/>
+                                  </p:stCondLst>
+                                  <p:childTnLst>
+                                    <p:set>
+                                      <p:cBhvr>
+                                        <p:cTn id="16" dur="1" fill="hold">
+                                          <p:stCondLst>
+                                            <p:cond delay="0"/>
+                                          </p:stCondLst>
+                                        </p:cTn>
+                                        <p:tgtEl>
+                                          <p:spTgt spid="2">
+                                            <p:txEl>
+                                              <p:pRg st="4" end="4"/>
+                                            </p:txEl>
+                                          </p:spTgt>
+                                        </p:tgtEl>
+                                        <p:attrNameLst>
+                                          <p:attrName>style.visibility</p:attrName>
+                                        </p:attrNameLst>
+                                      </p:cBhvr>
+                                      <p:to>
+                                        <p:strVal val="visible"/>
+                                      </p:to>
+                                    </p:set>
+                                    <p:animEffect transition="in" filter="dissolve">
+                                      <p:cBhvr>
+                                        <p:cTn id="17" dur="500"/>
+                                        <p:tgtEl>
+                                          <p:spTgt spid="2">
+                                            <p:txEl>
+                                              <p:pRg st="4" end="4"/>
+                                            </p:txEl>
+                                          </p:spTgt>
+                                        </p:tgtEl>
+                                      </p:cBhvr>
+                                    </p:animEffect>
+                                  </p:childTnLst>
+                                </p:cTn>
+                              </p:par>
+                            </p:childTnLst>
+                          </p:cTn>
+                        </p:par>
+                      </p:childTnLst>
+                    </p:cTn>
+                  </p:par>
+                </p:childTnLst>
+              </p:cTn>
+              <p:prevCondLst>
+                <p:cond evt="onPrev" delay="0">
+                  <p:tgtEl>
+                    <p:sldTgt/>
+                  </p:tgtEl>
+                </p:cond>
+              </p:prevCondLst>
+              <p:nextCondLst>
+                <p:cond evt="onNext" delay="0">
+                  <p:tgtEl>
+                    <p:sldTgt/>
+                  </p:tgtEl>
+                </p:cond>
+              </p:nextCondLst>
+            </p:seq>
+          </p:childTnLst>
+        </p:cTn>
+      </p:par>
+    </p:tnLst>
+  </p:timing>
+</p:sld>
+</file>
+
+<file path=ppt/slides/slide22.xml><?xml version="1.0" encoding="utf-8"?>
+<p:sld xmlns:a="http://schemas.openxmlformats.org/drawingml/2006/main" xmlns:r="http://schemas.openxmlformats.org/officeDocument/2006/relationships" xmlns:p="http://schemas.openxmlformats.org/presentationml/2006/main">
+  <p:cSld>
+    <p:spTree>
+      <p:nvGrpSpPr>
+        <p:cNvPr id="1" name=""/>
+        <p:cNvGrpSpPr/>
+        <p:nvPr/>
+      </p:nvGrpSpPr>
+      <p:grpSpPr>
+        <a:xfrm>
+          <a:off x="0" y="0"/>
+          <a:ext cx="0" cy="0"/>
+          <a:chOff x="0" y="0"/>
+          <a:chExt cx="0" cy="0"/>
+        </a:xfrm>
+      </p:grpSpPr>
       <p:pic>
         <p:nvPicPr>
           <p:cNvPr id="2" name="图片 1">
@@ -19787,7 +20159,7 @@
 </p:sld>
 </file>
 
-<file path=ppt/slides/slide21.xml><?xml version="1.0" encoding="utf-8"?>
+<file path=ppt/slides/slide23.xml><?xml version="1.0" encoding="utf-8"?>
 <p:sld xmlns:a="http://schemas.openxmlformats.org/drawingml/2006/main" xmlns:r="http://schemas.openxmlformats.org/officeDocument/2006/relationships" xmlns:p="http://schemas.openxmlformats.org/presentationml/2006/main">
   <p:cSld>
     <p:spTree>
@@ -20799,7 +21171,7 @@
 </p:sld>
 </file>
 
-<file path=ppt/slides/slide22.xml><?xml version="1.0" encoding="utf-8"?>
+<file path=ppt/slides/slide24.xml><?xml version="1.0" encoding="utf-8"?>
 <p:sld xmlns:a="http://schemas.openxmlformats.org/drawingml/2006/main" xmlns:r="http://schemas.openxmlformats.org/officeDocument/2006/relationships" xmlns:p="http://schemas.openxmlformats.org/presentationml/2006/main">
   <p:cSld>
     <p:spTree>
@@ -21428,7 +21800,7 @@
 </p:sld>
 </file>
 
-<file path=ppt/slides/slide23.xml><?xml version="1.0" encoding="utf-8"?>
+<file path=ppt/slides/slide25.xml><?xml version="1.0" encoding="utf-8"?>
 <p:sld xmlns:a="http://schemas.openxmlformats.org/drawingml/2006/main" xmlns:r="http://schemas.openxmlformats.org/officeDocument/2006/relationships" xmlns:p="http://schemas.openxmlformats.org/presentationml/2006/main">
   <p:cSld>
     <p:spTree>
@@ -21903,7 +22275,7 @@
 </p:sld>
 </file>
 
-<file path=ppt/slides/slide24.xml><?xml version="1.0" encoding="utf-8"?>
+<file path=ppt/slides/slide26.xml><?xml version="1.0" encoding="utf-8"?>
 <p:sld xmlns:a="http://schemas.openxmlformats.org/drawingml/2006/main" xmlns:r="http://schemas.openxmlformats.org/officeDocument/2006/relationships" xmlns:p="http://schemas.openxmlformats.org/presentationml/2006/main">
   <p:cSld>
     <p:spTree>
@@ -22437,7 +22809,7 @@
 </p:sld>
 </file>
 
-<file path=ppt/slides/slide25.xml><?xml version="1.0" encoding="utf-8"?>
+<file path=ppt/slides/slide27.xml><?xml version="1.0" encoding="utf-8"?>
 <p:sld xmlns:a="http://schemas.openxmlformats.org/drawingml/2006/main" xmlns:r="http://schemas.openxmlformats.org/officeDocument/2006/relationships" xmlns:p="http://schemas.openxmlformats.org/presentationml/2006/main">
   <p:cSld>
     <p:spTree>
@@ -23439,7 +23811,7 @@
 </p:sld>
 </file>
 
-<file path=ppt/slides/slide26.xml><?xml version="1.0" encoding="utf-8"?>
+<file path=ppt/slides/slide28.xml><?xml version="1.0" encoding="utf-8"?>
 <p:sld xmlns:a="http://schemas.openxmlformats.org/drawingml/2006/main" xmlns:r="http://schemas.openxmlformats.org/officeDocument/2006/relationships" xmlns:p="http://schemas.openxmlformats.org/presentationml/2006/main">
   <p:cSld>
     <p:spTree>
@@ -23952,7 +24324,7 @@
 </p:sld>
 </file>
 
-<file path=ppt/slides/slide27.xml><?xml version="1.0" encoding="utf-8"?>
+<file path=ppt/slides/slide29.xml><?xml version="1.0" encoding="utf-8"?>
 <p:sld xmlns:a="http://schemas.openxmlformats.org/drawingml/2006/main" xmlns:r="http://schemas.openxmlformats.org/officeDocument/2006/relationships" xmlns:p="http://schemas.openxmlformats.org/presentationml/2006/main">
   <p:cSld>
     <p:spTree>
@@ -24554,7 +24926,510 @@
 </p:sld>
 </file>
 
-<file path=ppt/slides/slide28.xml><?xml version="1.0" encoding="utf-8"?>
+<file path=ppt/slides/slide3.xml><?xml version="1.0" encoding="utf-8"?>
+<p:sld xmlns:a="http://schemas.openxmlformats.org/drawingml/2006/main" xmlns:r="http://schemas.openxmlformats.org/officeDocument/2006/relationships" xmlns:p="http://schemas.openxmlformats.org/presentationml/2006/main">
+  <p:cSld>
+    <p:spTree>
+      <p:nvGrpSpPr>
+        <p:cNvPr id="1" name=""/>
+        <p:cNvGrpSpPr/>
+        <p:nvPr/>
+      </p:nvGrpSpPr>
+      <p:grpSpPr>
+        <a:xfrm>
+          <a:off x="0" y="0"/>
+          <a:ext cx="0" cy="0"/>
+          <a:chOff x="0" y="0"/>
+          <a:chExt cx="0" cy="0"/>
+        </a:xfrm>
+      </p:grpSpPr>
+      <p:sp>
+        <p:nvSpPr>
+          <p:cNvPr id="46" name="文本框 45"/>
+          <p:cNvSpPr txBox="1"/>
+          <p:nvPr/>
+        </p:nvSpPr>
+        <p:spPr>
+          <a:xfrm>
+            <a:off x="332326" y="547575"/>
+            <a:ext cx="4956179" cy="461665"/>
+          </a:xfrm>
+          <a:prstGeom prst="rect">
+            <a:avLst/>
+          </a:prstGeom>
+          <a:noFill/>
+        </p:spPr>
+        <p:txBody>
+          <a:bodyPr wrap="square" rtlCol="0">
+            <a:spAutoFit/>
+          </a:bodyPr>
+          <a:lstStyle/>
+          <a:p>
+            <a:pPr algn="ctr" defTabSz="914309">
+              <a:defRPr/>
+            </a:pPr>
+            <a:r>
+              <a:rPr lang="zh-CN" altLang="en-US" sz="2400" b="1" dirty="0">
+                <a:solidFill>
+                  <a:prstClr val="white"/>
+                </a:solidFill>
+                <a:latin typeface="+mn-ea"/>
+                <a:cs typeface="+mn-ea"/>
+                <a:sym typeface="+mn-lt"/>
+              </a:rPr>
+              <a:t>第一节  </a:t>
+            </a:r>
+            <a:r>
+              <a:rPr lang="en-US" altLang="zh-CN" sz="2400" b="1" dirty="0">
+                <a:solidFill>
+                  <a:prstClr val="white"/>
+                </a:solidFill>
+                <a:latin typeface="+mn-ea"/>
+                <a:cs typeface="+mn-ea"/>
+                <a:sym typeface="+mn-lt"/>
+              </a:rPr>
+              <a:t>HDFS</a:t>
+            </a:r>
+            <a:r>
+              <a:rPr lang="zh-CN" altLang="en-US" sz="2400" b="1" dirty="0">
+                <a:solidFill>
+                  <a:prstClr val="white"/>
+                </a:solidFill>
+                <a:latin typeface="+mn-ea"/>
+                <a:cs typeface="+mn-ea"/>
+                <a:sym typeface="+mn-lt"/>
+              </a:rPr>
+              <a:t>的架构与基本特征</a:t>
+            </a:r>
+          </a:p>
+        </p:txBody>
+      </p:sp>
+      <p:sp>
+        <p:nvSpPr>
+          <p:cNvPr id="2" name="文本框 1">
+            <a:extLst>
+              <a:ext uri="{FF2B5EF4-FFF2-40B4-BE49-F238E27FC236}">
+                <a16:creationId xmlns:a16="http://schemas.microsoft.com/office/drawing/2014/main" id="{D377A53E-725C-074E-B57D-9C9405BBAF96}"/>
+              </a:ext>
+            </a:extLst>
+          </p:cNvPr>
+          <p:cNvSpPr txBox="1"/>
+          <p:nvPr/>
+        </p:nvSpPr>
+        <p:spPr>
+          <a:xfrm>
+            <a:off x="1299579" y="2300957"/>
+            <a:ext cx="6868633" cy="3046988"/>
+          </a:xfrm>
+          <a:prstGeom prst="rect">
+            <a:avLst/>
+          </a:prstGeom>
+          <a:noFill/>
+        </p:spPr>
+        <p:txBody>
+          <a:bodyPr wrap="square" rtlCol="0">
+            <a:spAutoFit/>
+          </a:bodyPr>
+          <a:lstStyle/>
+          <a:p>
+            <a:pPr marL="285750" indent="-285750">
+              <a:buFont typeface="Wingdings" pitchFamily="2" charset="2"/>
+              <a:buChar char="Ø"/>
+            </a:pPr>
+            <a:r>
+              <a:rPr lang="en-US" altLang="zh-CN" sz="2400" kern="0" dirty="0">
+                <a:solidFill>
+                  <a:schemeClr val="bg1"/>
+                </a:solidFill>
+                <a:latin typeface="+mn-ea"/>
+              </a:rPr>
+              <a:t>HDFS</a:t>
+            </a:r>
+            <a:r>
+              <a:rPr lang="zh-CN" altLang="en-US" sz="2400" kern="0" dirty="0">
+                <a:solidFill>
+                  <a:schemeClr val="bg1"/>
+                </a:solidFill>
+                <a:latin typeface="+mn-ea"/>
+              </a:rPr>
+              <a:t>的设计架构</a:t>
+            </a:r>
+            <a:endParaRPr lang="en-US" altLang="zh-CN" sz="2400" kern="0" dirty="0">
+              <a:solidFill>
+                <a:schemeClr val="bg1"/>
+              </a:solidFill>
+              <a:latin typeface="+mn-ea"/>
+            </a:endParaRPr>
+          </a:p>
+          <a:p>
+            <a:pPr marL="285750" indent="-285750">
+              <a:buFont typeface="Wingdings" pitchFamily="2" charset="2"/>
+              <a:buChar char="Ø"/>
+            </a:pPr>
+            <a:endParaRPr lang="en-US" altLang="zh-CN" sz="2400" kern="0" dirty="0">
+              <a:solidFill>
+                <a:schemeClr val="bg1"/>
+              </a:solidFill>
+              <a:latin typeface="+mn-ea"/>
+            </a:endParaRPr>
+          </a:p>
+          <a:p>
+            <a:pPr marL="285750" indent="-285750">
+              <a:buFont typeface="Wingdings" pitchFamily="2" charset="2"/>
+              <a:buChar char="Ø"/>
+            </a:pPr>
+            <a:r>
+              <a:rPr lang="en-US" altLang="zh-CN" sz="2400" kern="0" dirty="0" err="1">
+                <a:solidFill>
+                  <a:schemeClr val="bg1"/>
+                </a:solidFill>
+                <a:latin typeface="+mn-ea"/>
+              </a:rPr>
+              <a:t>NameNode</a:t>
+            </a:r>
+            <a:r>
+              <a:rPr lang="zh-CN" altLang="en-US" sz="2400" kern="0" dirty="0">
+                <a:solidFill>
+                  <a:schemeClr val="bg1"/>
+                </a:solidFill>
+                <a:latin typeface="+mn-ea"/>
+              </a:rPr>
+              <a:t>和</a:t>
+            </a:r>
+            <a:r>
+              <a:rPr lang="en-US" altLang="zh-CN" sz="2400" kern="0" dirty="0" err="1">
+                <a:solidFill>
+                  <a:schemeClr val="bg1"/>
+                </a:solidFill>
+                <a:latin typeface="+mn-ea"/>
+              </a:rPr>
+              <a:t>DataNode</a:t>
+            </a:r>
+            <a:r>
+              <a:rPr lang="zh-CN" altLang="en-US" sz="2400" kern="0" dirty="0">
+                <a:solidFill>
+                  <a:schemeClr val="bg1"/>
+                </a:solidFill>
+                <a:latin typeface="+mn-ea"/>
+              </a:rPr>
+              <a:t>内部逻辑</a:t>
+            </a:r>
+            <a:endParaRPr lang="en-US" altLang="zh-CN" sz="2400" kern="0" dirty="0">
+              <a:solidFill>
+                <a:schemeClr val="bg1"/>
+              </a:solidFill>
+              <a:latin typeface="+mn-ea"/>
+            </a:endParaRPr>
+          </a:p>
+          <a:p>
+            <a:pPr marL="285750" indent="-285750">
+              <a:buFont typeface="Wingdings" pitchFamily="2" charset="2"/>
+              <a:buChar char="Ø"/>
+            </a:pPr>
+            <a:endParaRPr lang="en-US" altLang="zh-CN" sz="2400" kern="0" dirty="0">
+              <a:solidFill>
+                <a:schemeClr val="bg1"/>
+              </a:solidFill>
+              <a:latin typeface="+mn-ea"/>
+            </a:endParaRPr>
+          </a:p>
+          <a:p>
+            <a:pPr marL="285750" indent="-285750">
+              <a:buFont typeface="Wingdings" pitchFamily="2" charset="2"/>
+              <a:buChar char="Ø"/>
+            </a:pPr>
+            <a:r>
+              <a:rPr lang="en-US" altLang="zh-CN" sz="2400" kern="0" dirty="0">
+                <a:solidFill>
+                  <a:schemeClr val="bg1"/>
+                </a:solidFill>
+                <a:latin typeface="+mn-ea"/>
+              </a:rPr>
+              <a:t>HDFS</a:t>
+            </a:r>
+            <a:r>
+              <a:rPr lang="zh-CN" altLang="en-US" sz="2400" kern="0" dirty="0">
+                <a:solidFill>
+                  <a:schemeClr val="bg1"/>
+                </a:solidFill>
+                <a:latin typeface="+mn-ea"/>
+              </a:rPr>
+              <a:t>的数据读写流程</a:t>
+            </a:r>
+            <a:endParaRPr lang="en-US" altLang="zh-CN" sz="2400" kern="0" dirty="0">
+              <a:solidFill>
+                <a:schemeClr val="bg1"/>
+              </a:solidFill>
+              <a:latin typeface="+mn-ea"/>
+            </a:endParaRPr>
+          </a:p>
+          <a:p>
+            <a:pPr marL="285750" indent="-285750">
+              <a:buFont typeface="Wingdings" pitchFamily="2" charset="2"/>
+              <a:buChar char="Ø"/>
+            </a:pPr>
+            <a:endParaRPr lang="en-US" altLang="zh-CN" sz="2400" kern="0" dirty="0">
+              <a:solidFill>
+                <a:schemeClr val="bg1"/>
+              </a:solidFill>
+              <a:latin typeface="+mn-ea"/>
+            </a:endParaRPr>
+          </a:p>
+          <a:p>
+            <a:pPr marL="285750" indent="-285750">
+              <a:buFont typeface="Wingdings" pitchFamily="2" charset="2"/>
+              <a:buChar char="Ø"/>
+            </a:pPr>
+            <a:endParaRPr lang="en-US" altLang="zh-CN" sz="2400" kern="0" dirty="0">
+              <a:solidFill>
+                <a:schemeClr val="bg1"/>
+              </a:solidFill>
+              <a:latin typeface="+mn-ea"/>
+            </a:endParaRPr>
+          </a:p>
+          <a:p>
+            <a:pPr marL="285750" indent="-285750">
+              <a:buFont typeface="Wingdings" pitchFamily="2" charset="2"/>
+              <a:buChar char="Ø"/>
+            </a:pPr>
+            <a:endParaRPr kumimoji="1" lang="zh-CN" altLang="en-US" sz="2400" dirty="0">
+              <a:solidFill>
+                <a:schemeClr val="bg1"/>
+              </a:solidFill>
+            </a:endParaRPr>
+          </a:p>
+        </p:txBody>
+      </p:sp>
+    </p:spTree>
+    <p:extLst>
+      <p:ext uri="{BB962C8B-B14F-4D97-AF65-F5344CB8AC3E}">
+        <p14:creationId xmlns:p14="http://schemas.microsoft.com/office/powerpoint/2010/main" val="2214057841"/>
+      </p:ext>
+    </p:extLst>
+  </p:cSld>
+  <p:clrMapOvr>
+    <a:masterClrMapping/>
+  </p:clrMapOvr>
+  <p:transition spd="med" advClick="0" advTm="1000">
+    <p:fade/>
+  </p:transition>
+  <p:timing>
+    <p:tnLst>
+      <p:par>
+        <p:cTn id="1" dur="indefinite" restart="never" nodeType="tmRoot">
+          <p:childTnLst>
+            <p:seq concurrent="1" nextAc="seek">
+              <p:cTn id="2" dur="indefinite" nodeType="mainSeq">
+                <p:childTnLst>
+                  <p:par>
+                    <p:cTn id="3" fill="hold">
+                      <p:stCondLst>
+                        <p:cond delay="indefinite"/>
+                      </p:stCondLst>
+                      <p:childTnLst>
+                        <p:par>
+                          <p:cTn id="4" fill="hold">
+                            <p:stCondLst>
+                              <p:cond delay="0"/>
+                            </p:stCondLst>
+                            <p:childTnLst>
+                              <p:par>
+                                <p:cTn id="5" presetID="3" presetClass="entr" presetSubtype="10" fill="hold" nodeType="clickEffect">
+                                  <p:stCondLst>
+                                    <p:cond delay="0"/>
+                                  </p:stCondLst>
+                                  <p:childTnLst>
+                                    <p:set>
+                                      <p:cBhvr>
+                                        <p:cTn id="6" dur="1" fill="hold">
+                                          <p:stCondLst>
+                                            <p:cond delay="0"/>
+                                          </p:stCondLst>
+                                        </p:cTn>
+                                        <p:tgtEl>
+                                          <p:spTgt spid="2">
+                                            <p:txEl>
+                                              <p:pRg st="0" end="0"/>
+                                            </p:txEl>
+                                          </p:spTgt>
+                                        </p:tgtEl>
+                                        <p:attrNameLst>
+                                          <p:attrName>style.visibility</p:attrName>
+                                        </p:attrNameLst>
+                                      </p:cBhvr>
+                                      <p:to>
+                                        <p:strVal val="visible"/>
+                                      </p:to>
+                                    </p:set>
+                                    <p:animEffect transition="in" filter="blinds(horizontal)">
+                                      <p:cBhvr>
+                                        <p:cTn id="7" dur="500"/>
+                                        <p:tgtEl>
+                                          <p:spTgt spid="2">
+                                            <p:txEl>
+                                              <p:pRg st="0" end="0"/>
+                                            </p:txEl>
+                                          </p:spTgt>
+                                        </p:tgtEl>
+                                      </p:cBhvr>
+                                    </p:animEffect>
+                                  </p:childTnLst>
+                                </p:cTn>
+                              </p:par>
+                            </p:childTnLst>
+                          </p:cTn>
+                        </p:par>
+                      </p:childTnLst>
+                    </p:cTn>
+                  </p:par>
+                  <p:par>
+                    <p:cTn id="8" fill="hold">
+                      <p:stCondLst>
+                        <p:cond delay="indefinite"/>
+                      </p:stCondLst>
+                      <p:childTnLst>
+                        <p:par>
+                          <p:cTn id="9" fill="hold">
+                            <p:stCondLst>
+                              <p:cond delay="0"/>
+                            </p:stCondLst>
+                            <p:childTnLst>
+                              <p:par>
+                                <p:cTn id="10" presetID="5" presetClass="entr" presetSubtype="10" fill="hold" nodeType="clickEffect">
+                                  <p:stCondLst>
+                                    <p:cond delay="0"/>
+                                  </p:stCondLst>
+                                  <p:childTnLst>
+                                    <p:set>
+                                      <p:cBhvr>
+                                        <p:cTn id="11" dur="1" fill="hold">
+                                          <p:stCondLst>
+                                            <p:cond delay="0"/>
+                                          </p:stCondLst>
+                                        </p:cTn>
+                                        <p:tgtEl>
+                                          <p:spTgt spid="2">
+                                            <p:txEl>
+                                              <p:pRg st="2" end="2"/>
+                                            </p:txEl>
+                                          </p:spTgt>
+                                        </p:tgtEl>
+                                        <p:attrNameLst>
+                                          <p:attrName>style.visibility</p:attrName>
+                                        </p:attrNameLst>
+                                      </p:cBhvr>
+                                      <p:to>
+                                        <p:strVal val="visible"/>
+                                      </p:to>
+                                    </p:set>
+                                    <p:animEffect transition="in" filter="checkerboard(across)">
+                                      <p:cBhvr>
+                                        <p:cTn id="12" dur="500"/>
+                                        <p:tgtEl>
+                                          <p:spTgt spid="2">
+                                            <p:txEl>
+                                              <p:pRg st="2" end="2"/>
+                                            </p:txEl>
+                                          </p:spTgt>
+                                        </p:tgtEl>
+                                      </p:cBhvr>
+                                    </p:animEffect>
+                                  </p:childTnLst>
+                                </p:cTn>
+                              </p:par>
+                            </p:childTnLst>
+                          </p:cTn>
+                        </p:par>
+                      </p:childTnLst>
+                    </p:cTn>
+                  </p:par>
+                  <p:par>
+                    <p:cTn id="13" fill="hold">
+                      <p:stCondLst>
+                        <p:cond delay="indefinite"/>
+                      </p:stCondLst>
+                      <p:childTnLst>
+                        <p:par>
+                          <p:cTn id="14" fill="hold">
+                            <p:stCondLst>
+                              <p:cond delay="0"/>
+                            </p:stCondLst>
+                            <p:childTnLst>
+                              <p:par>
+                                <p:cTn id="15" presetID="9" presetClass="entr" presetSubtype="0" fill="hold" nodeType="clickEffect">
+                                  <p:stCondLst>
+                                    <p:cond delay="0"/>
+                                  </p:stCondLst>
+                                  <p:childTnLst>
+                                    <p:set>
+                                      <p:cBhvr>
+                                        <p:cTn id="16" dur="1" fill="hold">
+                                          <p:stCondLst>
+                                            <p:cond delay="0"/>
+                                          </p:stCondLst>
+                                        </p:cTn>
+                                        <p:tgtEl>
+                                          <p:spTgt spid="2">
+                                            <p:txEl>
+                                              <p:pRg st="4" end="4"/>
+                                            </p:txEl>
+                                          </p:spTgt>
+                                        </p:tgtEl>
+                                        <p:attrNameLst>
+                                          <p:attrName>style.visibility</p:attrName>
+                                        </p:attrNameLst>
+                                      </p:cBhvr>
+                                      <p:to>
+                                        <p:strVal val="visible"/>
+                                      </p:to>
+                                    </p:set>
+                                    <p:animEffect transition="in" filter="dissolve">
+                                      <p:cBhvr>
+                                        <p:cTn id="17" dur="500"/>
+                                        <p:tgtEl>
+                                          <p:spTgt spid="2">
+                                            <p:txEl>
+                                              <p:pRg st="4" end="4"/>
+                                            </p:txEl>
+                                          </p:spTgt>
+                                        </p:tgtEl>
+                                      </p:cBhvr>
+                                    </p:animEffect>
+                                  </p:childTnLst>
+                                </p:cTn>
+                              </p:par>
+                            </p:childTnLst>
+                          </p:cTn>
+                        </p:par>
+                      </p:childTnLst>
+                    </p:cTn>
+                  </p:par>
+                </p:childTnLst>
+              </p:cTn>
+              <p:prevCondLst>
+                <p:cond evt="onPrev" delay="0">
+                  <p:tgtEl>
+                    <p:sldTgt/>
+                  </p:tgtEl>
+                </p:cond>
+              </p:prevCondLst>
+              <p:nextCondLst>
+                <p:cond evt="onNext" delay="0">
+                  <p:tgtEl>
+                    <p:sldTgt/>
+                  </p:tgtEl>
+                </p:cond>
+              </p:nextCondLst>
+            </p:seq>
+          </p:childTnLst>
+        </p:cTn>
+      </p:par>
+    </p:tnLst>
+  </p:timing>
+</p:sld>
+</file>
+
+<file path=ppt/slides/slide30.xml><?xml version="1.0" encoding="utf-8"?>
 <p:sld xmlns:a="http://schemas.openxmlformats.org/drawingml/2006/main" xmlns:r="http://schemas.openxmlformats.org/officeDocument/2006/relationships" xmlns:p="http://schemas.openxmlformats.org/presentationml/2006/main">
   <p:cSld>
     <p:spTree>
@@ -25649,7 +26524,7 @@
 </p:sld>
 </file>
 
-<file path=ppt/slides/slide29.xml><?xml version="1.0" encoding="utf-8"?>
+<file path=ppt/slides/slide31.xml><?xml version="1.0" encoding="utf-8"?>
 <p:sld xmlns:a="http://schemas.openxmlformats.org/drawingml/2006/main" xmlns:r="http://schemas.openxmlformats.org/officeDocument/2006/relationships" xmlns:p="http://schemas.openxmlformats.org/presentationml/2006/main">
   <p:cSld>
     <p:spTree>
@@ -26231,510 +27106,7 @@
 </p:sld>
 </file>
 
-<file path=ppt/slides/slide3.xml><?xml version="1.0" encoding="utf-8"?>
-<p:sld xmlns:a="http://schemas.openxmlformats.org/drawingml/2006/main" xmlns:r="http://schemas.openxmlformats.org/officeDocument/2006/relationships" xmlns:p="http://schemas.openxmlformats.org/presentationml/2006/main">
-  <p:cSld>
-    <p:spTree>
-      <p:nvGrpSpPr>
-        <p:cNvPr id="1" name=""/>
-        <p:cNvGrpSpPr/>
-        <p:nvPr/>
-      </p:nvGrpSpPr>
-      <p:grpSpPr>
-        <a:xfrm>
-          <a:off x="0" y="0"/>
-          <a:ext cx="0" cy="0"/>
-          <a:chOff x="0" y="0"/>
-          <a:chExt cx="0" cy="0"/>
-        </a:xfrm>
-      </p:grpSpPr>
-      <p:sp>
-        <p:nvSpPr>
-          <p:cNvPr id="46" name="文本框 45"/>
-          <p:cNvSpPr txBox="1"/>
-          <p:nvPr/>
-        </p:nvSpPr>
-        <p:spPr>
-          <a:xfrm>
-            <a:off x="332326" y="547575"/>
-            <a:ext cx="4956179" cy="461665"/>
-          </a:xfrm>
-          <a:prstGeom prst="rect">
-            <a:avLst/>
-          </a:prstGeom>
-          <a:noFill/>
-        </p:spPr>
-        <p:txBody>
-          <a:bodyPr wrap="square" rtlCol="0">
-            <a:spAutoFit/>
-          </a:bodyPr>
-          <a:lstStyle/>
-          <a:p>
-            <a:pPr algn="ctr" defTabSz="914309">
-              <a:defRPr/>
-            </a:pPr>
-            <a:r>
-              <a:rPr lang="zh-CN" altLang="en-US" sz="2400" b="1" dirty="0">
-                <a:solidFill>
-                  <a:prstClr val="white"/>
-                </a:solidFill>
-                <a:latin typeface="+mn-ea"/>
-                <a:cs typeface="+mn-ea"/>
-                <a:sym typeface="+mn-lt"/>
-              </a:rPr>
-              <a:t>第一节  </a:t>
-            </a:r>
-            <a:r>
-              <a:rPr lang="en-US" altLang="zh-CN" sz="2400" b="1" dirty="0">
-                <a:solidFill>
-                  <a:prstClr val="white"/>
-                </a:solidFill>
-                <a:latin typeface="+mn-ea"/>
-                <a:cs typeface="+mn-ea"/>
-                <a:sym typeface="+mn-lt"/>
-              </a:rPr>
-              <a:t>HDFS</a:t>
-            </a:r>
-            <a:r>
-              <a:rPr lang="zh-CN" altLang="en-US" sz="2400" b="1" dirty="0">
-                <a:solidFill>
-                  <a:prstClr val="white"/>
-                </a:solidFill>
-                <a:latin typeface="+mn-ea"/>
-                <a:cs typeface="+mn-ea"/>
-                <a:sym typeface="+mn-lt"/>
-              </a:rPr>
-              <a:t>的架构与基本特征</a:t>
-            </a:r>
-          </a:p>
-        </p:txBody>
-      </p:sp>
-      <p:sp>
-        <p:nvSpPr>
-          <p:cNvPr id="2" name="文本框 1">
-            <a:extLst>
-              <a:ext uri="{FF2B5EF4-FFF2-40B4-BE49-F238E27FC236}">
-                <a16:creationId xmlns:a16="http://schemas.microsoft.com/office/drawing/2014/main" id="{D377A53E-725C-074E-B57D-9C9405BBAF96}"/>
-              </a:ext>
-            </a:extLst>
-          </p:cNvPr>
-          <p:cNvSpPr txBox="1"/>
-          <p:nvPr/>
-        </p:nvSpPr>
-        <p:spPr>
-          <a:xfrm>
-            <a:off x="1299579" y="2300957"/>
-            <a:ext cx="6868633" cy="3046988"/>
-          </a:xfrm>
-          <a:prstGeom prst="rect">
-            <a:avLst/>
-          </a:prstGeom>
-          <a:noFill/>
-        </p:spPr>
-        <p:txBody>
-          <a:bodyPr wrap="square" rtlCol="0">
-            <a:spAutoFit/>
-          </a:bodyPr>
-          <a:lstStyle/>
-          <a:p>
-            <a:pPr marL="285750" indent="-285750">
-              <a:buFont typeface="Wingdings" pitchFamily="2" charset="2"/>
-              <a:buChar char="Ø"/>
-            </a:pPr>
-            <a:r>
-              <a:rPr lang="en-US" altLang="zh-CN" sz="2400" kern="0" dirty="0">
-                <a:solidFill>
-                  <a:schemeClr val="bg1"/>
-                </a:solidFill>
-                <a:latin typeface="+mn-ea"/>
-              </a:rPr>
-              <a:t>HDFS</a:t>
-            </a:r>
-            <a:r>
-              <a:rPr lang="zh-CN" altLang="en-US" sz="2400" kern="0" dirty="0">
-                <a:solidFill>
-                  <a:schemeClr val="bg1"/>
-                </a:solidFill>
-                <a:latin typeface="+mn-ea"/>
-              </a:rPr>
-              <a:t>的设计架构</a:t>
-            </a:r>
-            <a:endParaRPr lang="en-US" altLang="zh-CN" sz="2400" kern="0" dirty="0">
-              <a:solidFill>
-                <a:schemeClr val="bg1"/>
-              </a:solidFill>
-              <a:latin typeface="+mn-ea"/>
-            </a:endParaRPr>
-          </a:p>
-          <a:p>
-            <a:pPr marL="285750" indent="-285750">
-              <a:buFont typeface="Wingdings" pitchFamily="2" charset="2"/>
-              <a:buChar char="Ø"/>
-            </a:pPr>
-            <a:endParaRPr lang="en-US" altLang="zh-CN" sz="2400" kern="0" dirty="0">
-              <a:solidFill>
-                <a:schemeClr val="bg1"/>
-              </a:solidFill>
-              <a:latin typeface="+mn-ea"/>
-            </a:endParaRPr>
-          </a:p>
-          <a:p>
-            <a:pPr marL="285750" indent="-285750">
-              <a:buFont typeface="Wingdings" pitchFamily="2" charset="2"/>
-              <a:buChar char="Ø"/>
-            </a:pPr>
-            <a:r>
-              <a:rPr lang="en-US" altLang="zh-CN" sz="2400" kern="0" dirty="0" err="1">
-                <a:solidFill>
-                  <a:schemeClr val="bg1"/>
-                </a:solidFill>
-                <a:latin typeface="+mn-ea"/>
-              </a:rPr>
-              <a:t>NameNode</a:t>
-            </a:r>
-            <a:r>
-              <a:rPr lang="zh-CN" altLang="en-US" sz="2400" kern="0" dirty="0">
-                <a:solidFill>
-                  <a:schemeClr val="bg1"/>
-                </a:solidFill>
-                <a:latin typeface="+mn-ea"/>
-              </a:rPr>
-              <a:t>和</a:t>
-            </a:r>
-            <a:r>
-              <a:rPr lang="en-US" altLang="zh-CN" sz="2400" kern="0" dirty="0" err="1">
-                <a:solidFill>
-                  <a:schemeClr val="bg1"/>
-                </a:solidFill>
-                <a:latin typeface="+mn-ea"/>
-              </a:rPr>
-              <a:t>DataNode</a:t>
-            </a:r>
-            <a:r>
-              <a:rPr lang="zh-CN" altLang="en-US" sz="2400" kern="0" dirty="0">
-                <a:solidFill>
-                  <a:schemeClr val="bg1"/>
-                </a:solidFill>
-                <a:latin typeface="+mn-ea"/>
-              </a:rPr>
-              <a:t>内部逻辑</a:t>
-            </a:r>
-            <a:endParaRPr lang="en-US" altLang="zh-CN" sz="2400" kern="0" dirty="0">
-              <a:solidFill>
-                <a:schemeClr val="bg1"/>
-              </a:solidFill>
-              <a:latin typeface="+mn-ea"/>
-            </a:endParaRPr>
-          </a:p>
-          <a:p>
-            <a:pPr marL="285750" indent="-285750">
-              <a:buFont typeface="Wingdings" pitchFamily="2" charset="2"/>
-              <a:buChar char="Ø"/>
-            </a:pPr>
-            <a:endParaRPr lang="en-US" altLang="zh-CN" sz="2400" kern="0" dirty="0">
-              <a:solidFill>
-                <a:schemeClr val="bg1"/>
-              </a:solidFill>
-              <a:latin typeface="+mn-ea"/>
-            </a:endParaRPr>
-          </a:p>
-          <a:p>
-            <a:pPr marL="285750" indent="-285750">
-              <a:buFont typeface="Wingdings" pitchFamily="2" charset="2"/>
-              <a:buChar char="Ø"/>
-            </a:pPr>
-            <a:r>
-              <a:rPr lang="en-US" altLang="zh-CN" sz="2400" kern="0" dirty="0">
-                <a:solidFill>
-                  <a:schemeClr val="bg1"/>
-                </a:solidFill>
-                <a:latin typeface="+mn-ea"/>
-              </a:rPr>
-              <a:t>HDFS</a:t>
-            </a:r>
-            <a:r>
-              <a:rPr lang="zh-CN" altLang="en-US" sz="2400" kern="0" dirty="0">
-                <a:solidFill>
-                  <a:schemeClr val="bg1"/>
-                </a:solidFill>
-                <a:latin typeface="+mn-ea"/>
-              </a:rPr>
-              <a:t>的数据读写流程</a:t>
-            </a:r>
-            <a:endParaRPr lang="en-US" altLang="zh-CN" sz="2400" kern="0" dirty="0">
-              <a:solidFill>
-                <a:schemeClr val="bg1"/>
-              </a:solidFill>
-              <a:latin typeface="+mn-ea"/>
-            </a:endParaRPr>
-          </a:p>
-          <a:p>
-            <a:pPr marL="285750" indent="-285750">
-              <a:buFont typeface="Wingdings" pitchFamily="2" charset="2"/>
-              <a:buChar char="Ø"/>
-            </a:pPr>
-            <a:endParaRPr lang="en-US" altLang="zh-CN" sz="2400" kern="0" dirty="0">
-              <a:solidFill>
-                <a:schemeClr val="bg1"/>
-              </a:solidFill>
-              <a:latin typeface="+mn-ea"/>
-            </a:endParaRPr>
-          </a:p>
-          <a:p>
-            <a:pPr marL="285750" indent="-285750">
-              <a:buFont typeface="Wingdings" pitchFamily="2" charset="2"/>
-              <a:buChar char="Ø"/>
-            </a:pPr>
-            <a:endParaRPr lang="en-US" altLang="zh-CN" sz="2400" kern="0" dirty="0">
-              <a:solidFill>
-                <a:schemeClr val="bg1"/>
-              </a:solidFill>
-              <a:latin typeface="+mn-ea"/>
-            </a:endParaRPr>
-          </a:p>
-          <a:p>
-            <a:pPr marL="285750" indent="-285750">
-              <a:buFont typeface="Wingdings" pitchFamily="2" charset="2"/>
-              <a:buChar char="Ø"/>
-            </a:pPr>
-            <a:endParaRPr kumimoji="1" lang="zh-CN" altLang="en-US" sz="2400" dirty="0">
-              <a:solidFill>
-                <a:schemeClr val="bg1"/>
-              </a:solidFill>
-            </a:endParaRPr>
-          </a:p>
-        </p:txBody>
-      </p:sp>
-    </p:spTree>
-    <p:extLst>
-      <p:ext uri="{BB962C8B-B14F-4D97-AF65-F5344CB8AC3E}">
-        <p14:creationId xmlns:p14="http://schemas.microsoft.com/office/powerpoint/2010/main" val="2214057841"/>
-      </p:ext>
-    </p:extLst>
-  </p:cSld>
-  <p:clrMapOvr>
-    <a:masterClrMapping/>
-  </p:clrMapOvr>
-  <p:transition spd="med" advClick="0" advTm="1000">
-    <p:fade/>
-  </p:transition>
-  <p:timing>
-    <p:tnLst>
-      <p:par>
-        <p:cTn id="1" dur="indefinite" restart="never" nodeType="tmRoot">
-          <p:childTnLst>
-            <p:seq concurrent="1" nextAc="seek">
-              <p:cTn id="2" dur="indefinite" nodeType="mainSeq">
-                <p:childTnLst>
-                  <p:par>
-                    <p:cTn id="3" fill="hold">
-                      <p:stCondLst>
-                        <p:cond delay="indefinite"/>
-                      </p:stCondLst>
-                      <p:childTnLst>
-                        <p:par>
-                          <p:cTn id="4" fill="hold">
-                            <p:stCondLst>
-                              <p:cond delay="0"/>
-                            </p:stCondLst>
-                            <p:childTnLst>
-                              <p:par>
-                                <p:cTn id="5" presetID="3" presetClass="entr" presetSubtype="10" fill="hold" nodeType="clickEffect">
-                                  <p:stCondLst>
-                                    <p:cond delay="0"/>
-                                  </p:stCondLst>
-                                  <p:childTnLst>
-                                    <p:set>
-                                      <p:cBhvr>
-                                        <p:cTn id="6" dur="1" fill="hold">
-                                          <p:stCondLst>
-                                            <p:cond delay="0"/>
-                                          </p:stCondLst>
-                                        </p:cTn>
-                                        <p:tgtEl>
-                                          <p:spTgt spid="2">
-                                            <p:txEl>
-                                              <p:pRg st="0" end="0"/>
-                                            </p:txEl>
-                                          </p:spTgt>
-                                        </p:tgtEl>
-                                        <p:attrNameLst>
-                                          <p:attrName>style.visibility</p:attrName>
-                                        </p:attrNameLst>
-                                      </p:cBhvr>
-                                      <p:to>
-                                        <p:strVal val="visible"/>
-                                      </p:to>
-                                    </p:set>
-                                    <p:animEffect transition="in" filter="blinds(horizontal)">
-                                      <p:cBhvr>
-                                        <p:cTn id="7" dur="500"/>
-                                        <p:tgtEl>
-                                          <p:spTgt spid="2">
-                                            <p:txEl>
-                                              <p:pRg st="0" end="0"/>
-                                            </p:txEl>
-                                          </p:spTgt>
-                                        </p:tgtEl>
-                                      </p:cBhvr>
-                                    </p:animEffect>
-                                  </p:childTnLst>
-                                </p:cTn>
-                              </p:par>
-                            </p:childTnLst>
-                          </p:cTn>
-                        </p:par>
-                      </p:childTnLst>
-                    </p:cTn>
-                  </p:par>
-                  <p:par>
-                    <p:cTn id="8" fill="hold">
-                      <p:stCondLst>
-                        <p:cond delay="indefinite"/>
-                      </p:stCondLst>
-                      <p:childTnLst>
-                        <p:par>
-                          <p:cTn id="9" fill="hold">
-                            <p:stCondLst>
-                              <p:cond delay="0"/>
-                            </p:stCondLst>
-                            <p:childTnLst>
-                              <p:par>
-                                <p:cTn id="10" presetID="5" presetClass="entr" presetSubtype="10" fill="hold" nodeType="clickEffect">
-                                  <p:stCondLst>
-                                    <p:cond delay="0"/>
-                                  </p:stCondLst>
-                                  <p:childTnLst>
-                                    <p:set>
-                                      <p:cBhvr>
-                                        <p:cTn id="11" dur="1" fill="hold">
-                                          <p:stCondLst>
-                                            <p:cond delay="0"/>
-                                          </p:stCondLst>
-                                        </p:cTn>
-                                        <p:tgtEl>
-                                          <p:spTgt spid="2">
-                                            <p:txEl>
-                                              <p:pRg st="2" end="2"/>
-                                            </p:txEl>
-                                          </p:spTgt>
-                                        </p:tgtEl>
-                                        <p:attrNameLst>
-                                          <p:attrName>style.visibility</p:attrName>
-                                        </p:attrNameLst>
-                                      </p:cBhvr>
-                                      <p:to>
-                                        <p:strVal val="visible"/>
-                                      </p:to>
-                                    </p:set>
-                                    <p:animEffect transition="in" filter="checkerboard(across)">
-                                      <p:cBhvr>
-                                        <p:cTn id="12" dur="500"/>
-                                        <p:tgtEl>
-                                          <p:spTgt spid="2">
-                                            <p:txEl>
-                                              <p:pRg st="2" end="2"/>
-                                            </p:txEl>
-                                          </p:spTgt>
-                                        </p:tgtEl>
-                                      </p:cBhvr>
-                                    </p:animEffect>
-                                  </p:childTnLst>
-                                </p:cTn>
-                              </p:par>
-                            </p:childTnLst>
-                          </p:cTn>
-                        </p:par>
-                      </p:childTnLst>
-                    </p:cTn>
-                  </p:par>
-                  <p:par>
-                    <p:cTn id="13" fill="hold">
-                      <p:stCondLst>
-                        <p:cond delay="indefinite"/>
-                      </p:stCondLst>
-                      <p:childTnLst>
-                        <p:par>
-                          <p:cTn id="14" fill="hold">
-                            <p:stCondLst>
-                              <p:cond delay="0"/>
-                            </p:stCondLst>
-                            <p:childTnLst>
-                              <p:par>
-                                <p:cTn id="15" presetID="9" presetClass="entr" presetSubtype="0" fill="hold" nodeType="clickEffect">
-                                  <p:stCondLst>
-                                    <p:cond delay="0"/>
-                                  </p:stCondLst>
-                                  <p:childTnLst>
-                                    <p:set>
-                                      <p:cBhvr>
-                                        <p:cTn id="16" dur="1" fill="hold">
-                                          <p:stCondLst>
-                                            <p:cond delay="0"/>
-                                          </p:stCondLst>
-                                        </p:cTn>
-                                        <p:tgtEl>
-                                          <p:spTgt spid="2">
-                                            <p:txEl>
-                                              <p:pRg st="4" end="4"/>
-                                            </p:txEl>
-                                          </p:spTgt>
-                                        </p:tgtEl>
-                                        <p:attrNameLst>
-                                          <p:attrName>style.visibility</p:attrName>
-                                        </p:attrNameLst>
-                                      </p:cBhvr>
-                                      <p:to>
-                                        <p:strVal val="visible"/>
-                                      </p:to>
-                                    </p:set>
-                                    <p:animEffect transition="in" filter="dissolve">
-                                      <p:cBhvr>
-                                        <p:cTn id="17" dur="500"/>
-                                        <p:tgtEl>
-                                          <p:spTgt spid="2">
-                                            <p:txEl>
-                                              <p:pRg st="4" end="4"/>
-                                            </p:txEl>
-                                          </p:spTgt>
-                                        </p:tgtEl>
-                                      </p:cBhvr>
-                                    </p:animEffect>
-                                  </p:childTnLst>
-                                </p:cTn>
-                              </p:par>
-                            </p:childTnLst>
-                          </p:cTn>
-                        </p:par>
-                      </p:childTnLst>
-                    </p:cTn>
-                  </p:par>
-                </p:childTnLst>
-              </p:cTn>
-              <p:prevCondLst>
-                <p:cond evt="onPrev" delay="0">
-                  <p:tgtEl>
-                    <p:sldTgt/>
-                  </p:tgtEl>
-                </p:cond>
-              </p:prevCondLst>
-              <p:nextCondLst>
-                <p:cond evt="onNext" delay="0">
-                  <p:tgtEl>
-                    <p:sldTgt/>
-                  </p:tgtEl>
-                </p:cond>
-              </p:nextCondLst>
-            </p:seq>
-          </p:childTnLst>
-        </p:cTn>
-      </p:par>
-    </p:tnLst>
-  </p:timing>
-</p:sld>
-</file>
-
-<file path=ppt/slides/slide30.xml><?xml version="1.0" encoding="utf-8"?>
+<file path=ppt/slides/slide32.xml><?xml version="1.0" encoding="utf-8"?>
 <p:sld xmlns:a="http://schemas.openxmlformats.org/drawingml/2006/main" xmlns:r="http://schemas.openxmlformats.org/officeDocument/2006/relationships" xmlns:p="http://schemas.openxmlformats.org/presentationml/2006/main">
   <p:cSld>
     <p:spTree>
@@ -27342,7 +27714,7 @@
 </p:sld>
 </file>
 
-<file path=ppt/slides/slide31.xml><?xml version="1.0" encoding="utf-8"?>
+<file path=ppt/slides/slide33.xml><?xml version="1.0" encoding="utf-8"?>
 <p:sld xmlns:a="http://schemas.openxmlformats.org/drawingml/2006/main" xmlns:r="http://schemas.openxmlformats.org/officeDocument/2006/relationships" xmlns:p="http://schemas.openxmlformats.org/presentationml/2006/main">
   <p:cSld>
     <p:spTree>
@@ -28427,7 +28799,7 @@
 </p:sld>
 </file>
 
-<file path=ppt/slides/slide32.xml><?xml version="1.0" encoding="utf-8"?>
+<file path=ppt/slides/slide34.xml><?xml version="1.0" encoding="utf-8"?>
 <p:sld xmlns:a="http://schemas.openxmlformats.org/drawingml/2006/main" xmlns:r="http://schemas.openxmlformats.org/officeDocument/2006/relationships" xmlns:p="http://schemas.openxmlformats.org/presentationml/2006/main">
   <p:cSld>
     <p:spTree>
@@ -29338,7 +29710,7 @@
 </p:sld>
 </file>
 
-<file path=ppt/slides/slide33.xml><?xml version="1.0" encoding="utf-8"?>
+<file path=ppt/slides/slide35.xml><?xml version="1.0" encoding="utf-8"?>
 <p:sld xmlns:a="http://schemas.openxmlformats.org/drawingml/2006/main" xmlns:r="http://schemas.openxmlformats.org/officeDocument/2006/relationships" xmlns:p="http://schemas.openxmlformats.org/presentationml/2006/main">
   <p:cSld>
     <p:spTree>
@@ -29997,7 +30369,7 @@
 </p:sld>
 </file>
 
-<file path=ppt/slides/slide34.xml><?xml version="1.0" encoding="utf-8"?>
+<file path=ppt/slides/slide36.xml><?xml version="1.0" encoding="utf-8"?>
 <p:sld xmlns:a="http://schemas.openxmlformats.org/drawingml/2006/main" xmlns:r="http://schemas.openxmlformats.org/officeDocument/2006/relationships" xmlns:p="http://schemas.openxmlformats.org/presentationml/2006/main">
   <p:cSld>
     <p:spTree>
@@ -30846,7 +31218,7 @@
 </p:sld>
 </file>
 
-<file path=ppt/slides/slide35.xml><?xml version="1.0" encoding="utf-8"?>
+<file path=ppt/slides/slide37.xml><?xml version="1.0" encoding="utf-8"?>
 <p:sld xmlns:a="http://schemas.openxmlformats.org/drawingml/2006/main" xmlns:r="http://schemas.openxmlformats.org/officeDocument/2006/relationships" xmlns:p="http://schemas.openxmlformats.org/presentationml/2006/main">
   <p:cSld>
     <p:spTree>
